--- a/250423_지위위계 로직 검토.pptx
+++ b/250423_지위위계 로직 검토.pptx
@@ -4,15 +4,30 @@
   <p:sldMasterIdLst>
     <p:sldMasterId id="2147483648" r:id="rId1"/>
   </p:sldMasterIdLst>
+  <p:notesMasterIdLst>
+    <p:notesMasterId r:id="rId19"/>
+  </p:notesMasterIdLst>
   <p:sldIdLst>
-    <p:sldId id="256" r:id="rId2"/>
-    <p:sldId id="257" r:id="rId3"/>
-    <p:sldId id="258" r:id="rId4"/>
-    <p:sldId id="259" r:id="rId5"/>
-    <p:sldId id="260" r:id="rId6"/>
+    <p:sldId id="273" r:id="rId2"/>
+    <p:sldId id="256" r:id="rId3"/>
+    <p:sldId id="257" r:id="rId4"/>
+    <p:sldId id="258" r:id="rId5"/>
+    <p:sldId id="259" r:id="rId6"/>
+    <p:sldId id="260" r:id="rId7"/>
+    <p:sldId id="261" r:id="rId8"/>
+    <p:sldId id="266" r:id="rId9"/>
+    <p:sldId id="262" r:id="rId10"/>
+    <p:sldId id="263" r:id="rId11"/>
+    <p:sldId id="264" r:id="rId12"/>
+    <p:sldId id="265" r:id="rId13"/>
+    <p:sldId id="267" r:id="rId14"/>
+    <p:sldId id="268" r:id="rId15"/>
+    <p:sldId id="269" r:id="rId16"/>
+    <p:sldId id="270" r:id="rId17"/>
+    <p:sldId id="271" r:id="rId18"/>
   </p:sldIdLst>
   <p:sldSz cx="12192000" cy="6858000"/>
-  <p:notesSz cx="6858000" cy="9144000"/>
+  <p:notesSz cx="7099300" cy="10234613"/>
   <p:defaultTextStyle>
     <a:defPPr>
       <a:defRPr lang="ko-KR"/>
@@ -108,7 +123,445 @@
       </a:defRPr>
     </a:lvl9pPr>
   </p:defaultTextStyle>
+  <p:extLst>
+    <p:ext uri="{EFAFB233-063F-42B5-8137-9DF3F51BA10A}">
+      <p15:sldGuideLst xmlns:p15="http://schemas.microsoft.com/office/powerpoint/2012/main"/>
+    </p:ext>
+  </p:extLst>
 </p:presentation>
+</file>
+
+<file path=ppt/notesMasters/notesMaster1.xml><?xml version="1.0" encoding="utf-8"?>
+<p:notesMaster xmlns:a="http://schemas.openxmlformats.org/drawingml/2006/main" xmlns:r="http://schemas.openxmlformats.org/officeDocument/2006/relationships" xmlns:p="http://schemas.openxmlformats.org/presentationml/2006/main">
+  <p:cSld>
+    <p:bg>
+      <p:bgRef idx="1001">
+        <a:schemeClr val="bg1"/>
+      </p:bgRef>
+    </p:bg>
+    <p:spTree>
+      <p:nvGrpSpPr>
+        <p:cNvPr id="1" name=""/>
+        <p:cNvGrpSpPr/>
+        <p:nvPr/>
+      </p:nvGrpSpPr>
+      <p:grpSpPr>
+        <a:xfrm>
+          <a:off x="0" y="0"/>
+          <a:ext cx="0" cy="0"/>
+          <a:chOff x="0" y="0"/>
+          <a:chExt cx="0" cy="0"/>
+        </a:xfrm>
+      </p:grpSpPr>
+      <p:sp>
+        <p:nvSpPr>
+          <p:cNvPr id="2" name="머리글 개체 틀 1"/>
+          <p:cNvSpPr>
+            <a:spLocks noGrp="1"/>
+          </p:cNvSpPr>
+          <p:nvPr>
+            <p:ph type="hdr" sz="quarter"/>
+          </p:nvPr>
+        </p:nvSpPr>
+        <p:spPr>
+          <a:xfrm>
+            <a:off x="0" y="0"/>
+            <a:ext cx="3076363" cy="513508"/>
+          </a:xfrm>
+          <a:prstGeom prst="rect">
+            <a:avLst/>
+          </a:prstGeom>
+        </p:spPr>
+        <p:txBody>
+          <a:bodyPr vert="horz" lIns="99048" tIns="49524" rIns="99048" bIns="49524" rtlCol="0"/>
+          <a:lstStyle>
+            <a:lvl1pPr algn="l">
+              <a:defRPr sz="1300"/>
+            </a:lvl1pPr>
+          </a:lstStyle>
+          <a:p>
+            <a:endParaRPr lang="ko-KR" altLang="en-US"/>
+          </a:p>
+        </p:txBody>
+      </p:sp>
+      <p:sp>
+        <p:nvSpPr>
+          <p:cNvPr id="3" name="날짜 개체 틀 2"/>
+          <p:cNvSpPr>
+            <a:spLocks noGrp="1"/>
+          </p:cNvSpPr>
+          <p:nvPr>
+            <p:ph type="dt" idx="1"/>
+          </p:nvPr>
+        </p:nvSpPr>
+        <p:spPr>
+          <a:xfrm>
+            <a:off x="4021294" y="0"/>
+            <a:ext cx="3076363" cy="513508"/>
+          </a:xfrm>
+          <a:prstGeom prst="rect">
+            <a:avLst/>
+          </a:prstGeom>
+        </p:spPr>
+        <p:txBody>
+          <a:bodyPr vert="horz" lIns="99048" tIns="49524" rIns="99048" bIns="49524" rtlCol="0"/>
+          <a:lstStyle>
+            <a:lvl1pPr algn="r">
+              <a:defRPr sz="1300"/>
+            </a:lvl1pPr>
+          </a:lstStyle>
+          <a:p>
+            <a:fld id="{1498F9CD-F5CE-48FF-8A90-5434A87CBC87}" type="datetimeFigureOut">
+              <a:rPr lang="ko-KR" altLang="en-US" smtClean="0"/>
+              <a:t>2025-04-25</a:t>
+            </a:fld>
+            <a:endParaRPr lang="ko-KR" altLang="en-US"/>
+          </a:p>
+        </p:txBody>
+      </p:sp>
+      <p:sp>
+        <p:nvSpPr>
+          <p:cNvPr id="4" name="슬라이드 이미지 개체 틀 3"/>
+          <p:cNvSpPr>
+            <a:spLocks noGrp="1" noRot="1" noChangeAspect="1"/>
+          </p:cNvSpPr>
+          <p:nvPr>
+            <p:ph type="sldImg" idx="2"/>
+          </p:nvPr>
+        </p:nvSpPr>
+        <p:spPr>
+          <a:xfrm>
+            <a:off x="479425" y="1279525"/>
+            <a:ext cx="6140450" cy="3454400"/>
+          </a:xfrm>
+          <a:prstGeom prst="rect">
+            <a:avLst/>
+          </a:prstGeom>
+          <a:noFill/>
+          <a:ln w="12700">
+            <a:solidFill>
+              <a:prstClr val="black"/>
+            </a:solidFill>
+          </a:ln>
+        </p:spPr>
+        <p:txBody>
+          <a:bodyPr vert="horz" lIns="99048" tIns="49524" rIns="99048" bIns="49524" rtlCol="0" anchor="ctr"/>
+          <a:lstStyle/>
+          <a:p>
+            <a:endParaRPr lang="ko-KR" altLang="en-US"/>
+          </a:p>
+        </p:txBody>
+      </p:sp>
+      <p:sp>
+        <p:nvSpPr>
+          <p:cNvPr id="5" name="슬라이드 노트 개체 틀 4"/>
+          <p:cNvSpPr>
+            <a:spLocks noGrp="1"/>
+          </p:cNvSpPr>
+          <p:nvPr>
+            <p:ph type="body" sz="quarter" idx="3"/>
+          </p:nvPr>
+        </p:nvSpPr>
+        <p:spPr>
+          <a:xfrm>
+            <a:off x="709930" y="4925407"/>
+            <a:ext cx="5679440" cy="4029879"/>
+          </a:xfrm>
+          <a:prstGeom prst="rect">
+            <a:avLst/>
+          </a:prstGeom>
+        </p:spPr>
+        <p:txBody>
+          <a:bodyPr vert="horz" lIns="99048" tIns="49524" rIns="99048" bIns="49524" rtlCol="0"/>
+          <a:lstStyle/>
+          <a:p>
+            <a:pPr lvl="0"/>
+            <a:r>
+              <a:rPr lang="ko-KR" altLang="en-US"/>
+              <a:t>마스터 텍스트 스타일을 편집하려면 클릭</a:t>
+            </a:r>
+          </a:p>
+          <a:p>
+            <a:pPr lvl="1"/>
+            <a:r>
+              <a:rPr lang="ko-KR" altLang="en-US"/>
+              <a:t>두 번째 수준</a:t>
+            </a:r>
+          </a:p>
+          <a:p>
+            <a:pPr lvl="2"/>
+            <a:r>
+              <a:rPr lang="ko-KR" altLang="en-US"/>
+              <a:t>세 번째 수준</a:t>
+            </a:r>
+          </a:p>
+          <a:p>
+            <a:pPr lvl="3"/>
+            <a:r>
+              <a:rPr lang="ko-KR" altLang="en-US"/>
+              <a:t>네 번째 수준</a:t>
+            </a:r>
+          </a:p>
+          <a:p>
+            <a:pPr lvl="4"/>
+            <a:r>
+              <a:rPr lang="ko-KR" altLang="en-US"/>
+              <a:t>다섯 번째 수준</a:t>
+            </a:r>
+          </a:p>
+        </p:txBody>
+      </p:sp>
+      <p:sp>
+        <p:nvSpPr>
+          <p:cNvPr id="6" name="바닥글 개체 틀 5"/>
+          <p:cNvSpPr>
+            <a:spLocks noGrp="1"/>
+          </p:cNvSpPr>
+          <p:nvPr>
+            <p:ph type="ftr" sz="quarter" idx="4"/>
+          </p:nvPr>
+        </p:nvSpPr>
+        <p:spPr>
+          <a:xfrm>
+            <a:off x="0" y="9721107"/>
+            <a:ext cx="3076363" cy="513507"/>
+          </a:xfrm>
+          <a:prstGeom prst="rect">
+            <a:avLst/>
+          </a:prstGeom>
+        </p:spPr>
+        <p:txBody>
+          <a:bodyPr vert="horz" lIns="99048" tIns="49524" rIns="99048" bIns="49524" rtlCol="0" anchor="b"/>
+          <a:lstStyle>
+            <a:lvl1pPr algn="l">
+              <a:defRPr sz="1300"/>
+            </a:lvl1pPr>
+          </a:lstStyle>
+          <a:p>
+            <a:endParaRPr lang="ko-KR" altLang="en-US"/>
+          </a:p>
+        </p:txBody>
+      </p:sp>
+      <p:sp>
+        <p:nvSpPr>
+          <p:cNvPr id="7" name="슬라이드 번호 개체 틀 6"/>
+          <p:cNvSpPr>
+            <a:spLocks noGrp="1"/>
+          </p:cNvSpPr>
+          <p:nvPr>
+            <p:ph type="sldNum" sz="quarter" idx="5"/>
+          </p:nvPr>
+        </p:nvSpPr>
+        <p:spPr>
+          <a:xfrm>
+            <a:off x="4021294" y="9721107"/>
+            <a:ext cx="3076363" cy="513507"/>
+          </a:xfrm>
+          <a:prstGeom prst="rect">
+            <a:avLst/>
+          </a:prstGeom>
+        </p:spPr>
+        <p:txBody>
+          <a:bodyPr vert="horz" lIns="99048" tIns="49524" rIns="99048" bIns="49524" rtlCol="0" anchor="b"/>
+          <a:lstStyle>
+            <a:lvl1pPr algn="r">
+              <a:defRPr sz="1300"/>
+            </a:lvl1pPr>
+          </a:lstStyle>
+          <a:p>
+            <a:fld id="{EFFB4C4F-4965-4FBE-A5E8-32FEF6645277}" type="slidenum">
+              <a:rPr lang="ko-KR" altLang="en-US" smtClean="0"/>
+              <a:t>‹#›</a:t>
+            </a:fld>
+            <a:endParaRPr lang="ko-KR" altLang="en-US"/>
+          </a:p>
+        </p:txBody>
+      </p:sp>
+    </p:spTree>
+    <p:extLst>
+      <p:ext uri="{BB962C8B-B14F-4D97-AF65-F5344CB8AC3E}">
+        <p14:creationId xmlns:p14="http://schemas.microsoft.com/office/powerpoint/2010/main" val="403768174"/>
+      </p:ext>
+    </p:extLst>
+  </p:cSld>
+  <p:clrMap bg1="lt1" tx1="dk1" bg2="lt2" tx2="dk2" accent1="accent1" accent2="accent2" accent3="accent3" accent4="accent4" accent5="accent5" accent6="accent6" hlink="hlink" folHlink="folHlink"/>
+  <p:notesStyle>
+    <a:lvl1pPr marL="0" algn="l" defTabSz="914400" rtl="0" eaLnBrk="1" latinLnBrk="1" hangingPunct="1">
+      <a:defRPr sz="1200" kern="1200">
+        <a:solidFill>
+          <a:schemeClr val="tx1"/>
+        </a:solidFill>
+        <a:latin typeface="+mn-lt"/>
+        <a:ea typeface="+mn-ea"/>
+        <a:cs typeface="+mn-cs"/>
+      </a:defRPr>
+    </a:lvl1pPr>
+    <a:lvl2pPr marL="457200" algn="l" defTabSz="914400" rtl="0" eaLnBrk="1" latinLnBrk="1" hangingPunct="1">
+      <a:defRPr sz="1200" kern="1200">
+        <a:solidFill>
+          <a:schemeClr val="tx1"/>
+        </a:solidFill>
+        <a:latin typeface="+mn-lt"/>
+        <a:ea typeface="+mn-ea"/>
+        <a:cs typeface="+mn-cs"/>
+      </a:defRPr>
+    </a:lvl2pPr>
+    <a:lvl3pPr marL="914400" algn="l" defTabSz="914400" rtl="0" eaLnBrk="1" latinLnBrk="1" hangingPunct="1">
+      <a:defRPr sz="1200" kern="1200">
+        <a:solidFill>
+          <a:schemeClr val="tx1"/>
+        </a:solidFill>
+        <a:latin typeface="+mn-lt"/>
+        <a:ea typeface="+mn-ea"/>
+        <a:cs typeface="+mn-cs"/>
+      </a:defRPr>
+    </a:lvl3pPr>
+    <a:lvl4pPr marL="1371600" algn="l" defTabSz="914400" rtl="0" eaLnBrk="1" latinLnBrk="1" hangingPunct="1">
+      <a:defRPr sz="1200" kern="1200">
+        <a:solidFill>
+          <a:schemeClr val="tx1"/>
+        </a:solidFill>
+        <a:latin typeface="+mn-lt"/>
+        <a:ea typeface="+mn-ea"/>
+        <a:cs typeface="+mn-cs"/>
+      </a:defRPr>
+    </a:lvl4pPr>
+    <a:lvl5pPr marL="1828800" algn="l" defTabSz="914400" rtl="0" eaLnBrk="1" latinLnBrk="1" hangingPunct="1">
+      <a:defRPr sz="1200" kern="1200">
+        <a:solidFill>
+          <a:schemeClr val="tx1"/>
+        </a:solidFill>
+        <a:latin typeface="+mn-lt"/>
+        <a:ea typeface="+mn-ea"/>
+        <a:cs typeface="+mn-cs"/>
+      </a:defRPr>
+    </a:lvl5pPr>
+    <a:lvl6pPr marL="2286000" algn="l" defTabSz="914400" rtl="0" eaLnBrk="1" latinLnBrk="1" hangingPunct="1">
+      <a:defRPr sz="1200" kern="1200">
+        <a:solidFill>
+          <a:schemeClr val="tx1"/>
+        </a:solidFill>
+        <a:latin typeface="+mn-lt"/>
+        <a:ea typeface="+mn-ea"/>
+        <a:cs typeface="+mn-cs"/>
+      </a:defRPr>
+    </a:lvl6pPr>
+    <a:lvl7pPr marL="2743200" algn="l" defTabSz="914400" rtl="0" eaLnBrk="1" latinLnBrk="1" hangingPunct="1">
+      <a:defRPr sz="1200" kern="1200">
+        <a:solidFill>
+          <a:schemeClr val="tx1"/>
+        </a:solidFill>
+        <a:latin typeface="+mn-lt"/>
+        <a:ea typeface="+mn-ea"/>
+        <a:cs typeface="+mn-cs"/>
+      </a:defRPr>
+    </a:lvl7pPr>
+    <a:lvl8pPr marL="3200400" algn="l" defTabSz="914400" rtl="0" eaLnBrk="1" latinLnBrk="1" hangingPunct="1">
+      <a:defRPr sz="1200" kern="1200">
+        <a:solidFill>
+          <a:schemeClr val="tx1"/>
+        </a:solidFill>
+        <a:latin typeface="+mn-lt"/>
+        <a:ea typeface="+mn-ea"/>
+        <a:cs typeface="+mn-cs"/>
+      </a:defRPr>
+    </a:lvl8pPr>
+    <a:lvl9pPr marL="3657600" algn="l" defTabSz="914400" rtl="0" eaLnBrk="1" latinLnBrk="1" hangingPunct="1">
+      <a:defRPr sz="1200" kern="1200">
+        <a:solidFill>
+          <a:schemeClr val="tx1"/>
+        </a:solidFill>
+        <a:latin typeface="+mn-lt"/>
+        <a:ea typeface="+mn-ea"/>
+        <a:cs typeface="+mn-cs"/>
+      </a:defRPr>
+    </a:lvl9pPr>
+  </p:notesStyle>
+</p:notesMaster>
+</file>
+
+<file path=ppt/notesSlides/notesSlide1.xml><?xml version="1.0" encoding="utf-8"?>
+<p:notes xmlns:a="http://schemas.openxmlformats.org/drawingml/2006/main" xmlns:r="http://schemas.openxmlformats.org/officeDocument/2006/relationships" xmlns:p="http://schemas.openxmlformats.org/presentationml/2006/main">
+  <p:cSld>
+    <p:spTree>
+      <p:nvGrpSpPr>
+        <p:cNvPr id="1" name=""/>
+        <p:cNvGrpSpPr/>
+        <p:nvPr/>
+      </p:nvGrpSpPr>
+      <p:grpSpPr>
+        <a:xfrm>
+          <a:off x="0" y="0"/>
+          <a:ext cx="0" cy="0"/>
+          <a:chOff x="0" y="0"/>
+          <a:chExt cx="0" cy="0"/>
+        </a:xfrm>
+      </p:grpSpPr>
+      <p:sp>
+        <p:nvSpPr>
+          <p:cNvPr id="2" name="슬라이드 이미지 개체 틀 1"/>
+          <p:cNvSpPr>
+            <a:spLocks noGrp="1" noRot="1" noChangeAspect="1"/>
+          </p:cNvSpPr>
+          <p:nvPr>
+            <p:ph type="sldImg"/>
+          </p:nvPr>
+        </p:nvSpPr>
+        <p:spPr/>
+      </p:sp>
+      <p:sp>
+        <p:nvSpPr>
+          <p:cNvPr id="3" name="슬라이드 노트 개체 틀 2"/>
+          <p:cNvSpPr>
+            <a:spLocks noGrp="1"/>
+          </p:cNvSpPr>
+          <p:nvPr>
+            <p:ph type="body" idx="1"/>
+          </p:nvPr>
+        </p:nvSpPr>
+        <p:spPr/>
+        <p:txBody>
+          <a:bodyPr/>
+          <a:lstStyle/>
+          <a:p>
+            <a:endParaRPr lang="ko-KR" altLang="en-US" dirty="0"/>
+          </a:p>
+        </p:txBody>
+      </p:sp>
+      <p:sp>
+        <p:nvSpPr>
+          <p:cNvPr id="4" name="슬라이드 번호 개체 틀 3"/>
+          <p:cNvSpPr>
+            <a:spLocks noGrp="1"/>
+          </p:cNvSpPr>
+          <p:nvPr>
+            <p:ph type="sldNum" sz="quarter" idx="5"/>
+          </p:nvPr>
+        </p:nvSpPr>
+        <p:spPr/>
+        <p:txBody>
+          <a:bodyPr/>
+          <a:lstStyle/>
+          <a:p>
+            <a:fld id="{EFFB4C4F-4965-4FBE-A5E8-32FEF6645277}" type="slidenum">
+              <a:rPr lang="ko-KR" altLang="en-US" smtClean="0"/>
+              <a:t>3</a:t>
+            </a:fld>
+            <a:endParaRPr lang="ko-KR" altLang="en-US"/>
+          </a:p>
+        </p:txBody>
+      </p:sp>
+    </p:spTree>
+    <p:extLst>
+      <p:ext uri="{BB962C8B-B14F-4D97-AF65-F5344CB8AC3E}">
+        <p14:creationId xmlns:p14="http://schemas.microsoft.com/office/powerpoint/2010/main" val="2061636235"/>
+      </p:ext>
+    </p:extLst>
+  </p:cSld>
+  <p:clrMapOvr>
+    <a:masterClrMapping/>
+  </p:clrMapOvr>
+</p:notes>
 </file>
 
 <file path=ppt/slideLayouts/slideLayout1.xml><?xml version="1.0" encoding="utf-8"?>
@@ -258,7 +711,7 @@
           <a:p>
             <a:fld id="{34EC83EA-D533-4362-BC68-0C0C847619C8}" type="datetimeFigureOut">
               <a:rPr lang="ko-KR" altLang="en-US" smtClean="0"/>
-              <a:t>2025-04-23</a:t>
+              <a:t>2025-04-25</a:t>
             </a:fld>
             <a:endParaRPr lang="ko-KR" altLang="en-US"/>
           </a:p>
@@ -456,7 +909,7 @@
           <a:p>
             <a:fld id="{34EC83EA-D533-4362-BC68-0C0C847619C8}" type="datetimeFigureOut">
               <a:rPr lang="ko-KR" altLang="en-US" smtClean="0"/>
-              <a:t>2025-04-23</a:t>
+              <a:t>2025-04-25</a:t>
             </a:fld>
             <a:endParaRPr lang="ko-KR" altLang="en-US"/>
           </a:p>
@@ -664,7 +1117,7 @@
           <a:p>
             <a:fld id="{34EC83EA-D533-4362-BC68-0C0C847619C8}" type="datetimeFigureOut">
               <a:rPr lang="ko-KR" altLang="en-US" smtClean="0"/>
-              <a:t>2025-04-23</a:t>
+              <a:t>2025-04-25</a:t>
             </a:fld>
             <a:endParaRPr lang="ko-KR" altLang="en-US"/>
           </a:p>
@@ -734,6 +1187,922 @@
   <p:clrMapOvr>
     <a:masterClrMapping/>
   </p:clrMapOvr>
+</p:sldLayout>
+</file>
+
+<file path=ppt/slideLayouts/slideLayout12.xml><?xml version="1.0" encoding="utf-8"?>
+<p:sldLayout xmlns:a="http://schemas.openxmlformats.org/drawingml/2006/main" xmlns:r="http://schemas.openxmlformats.org/officeDocument/2006/relationships" xmlns:p="http://schemas.openxmlformats.org/presentationml/2006/main" matchingName="1_제목만" userDrawn="1">
+  <p:cSld name="1_제목만">
+    <p:spTree>
+      <p:nvGrpSpPr>
+        <p:cNvPr id="1" name=""/>
+        <p:cNvGrpSpPr/>
+        <p:nvPr/>
+      </p:nvGrpSpPr>
+      <p:grpSpPr>
+        <a:xfrm>
+          <a:off x="0" y="0"/>
+          <a:ext cx="0" cy="0"/>
+          <a:chOff x="0" y="0"/>
+          <a:chExt cx="0" cy="0"/>
+        </a:xfrm>
+      </p:grpSpPr>
+      <p:graphicFrame>
+        <p:nvGraphicFramePr>
+          <p:cNvPr id="2" name="Group 99">
+            <a:extLst>
+              <a:ext uri="{FF2B5EF4-FFF2-40B4-BE49-F238E27FC236}">
+                <a16:creationId xmlns:a16="http://schemas.microsoft.com/office/drawing/2014/main" id="{5A19CFBF-3EFC-6A0F-6AB9-2DA6FF28BF98}"/>
+              </a:ext>
+            </a:extLst>
+          </p:cNvPr>
+          <p:cNvGraphicFramePr>
+            <a:graphicFrameLocks noGrp="1"/>
+          </p:cNvGraphicFramePr>
+          <p:nvPr/>
+        </p:nvGraphicFramePr>
+        <p:xfrm>
+          <a:off x="527050" y="5386388"/>
+          <a:ext cx="10947400" cy="692150"/>
+        </p:xfrm>
+        <a:graphic>
+          <a:graphicData uri="http://schemas.openxmlformats.org/drawingml/2006/table">
+            <a:tbl>
+              <a:tblPr>
+                <a:tableStyleId>{2D5ABB26-0587-4C30-8999-92F81FD0307C}</a:tableStyleId>
+              </a:tblPr>
+              <a:tblGrid>
+                <a:gridCol w="2736850">
+                  <a:extLst>
+                    <a:ext uri="{9D8B030D-6E8A-4147-A177-3AD203B41FA5}">
+                      <a16:colId xmlns:a16="http://schemas.microsoft.com/office/drawing/2014/main" val="20000"/>
+                    </a:ext>
+                  </a:extLst>
+                </a:gridCol>
+                <a:gridCol w="2736850">
+                  <a:extLst>
+                    <a:ext uri="{9D8B030D-6E8A-4147-A177-3AD203B41FA5}">
+                      <a16:colId xmlns:a16="http://schemas.microsoft.com/office/drawing/2014/main" val="20001"/>
+                    </a:ext>
+                  </a:extLst>
+                </a:gridCol>
+                <a:gridCol w="2736850">
+                  <a:extLst>
+                    <a:ext uri="{9D8B030D-6E8A-4147-A177-3AD203B41FA5}">
+                      <a16:colId xmlns:a16="http://schemas.microsoft.com/office/drawing/2014/main" val="20002"/>
+                    </a:ext>
+                  </a:extLst>
+                </a:gridCol>
+                <a:gridCol w="2736850">
+                  <a:extLst>
+                    <a:ext uri="{9D8B030D-6E8A-4147-A177-3AD203B41FA5}">
+                      <a16:colId xmlns:a16="http://schemas.microsoft.com/office/drawing/2014/main" val="20003"/>
+                    </a:ext>
+                  </a:extLst>
+                </a:gridCol>
+              </a:tblGrid>
+              <a:tr h="325718">
+                <a:tc>
+                  <a:txBody>
+                    <a:bodyPr/>
+                    <a:lstStyle/>
+                    <a:p>
+                      <a:pPr marL="0" marR="0" lvl="0" indent="0" algn="ctr" defTabSz="914400" rtl="0" eaLnBrk="1" latinLnBrk="1" hangingPunct="1">
+                        <a:lnSpc>
+                          <a:spcPct val="100000"/>
+                        </a:lnSpc>
+                        <a:spcBef>
+                          <a:spcPct val="20000"/>
+                        </a:spcBef>
+                        <a:spcAft>
+                          <a:spcPct val="0"/>
+                        </a:spcAft>
+                        <a:buClrTx/>
+                        <a:buFontTx/>
+                        <a:buNone/>
+                        <a:defRPr/>
+                      </a:pPr>
+                      <a:r>
+                        <a:rPr kumimoji="1" lang="en-US" altLang="ko-KR" sz="1300" u="none" strike="noStrike" cap="none" normalizeH="0" baseline="0">
+                          <a:effectLst/>
+                        </a:rPr>
+                        <a:t>Document Version</a:t>
+                      </a:r>
+                      <a:endParaRPr kumimoji="1" lang="ko-KR" altLang="en-US" sz="1300" b="1" i="0" u="none" strike="noStrike" cap="none" normalizeH="0" baseline="0">
+                        <a:solidFill>
+                          <a:schemeClr val="bg1">
+                            <a:lumMod val="50000"/>
+                          </a:schemeClr>
+                        </a:solidFill>
+                        <a:effectLst/>
+                        <a:latin typeface="+mn-ea"/>
+                        <a:ea typeface="+mn-ea"/>
+                      </a:endParaRPr>
+                    </a:p>
+                  </a:txBody>
+                  <a:tcPr marL="121921" marR="121921" marT="61072" marB="61072" horzOverflow="overflow">
+                    <a:lnR w="12700" cap="flat" cmpd="sng" algn="ctr">
+                      <a:solidFill>
+                        <a:schemeClr val="bg1">
+                          <a:lumMod val="50000"/>
+                        </a:schemeClr>
+                      </a:solidFill>
+                      <a:prstDash val="solid"/>
+                      <a:round/>
+                    </a:lnR>
+                    <a:lnT w="12700" cap="flat" cmpd="sng" algn="ctr">
+                      <a:solidFill>
+                        <a:schemeClr val="bg1">
+                          <a:lumMod val="50000"/>
+                        </a:schemeClr>
+                      </a:solidFill>
+                      <a:prstDash val="solid"/>
+                      <a:round/>
+                    </a:lnT>
+                    <a:lnB w="12700" cap="flat" cmpd="sng" algn="ctr">
+                      <a:solidFill>
+                        <a:schemeClr val="bg1">
+                          <a:lumMod val="50000"/>
+                        </a:schemeClr>
+                      </a:solidFill>
+                      <a:prstDash val="solid"/>
+                      <a:round/>
+                    </a:lnB>
+                  </a:tcPr>
+                </a:tc>
+                <a:tc>
+                  <a:txBody>
+                    <a:bodyPr/>
+                    <a:lstStyle/>
+                    <a:p>
+                      <a:pPr marL="0" marR="0" lvl="0" indent="0" algn="ctr" defTabSz="914400" rtl="0" eaLnBrk="1" latinLnBrk="1" hangingPunct="1">
+                        <a:lnSpc>
+                          <a:spcPct val="100000"/>
+                        </a:lnSpc>
+                        <a:spcBef>
+                          <a:spcPct val="20000"/>
+                        </a:spcBef>
+                        <a:spcAft>
+                          <a:spcPct val="0"/>
+                        </a:spcAft>
+                        <a:buClrTx/>
+                        <a:buFontTx/>
+                        <a:buNone/>
+                        <a:defRPr/>
+                      </a:pPr>
+                      <a:r>
+                        <a:rPr kumimoji="1" lang="en-US" altLang="ko-KR" sz="1300" u="none" strike="noStrike" cap="none" normalizeH="0" baseline="0">
+                          <a:effectLst/>
+                        </a:rPr>
+                        <a:t>Last Updated</a:t>
+                      </a:r>
+                      <a:endParaRPr kumimoji="1" lang="ko-KR" altLang="en-US" sz="1300" b="1" i="0" u="none" strike="noStrike" cap="none" normalizeH="0" baseline="0">
+                        <a:solidFill>
+                          <a:schemeClr val="bg1">
+                            <a:lumMod val="50000"/>
+                          </a:schemeClr>
+                        </a:solidFill>
+                        <a:effectLst/>
+                        <a:latin typeface="+mn-ea"/>
+                        <a:ea typeface="+mn-ea"/>
+                      </a:endParaRPr>
+                    </a:p>
+                  </a:txBody>
+                  <a:tcPr marL="121921" marR="121921" marT="61072" marB="61072" horzOverflow="overflow">
+                    <a:lnL w="12700" cap="flat" cmpd="sng" algn="ctr">
+                      <a:solidFill>
+                        <a:schemeClr val="bg1">
+                          <a:lumMod val="50000"/>
+                        </a:schemeClr>
+                      </a:solidFill>
+                      <a:prstDash val="solid"/>
+                      <a:round/>
+                    </a:lnL>
+                    <a:lnR w="12700" cap="flat" cmpd="sng" algn="ctr">
+                      <a:solidFill>
+                        <a:schemeClr val="bg1">
+                          <a:lumMod val="50000"/>
+                        </a:schemeClr>
+                      </a:solidFill>
+                      <a:prstDash val="solid"/>
+                      <a:round/>
+                    </a:lnR>
+                    <a:lnT w="12700" cap="flat" cmpd="sng" algn="ctr">
+                      <a:solidFill>
+                        <a:schemeClr val="bg1">
+                          <a:lumMod val="50000"/>
+                        </a:schemeClr>
+                      </a:solidFill>
+                      <a:prstDash val="solid"/>
+                      <a:round/>
+                    </a:lnT>
+                    <a:lnB w="12700" cap="flat" cmpd="sng" algn="ctr">
+                      <a:solidFill>
+                        <a:schemeClr val="bg1">
+                          <a:lumMod val="50000"/>
+                        </a:schemeClr>
+                      </a:solidFill>
+                      <a:prstDash val="solid"/>
+                      <a:round/>
+                    </a:lnB>
+                  </a:tcPr>
+                </a:tc>
+                <a:tc>
+                  <a:txBody>
+                    <a:bodyPr/>
+                    <a:lstStyle/>
+                    <a:p>
+                      <a:pPr marL="0" marR="0" lvl="0" indent="0" algn="ctr" defTabSz="914400" rtl="0" eaLnBrk="1" latinLnBrk="1" hangingPunct="1">
+                        <a:lnSpc>
+                          <a:spcPct val="100000"/>
+                        </a:lnSpc>
+                        <a:spcBef>
+                          <a:spcPct val="20000"/>
+                        </a:spcBef>
+                        <a:spcAft>
+                          <a:spcPct val="0"/>
+                        </a:spcAft>
+                        <a:buClrTx/>
+                        <a:buFontTx/>
+                        <a:buNone/>
+                        <a:defRPr/>
+                      </a:pPr>
+                      <a:r>
+                        <a:rPr kumimoji="1" lang="en-US" altLang="ko-KR" sz="1300" u="none" strike="noStrike" cap="none" normalizeH="0" baseline="0">
+                          <a:effectLst/>
+                        </a:rPr>
+                        <a:t>Organization</a:t>
+                      </a:r>
+                      <a:endParaRPr kumimoji="1" lang="ko-KR" altLang="en-US" sz="1300" b="1" i="0" u="none" strike="noStrike" cap="none" normalizeH="0" baseline="0">
+                        <a:solidFill>
+                          <a:schemeClr val="bg1">
+                            <a:lumMod val="50000"/>
+                          </a:schemeClr>
+                        </a:solidFill>
+                        <a:effectLst/>
+                        <a:latin typeface="+mn-ea"/>
+                        <a:ea typeface="+mn-ea"/>
+                      </a:endParaRPr>
+                    </a:p>
+                  </a:txBody>
+                  <a:tcPr marL="121921" marR="121921" marT="61072" marB="61072" horzOverflow="overflow">
+                    <a:lnL w="12700" cap="flat" cmpd="sng" algn="ctr">
+                      <a:solidFill>
+                        <a:schemeClr val="bg1">
+                          <a:lumMod val="50000"/>
+                        </a:schemeClr>
+                      </a:solidFill>
+                      <a:prstDash val="solid"/>
+                      <a:round/>
+                    </a:lnL>
+                    <a:lnR w="12700" cap="flat" cmpd="sng" algn="ctr">
+                      <a:solidFill>
+                        <a:schemeClr val="bg1">
+                          <a:lumMod val="50000"/>
+                        </a:schemeClr>
+                      </a:solidFill>
+                      <a:prstDash val="solid"/>
+                      <a:round/>
+                    </a:lnR>
+                    <a:lnT w="12700" cap="flat" cmpd="sng" algn="ctr">
+                      <a:solidFill>
+                        <a:schemeClr val="bg1">
+                          <a:lumMod val="50000"/>
+                        </a:schemeClr>
+                      </a:solidFill>
+                      <a:prstDash val="solid"/>
+                      <a:round/>
+                    </a:lnT>
+                    <a:lnB w="12700" cap="flat" cmpd="sng" algn="ctr">
+                      <a:solidFill>
+                        <a:schemeClr val="bg1">
+                          <a:lumMod val="50000"/>
+                        </a:schemeClr>
+                      </a:solidFill>
+                      <a:prstDash val="solid"/>
+                      <a:round/>
+                    </a:lnB>
+                  </a:tcPr>
+                </a:tc>
+                <a:tc>
+                  <a:txBody>
+                    <a:bodyPr/>
+                    <a:lstStyle/>
+                    <a:p>
+                      <a:pPr marL="0" marR="0" lvl="0" indent="0" algn="ctr" defTabSz="914400" rtl="0" eaLnBrk="1" latinLnBrk="1" hangingPunct="1">
+                        <a:lnSpc>
+                          <a:spcPct val="100000"/>
+                        </a:lnSpc>
+                        <a:spcBef>
+                          <a:spcPct val="20000"/>
+                        </a:spcBef>
+                        <a:spcAft>
+                          <a:spcPct val="0"/>
+                        </a:spcAft>
+                        <a:buClrTx/>
+                        <a:buFontTx/>
+                        <a:buNone/>
+                        <a:defRPr/>
+                      </a:pPr>
+                      <a:r>
+                        <a:rPr kumimoji="1" lang="en-US" altLang="ko-KR" sz="1300" u="none" strike="noStrike" cap="none" normalizeH="0" baseline="0">
+                          <a:effectLst/>
+                        </a:rPr>
+                        <a:t>Author</a:t>
+                      </a:r>
+                      <a:endParaRPr kumimoji="1" lang="ko-KR" altLang="en-US" sz="1300" b="1" i="0" u="none" strike="noStrike" cap="none" normalizeH="0" baseline="0">
+                        <a:solidFill>
+                          <a:schemeClr val="bg1">
+                            <a:lumMod val="50000"/>
+                          </a:schemeClr>
+                        </a:solidFill>
+                        <a:effectLst/>
+                        <a:latin typeface="+mn-ea"/>
+                        <a:ea typeface="+mn-ea"/>
+                      </a:endParaRPr>
+                    </a:p>
+                  </a:txBody>
+                  <a:tcPr marL="121921" marR="121921" marT="61072" marB="61072" horzOverflow="overflow">
+                    <a:lnL w="12700" cap="flat" cmpd="sng" algn="ctr">
+                      <a:solidFill>
+                        <a:schemeClr val="bg1">
+                          <a:lumMod val="50000"/>
+                        </a:schemeClr>
+                      </a:solidFill>
+                      <a:prstDash val="solid"/>
+                      <a:round/>
+                    </a:lnL>
+                    <a:lnT w="12700" cap="flat" cmpd="sng" algn="ctr">
+                      <a:solidFill>
+                        <a:schemeClr val="bg1">
+                          <a:lumMod val="50000"/>
+                        </a:schemeClr>
+                      </a:solidFill>
+                      <a:prstDash val="solid"/>
+                      <a:round/>
+                    </a:lnT>
+                    <a:lnB w="12700" cap="flat" cmpd="sng" algn="ctr">
+                      <a:solidFill>
+                        <a:schemeClr val="bg1">
+                          <a:lumMod val="50000"/>
+                        </a:schemeClr>
+                      </a:solidFill>
+                      <a:prstDash val="solid"/>
+                      <a:round/>
+                    </a:lnB>
+                  </a:tcPr>
+                </a:tc>
+                <a:extLst>
+                  <a:ext uri="{0D108BD9-81ED-4DB2-BD59-A6C34878D82A}">
+                    <a16:rowId xmlns:a16="http://schemas.microsoft.com/office/drawing/2014/main" val="10000"/>
+                  </a:ext>
+                </a:extLst>
+              </a:tr>
+              <a:tr h="366432">
+                <a:tc>
+                  <a:txBody>
+                    <a:bodyPr/>
+                    <a:lstStyle/>
+                    <a:p>
+                      <a:pPr marL="0" marR="0" lvl="0" indent="0" algn="ctr" defTabSz="914400" rtl="0" eaLnBrk="1" latinLnBrk="1" hangingPunct="1">
+                        <a:lnSpc>
+                          <a:spcPct val="100000"/>
+                        </a:lnSpc>
+                        <a:spcBef>
+                          <a:spcPct val="20000"/>
+                        </a:spcBef>
+                        <a:spcAft>
+                          <a:spcPct val="0"/>
+                        </a:spcAft>
+                        <a:buClrTx/>
+                        <a:buFontTx/>
+                        <a:buNone/>
+                        <a:defRPr/>
+                      </a:pPr>
+                      <a:endParaRPr kumimoji="1" lang="ko-KR" altLang="en-US" sz="1500" b="0" i="0" u="none" strike="noStrike" cap="none" normalizeH="0" baseline="0">
+                        <a:solidFill>
+                          <a:schemeClr val="bg1">
+                            <a:lumMod val="50000"/>
+                          </a:schemeClr>
+                        </a:solidFill>
+                        <a:effectLst/>
+                        <a:latin typeface="+mn-ea"/>
+                        <a:ea typeface="+mn-ea"/>
+                      </a:endParaRPr>
+                    </a:p>
+                  </a:txBody>
+                  <a:tcPr marL="121921" marR="121921" marT="61072" marB="61072" horzOverflow="overflow">
+                    <a:lnR w="12700" cap="flat" cmpd="sng" algn="ctr">
+                      <a:solidFill>
+                        <a:schemeClr val="bg1">
+                          <a:lumMod val="50000"/>
+                        </a:schemeClr>
+                      </a:solidFill>
+                      <a:prstDash val="solid"/>
+                      <a:round/>
+                    </a:lnR>
+                    <a:lnT w="12700" cap="flat" cmpd="sng" algn="ctr">
+                      <a:solidFill>
+                        <a:schemeClr val="bg1">
+                          <a:lumMod val="50000"/>
+                        </a:schemeClr>
+                      </a:solidFill>
+                      <a:prstDash val="solid"/>
+                      <a:round/>
+                    </a:lnT>
+                    <a:lnB w="12700" cap="flat" cmpd="sng" algn="ctr">
+                      <a:solidFill>
+                        <a:schemeClr val="bg1">
+                          <a:lumMod val="50000"/>
+                        </a:schemeClr>
+                      </a:solidFill>
+                      <a:prstDash val="solid"/>
+                      <a:round/>
+                    </a:lnB>
+                  </a:tcPr>
+                </a:tc>
+                <a:tc>
+                  <a:txBody>
+                    <a:bodyPr/>
+                    <a:lstStyle/>
+                    <a:p>
+                      <a:pPr marL="0" marR="0" lvl="0" indent="0" algn="ctr" defTabSz="914400" rtl="0" eaLnBrk="1" latinLnBrk="1" hangingPunct="1">
+                        <a:lnSpc>
+                          <a:spcPct val="100000"/>
+                        </a:lnSpc>
+                        <a:spcBef>
+                          <a:spcPct val="20000"/>
+                        </a:spcBef>
+                        <a:spcAft>
+                          <a:spcPct val="0"/>
+                        </a:spcAft>
+                        <a:buClrTx/>
+                        <a:buFontTx/>
+                        <a:buNone/>
+                        <a:defRPr/>
+                      </a:pPr>
+                      <a:endParaRPr kumimoji="1" lang="ko-KR" altLang="en-US" sz="1500" b="0" i="0" u="none" strike="noStrike" cap="none" normalizeH="0" baseline="0">
+                        <a:solidFill>
+                          <a:schemeClr val="bg1">
+                            <a:lumMod val="50000"/>
+                          </a:schemeClr>
+                        </a:solidFill>
+                        <a:effectLst/>
+                        <a:latin typeface="+mn-ea"/>
+                        <a:ea typeface="+mn-ea"/>
+                      </a:endParaRPr>
+                    </a:p>
+                  </a:txBody>
+                  <a:tcPr marL="121921" marR="121921" marT="61072" marB="61072" horzOverflow="overflow">
+                    <a:lnL w="12700" cap="flat" cmpd="sng" algn="ctr">
+                      <a:solidFill>
+                        <a:schemeClr val="bg1">
+                          <a:lumMod val="50000"/>
+                        </a:schemeClr>
+                      </a:solidFill>
+                      <a:prstDash val="solid"/>
+                      <a:round/>
+                    </a:lnL>
+                    <a:lnR w="12700" cap="flat" cmpd="sng" algn="ctr">
+                      <a:solidFill>
+                        <a:schemeClr val="bg1">
+                          <a:lumMod val="50000"/>
+                        </a:schemeClr>
+                      </a:solidFill>
+                      <a:prstDash val="solid"/>
+                      <a:round/>
+                    </a:lnR>
+                    <a:lnT w="12700" cap="flat" cmpd="sng" algn="ctr">
+                      <a:solidFill>
+                        <a:schemeClr val="bg1">
+                          <a:lumMod val="50000"/>
+                        </a:schemeClr>
+                      </a:solidFill>
+                      <a:prstDash val="solid"/>
+                      <a:round/>
+                    </a:lnT>
+                    <a:lnB w="12700" cap="flat" cmpd="sng" algn="ctr">
+                      <a:solidFill>
+                        <a:schemeClr val="bg1">
+                          <a:lumMod val="50000"/>
+                        </a:schemeClr>
+                      </a:solidFill>
+                      <a:prstDash val="solid"/>
+                      <a:round/>
+                    </a:lnB>
+                  </a:tcPr>
+                </a:tc>
+                <a:tc>
+                  <a:txBody>
+                    <a:bodyPr/>
+                    <a:lstStyle/>
+                    <a:p>
+                      <a:pPr marL="0" marR="0" lvl="0" indent="0" algn="ctr" defTabSz="914400" rtl="0" eaLnBrk="1" latinLnBrk="1" hangingPunct="1">
+                        <a:lnSpc>
+                          <a:spcPct val="100000"/>
+                        </a:lnSpc>
+                        <a:spcBef>
+                          <a:spcPct val="20000"/>
+                        </a:spcBef>
+                        <a:spcAft>
+                          <a:spcPct val="0"/>
+                        </a:spcAft>
+                        <a:buClrTx/>
+                        <a:buFontTx/>
+                        <a:buNone/>
+                        <a:defRPr/>
+                      </a:pPr>
+                      <a:endParaRPr kumimoji="1" lang="ko-KR" altLang="ko-KR" sz="1500" b="0" i="0" u="none" strike="noStrike" cap="none" normalizeH="0" baseline="0">
+                        <a:solidFill>
+                          <a:schemeClr val="bg1">
+                            <a:lumMod val="50000"/>
+                          </a:schemeClr>
+                        </a:solidFill>
+                        <a:effectLst/>
+                        <a:latin typeface="+mn-ea"/>
+                        <a:ea typeface="+mn-ea"/>
+                      </a:endParaRPr>
+                    </a:p>
+                  </a:txBody>
+                  <a:tcPr marL="121921" marR="121921" marT="61072" marB="61072" horzOverflow="overflow">
+                    <a:lnL w="12700" cap="flat" cmpd="sng" algn="ctr">
+                      <a:solidFill>
+                        <a:schemeClr val="bg1">
+                          <a:lumMod val="50000"/>
+                        </a:schemeClr>
+                      </a:solidFill>
+                      <a:prstDash val="solid"/>
+                      <a:round/>
+                    </a:lnL>
+                    <a:lnR w="12700" cap="flat" cmpd="sng" algn="ctr">
+                      <a:solidFill>
+                        <a:schemeClr val="bg1">
+                          <a:lumMod val="50000"/>
+                        </a:schemeClr>
+                      </a:solidFill>
+                      <a:prstDash val="solid"/>
+                      <a:round/>
+                    </a:lnR>
+                    <a:lnT w="12700" cap="flat" cmpd="sng" algn="ctr">
+                      <a:solidFill>
+                        <a:schemeClr val="bg1">
+                          <a:lumMod val="50000"/>
+                        </a:schemeClr>
+                      </a:solidFill>
+                      <a:prstDash val="solid"/>
+                      <a:round/>
+                    </a:lnT>
+                    <a:lnB w="12700" cap="flat" cmpd="sng" algn="ctr">
+                      <a:solidFill>
+                        <a:schemeClr val="bg1">
+                          <a:lumMod val="50000"/>
+                        </a:schemeClr>
+                      </a:solidFill>
+                      <a:prstDash val="solid"/>
+                      <a:round/>
+                    </a:lnB>
+                  </a:tcPr>
+                </a:tc>
+                <a:tc>
+                  <a:txBody>
+                    <a:bodyPr/>
+                    <a:lstStyle/>
+                    <a:p>
+                      <a:pPr marL="0" marR="0" lvl="0" indent="0" algn="ctr" defTabSz="914400" rtl="0" eaLnBrk="1" latinLnBrk="1" hangingPunct="1">
+                        <a:lnSpc>
+                          <a:spcPct val="100000"/>
+                        </a:lnSpc>
+                        <a:spcBef>
+                          <a:spcPct val="20000"/>
+                        </a:spcBef>
+                        <a:spcAft>
+                          <a:spcPct val="0"/>
+                        </a:spcAft>
+                        <a:buClrTx/>
+                        <a:buFontTx/>
+                        <a:buNone/>
+                        <a:defRPr/>
+                      </a:pPr>
+                      <a:endParaRPr kumimoji="1" lang="ko-KR" altLang="ko-KR" sz="1600" b="0" i="0" u="none" strike="noStrike" cap="none" normalizeH="0" baseline="0">
+                        <a:solidFill>
+                          <a:schemeClr val="bg1">
+                            <a:lumMod val="50000"/>
+                          </a:schemeClr>
+                        </a:solidFill>
+                        <a:effectLst/>
+                        <a:latin typeface="+mn-ea"/>
+                        <a:ea typeface="+mn-ea"/>
+                      </a:endParaRPr>
+                    </a:p>
+                  </a:txBody>
+                  <a:tcPr marL="121921" marR="121921" marT="61072" marB="61072" horzOverflow="overflow">
+                    <a:lnL w="12700" cap="flat" cmpd="sng" algn="ctr">
+                      <a:solidFill>
+                        <a:schemeClr val="bg1">
+                          <a:lumMod val="50000"/>
+                        </a:schemeClr>
+                      </a:solidFill>
+                      <a:prstDash val="solid"/>
+                      <a:round/>
+                    </a:lnL>
+                    <a:lnT w="12700" cap="flat" cmpd="sng" algn="ctr">
+                      <a:solidFill>
+                        <a:schemeClr val="bg1">
+                          <a:lumMod val="50000"/>
+                        </a:schemeClr>
+                      </a:solidFill>
+                      <a:prstDash val="solid"/>
+                      <a:round/>
+                    </a:lnT>
+                    <a:lnB w="12700" cap="flat" cmpd="sng" algn="ctr">
+                      <a:solidFill>
+                        <a:schemeClr val="bg1">
+                          <a:lumMod val="50000"/>
+                        </a:schemeClr>
+                      </a:solidFill>
+                      <a:prstDash val="solid"/>
+                      <a:round/>
+                    </a:lnB>
+                  </a:tcPr>
+                </a:tc>
+                <a:extLst>
+                  <a:ext uri="{0D108BD9-81ED-4DB2-BD59-A6C34878D82A}">
+                    <a16:rowId xmlns:a16="http://schemas.microsoft.com/office/drawing/2014/main" val="10001"/>
+                  </a:ext>
+                </a:extLst>
+              </a:tr>
+            </a:tbl>
+          </a:graphicData>
+        </a:graphic>
+      </p:graphicFrame>
+      <p:sp>
+        <p:nvSpPr>
+          <p:cNvPr id="25" name="제목 개체 틀 9"/>
+          <p:cNvSpPr>
+            <a:spLocks noGrp="1"/>
+          </p:cNvSpPr>
+          <p:nvPr>
+            <p:ph type="title"/>
+          </p:nvPr>
+        </p:nvSpPr>
+        <p:spPr>
+          <a:xfrm>
+            <a:off x="380571" y="2274590"/>
+            <a:ext cx="11284048" cy="576064"/>
+          </a:xfrm>
+          <a:prstGeom prst="rect">
+            <a:avLst/>
+          </a:prstGeom>
+        </p:spPr>
+        <p:txBody>
+          <a:bodyPr>
+            <a:normAutofit/>
+          </a:bodyPr>
+          <a:lstStyle>
+            <a:lvl1pPr>
+              <a:defRPr sz="2133" i="0">
+                <a:solidFill>
+                  <a:schemeClr val="tx1"/>
+                </a:solidFill>
+              </a:defRPr>
+            </a:lvl1pPr>
+          </a:lstStyle>
+          <a:p>
+            <a:pPr lvl="0"/>
+            <a:r>
+              <a:rPr lang="ko-KR" altLang="en-US"/>
+              <a:t>마스터 제목 스타일 편집</a:t>
+            </a:r>
+          </a:p>
+        </p:txBody>
+      </p:sp>
+      <p:sp>
+        <p:nvSpPr>
+          <p:cNvPr id="30" name="텍스트 개체 틀 17"/>
+          <p:cNvSpPr>
+            <a:spLocks noGrp="1"/>
+          </p:cNvSpPr>
+          <p:nvPr>
+            <p:ph type="body" sz="quarter" idx="10"/>
+          </p:nvPr>
+        </p:nvSpPr>
+        <p:spPr>
+          <a:xfrm>
+            <a:off x="532971" y="5752062"/>
+            <a:ext cx="2688629" cy="287668"/>
+          </a:xfrm>
+          <a:prstGeom prst="rect">
+            <a:avLst/>
+          </a:prstGeom>
+        </p:spPr>
+        <p:txBody>
+          <a:bodyPr/>
+          <a:lstStyle>
+            <a:lvl1pPr algn="ctr">
+              <a:buNone/>
+              <a:defRPr sz="1400">
+                <a:solidFill>
+                  <a:schemeClr val="bg1">
+                    <a:lumMod val="50000"/>
+                  </a:schemeClr>
+                </a:solidFill>
+              </a:defRPr>
+            </a:lvl1pPr>
+            <a:lvl2pPr>
+              <a:defRPr sz="1867"/>
+            </a:lvl2pPr>
+            <a:lvl3pPr>
+              <a:defRPr sz="1600"/>
+            </a:lvl3pPr>
+            <a:lvl4pPr>
+              <a:defRPr sz="1467"/>
+            </a:lvl4pPr>
+            <a:lvl5pPr>
+              <a:defRPr sz="1467"/>
+            </a:lvl5pPr>
+          </a:lstStyle>
+          <a:p>
+            <a:pPr lvl="0"/>
+            <a:r>
+              <a:rPr lang="ko-KR" altLang="en-US"/>
+              <a:t>마스터 텍스트 스타일을 편집합니다</a:t>
+            </a:r>
+          </a:p>
+        </p:txBody>
+      </p:sp>
+      <p:sp>
+        <p:nvSpPr>
+          <p:cNvPr id="31" name="텍스트 개체 틀 17"/>
+          <p:cNvSpPr>
+            <a:spLocks noGrp="1"/>
+          </p:cNvSpPr>
+          <p:nvPr>
+            <p:ph type="body" sz="quarter" idx="11"/>
+          </p:nvPr>
+        </p:nvSpPr>
+        <p:spPr>
+          <a:xfrm>
+            <a:off x="3288871" y="5752062"/>
+            <a:ext cx="2688629" cy="287668"/>
+          </a:xfrm>
+          <a:prstGeom prst="rect">
+            <a:avLst/>
+          </a:prstGeom>
+        </p:spPr>
+        <p:txBody>
+          <a:bodyPr/>
+          <a:lstStyle>
+            <a:lvl1pPr algn="ctr">
+              <a:buNone/>
+              <a:defRPr sz="1400">
+                <a:solidFill>
+                  <a:schemeClr val="bg1">
+                    <a:lumMod val="50000"/>
+                  </a:schemeClr>
+                </a:solidFill>
+              </a:defRPr>
+            </a:lvl1pPr>
+            <a:lvl2pPr>
+              <a:defRPr sz="1867"/>
+            </a:lvl2pPr>
+            <a:lvl3pPr>
+              <a:defRPr sz="1600"/>
+            </a:lvl3pPr>
+            <a:lvl4pPr>
+              <a:defRPr sz="1467"/>
+            </a:lvl4pPr>
+            <a:lvl5pPr>
+              <a:defRPr sz="1467"/>
+            </a:lvl5pPr>
+          </a:lstStyle>
+          <a:p>
+            <a:pPr lvl="0"/>
+            <a:r>
+              <a:rPr lang="ko-KR" altLang="en-US"/>
+              <a:t>마스터 텍스트 스타일을 편집합니다</a:t>
+            </a:r>
+          </a:p>
+        </p:txBody>
+      </p:sp>
+      <p:sp>
+        <p:nvSpPr>
+          <p:cNvPr id="32" name="텍스트 개체 틀 17"/>
+          <p:cNvSpPr>
+            <a:spLocks noGrp="1"/>
+          </p:cNvSpPr>
+          <p:nvPr>
+            <p:ph type="body" sz="quarter" idx="12"/>
+          </p:nvPr>
+        </p:nvSpPr>
+        <p:spPr>
+          <a:xfrm>
+            <a:off x="6012690" y="5752062"/>
+            <a:ext cx="2688629" cy="287668"/>
+          </a:xfrm>
+          <a:prstGeom prst="rect">
+            <a:avLst/>
+          </a:prstGeom>
+        </p:spPr>
+        <p:txBody>
+          <a:bodyPr/>
+          <a:lstStyle>
+            <a:lvl1pPr algn="ctr">
+              <a:buNone/>
+              <a:defRPr sz="1400">
+                <a:solidFill>
+                  <a:schemeClr val="bg1">
+                    <a:lumMod val="50000"/>
+                  </a:schemeClr>
+                </a:solidFill>
+              </a:defRPr>
+            </a:lvl1pPr>
+            <a:lvl2pPr>
+              <a:defRPr sz="1867"/>
+            </a:lvl2pPr>
+            <a:lvl3pPr>
+              <a:defRPr sz="1600"/>
+            </a:lvl3pPr>
+            <a:lvl4pPr>
+              <a:defRPr sz="1467"/>
+            </a:lvl4pPr>
+            <a:lvl5pPr>
+              <a:defRPr sz="1467"/>
+            </a:lvl5pPr>
+          </a:lstStyle>
+          <a:p>
+            <a:pPr lvl="0"/>
+            <a:r>
+              <a:rPr lang="ko-KR" altLang="en-US"/>
+              <a:t>마스터 텍스트 스타일을 편집합니다</a:t>
+            </a:r>
+          </a:p>
+        </p:txBody>
+      </p:sp>
+      <p:sp>
+        <p:nvSpPr>
+          <p:cNvPr id="33" name="텍스트 개체 틀 17"/>
+          <p:cNvSpPr>
+            <a:spLocks noGrp="1"/>
+          </p:cNvSpPr>
+          <p:nvPr>
+            <p:ph type="body" sz="quarter" idx="13"/>
+          </p:nvPr>
+        </p:nvSpPr>
+        <p:spPr>
+          <a:xfrm>
+            <a:off x="8758899" y="5752062"/>
+            <a:ext cx="2688629" cy="287668"/>
+          </a:xfrm>
+          <a:prstGeom prst="rect">
+            <a:avLst/>
+          </a:prstGeom>
+        </p:spPr>
+        <p:txBody>
+          <a:bodyPr/>
+          <a:lstStyle>
+            <a:lvl1pPr algn="ctr">
+              <a:buNone/>
+              <a:defRPr sz="1400">
+                <a:solidFill>
+                  <a:schemeClr val="bg1">
+                    <a:lumMod val="50000"/>
+                  </a:schemeClr>
+                </a:solidFill>
+              </a:defRPr>
+            </a:lvl1pPr>
+            <a:lvl2pPr>
+              <a:defRPr sz="1867"/>
+            </a:lvl2pPr>
+            <a:lvl3pPr>
+              <a:defRPr sz="1600"/>
+            </a:lvl3pPr>
+            <a:lvl4pPr>
+              <a:defRPr sz="1467"/>
+            </a:lvl4pPr>
+            <a:lvl5pPr>
+              <a:defRPr sz="1467"/>
+            </a:lvl5pPr>
+          </a:lstStyle>
+          <a:p>
+            <a:pPr lvl="0"/>
+            <a:r>
+              <a:rPr lang="ko-KR" altLang="en-US"/>
+              <a:t>마스터 텍스트 스타일을 편집합니다</a:t>
+            </a:r>
+          </a:p>
+        </p:txBody>
+      </p:sp>
+    </p:spTree>
+    <p:extLst>
+      <p:ext uri="{BB962C8B-B14F-4D97-AF65-F5344CB8AC3E}">
+        <p14:creationId xmlns:p14="http://schemas.microsoft.com/office/powerpoint/2010/main" val="1017310727"/>
+      </p:ext>
+    </p:extLst>
+  </p:cSld>
+  <p:clrMapOvr>
+    <a:masterClrMapping/>
+  </p:clrMapOvr>
+  <p:transition/>
 </p:sldLayout>
 </file>
 
@@ -862,7 +2231,7 @@
           <a:p>
             <a:fld id="{34EC83EA-D533-4362-BC68-0C0C847619C8}" type="datetimeFigureOut">
               <a:rPr lang="ko-KR" altLang="en-US" smtClean="0"/>
-              <a:t>2025-04-23</a:t>
+              <a:t>2025-04-25</a:t>
             </a:fld>
             <a:endParaRPr lang="ko-KR" altLang="en-US"/>
           </a:p>
@@ -1137,7 +2506,7 @@
           <a:p>
             <a:fld id="{34EC83EA-D533-4362-BC68-0C0C847619C8}" type="datetimeFigureOut">
               <a:rPr lang="ko-KR" altLang="en-US" smtClean="0"/>
-              <a:t>2025-04-23</a:t>
+              <a:t>2025-04-25</a:t>
             </a:fld>
             <a:endParaRPr lang="ko-KR" altLang="en-US"/>
           </a:p>
@@ -1402,7 +2771,7 @@
           <a:p>
             <a:fld id="{34EC83EA-D533-4362-BC68-0C0C847619C8}" type="datetimeFigureOut">
               <a:rPr lang="ko-KR" altLang="en-US" smtClean="0"/>
-              <a:t>2025-04-23</a:t>
+              <a:t>2025-04-25</a:t>
             </a:fld>
             <a:endParaRPr lang="ko-KR" altLang="en-US"/>
           </a:p>
@@ -1814,7 +3183,7 @@
           <a:p>
             <a:fld id="{34EC83EA-D533-4362-BC68-0C0C847619C8}" type="datetimeFigureOut">
               <a:rPr lang="ko-KR" altLang="en-US" smtClean="0"/>
-              <a:t>2025-04-23</a:t>
+              <a:t>2025-04-25</a:t>
             </a:fld>
             <a:endParaRPr lang="ko-KR" altLang="en-US"/>
           </a:p>
@@ -1955,7 +3324,7 @@
           <a:p>
             <a:fld id="{34EC83EA-D533-4362-BC68-0C0C847619C8}" type="datetimeFigureOut">
               <a:rPr lang="ko-KR" altLang="en-US" smtClean="0"/>
-              <a:t>2025-04-23</a:t>
+              <a:t>2025-04-25</a:t>
             </a:fld>
             <a:endParaRPr lang="ko-KR" altLang="en-US"/>
           </a:p>
@@ -2068,7 +3437,7 @@
           <a:p>
             <a:fld id="{34EC83EA-D533-4362-BC68-0C0C847619C8}" type="datetimeFigureOut">
               <a:rPr lang="ko-KR" altLang="en-US" smtClean="0"/>
-              <a:t>2025-04-23</a:t>
+              <a:t>2025-04-25</a:t>
             </a:fld>
             <a:endParaRPr lang="ko-KR" altLang="en-US"/>
           </a:p>
@@ -2379,7 +3748,7 @@
           <a:p>
             <a:fld id="{34EC83EA-D533-4362-BC68-0C0C847619C8}" type="datetimeFigureOut">
               <a:rPr lang="ko-KR" altLang="en-US" smtClean="0"/>
-              <a:t>2025-04-23</a:t>
+              <a:t>2025-04-25</a:t>
             </a:fld>
             <a:endParaRPr lang="ko-KR" altLang="en-US"/>
           </a:p>
@@ -2667,7 +4036,7 @@
           <a:p>
             <a:fld id="{34EC83EA-D533-4362-BC68-0C0C847619C8}" type="datetimeFigureOut">
               <a:rPr lang="ko-KR" altLang="en-US" smtClean="0"/>
-              <a:t>2025-04-23</a:t>
+              <a:t>2025-04-25</a:t>
             </a:fld>
             <a:endParaRPr lang="ko-KR" altLang="en-US"/>
           </a:p>
@@ -2908,7 +4277,7 @@
           <a:p>
             <a:fld id="{34EC83EA-D533-4362-BC68-0C0C847619C8}" type="datetimeFigureOut">
               <a:rPr lang="ko-KR" altLang="en-US" smtClean="0"/>
-              <a:t>2025-04-23</a:t>
+              <a:t>2025-04-25</a:t>
             </a:fld>
             <a:endParaRPr lang="ko-KR" altLang="en-US"/>
           </a:p>
@@ -3024,6 +4393,7 @@
     <p:sldLayoutId id="2147483657" r:id="rId9"/>
     <p:sldLayoutId id="2147483658" r:id="rId10"/>
     <p:sldLayoutId id="2147483659" r:id="rId11"/>
+    <p:sldLayoutId id="2147483660" r:id="rId12"/>
   </p:sldLayoutIdLst>
   <p:txStyles>
     <p:titleStyle>
@@ -3325,12 +4695,555 @@
           <a:chExt cx="0" cy="0"/>
         </a:xfrm>
       </p:grpSpPr>
+      <p:sp>
+        <p:nvSpPr>
+          <p:cNvPr id="4" name="텍스트 개체 틀 3">
+            <a:extLst>
+              <a:ext uri="{FF2B5EF4-FFF2-40B4-BE49-F238E27FC236}">
+                <a16:creationId xmlns:a16="http://schemas.microsoft.com/office/drawing/2014/main" id="{A63F3194-F3CB-D4FA-71FC-35BE27E392CC}"/>
+              </a:ext>
+            </a:extLst>
+          </p:cNvPr>
+          <p:cNvSpPr>
+            <a:spLocks noGrp="1"/>
+          </p:cNvSpPr>
+          <p:nvPr>
+            <p:ph type="body" sz="quarter" idx="10"/>
+          </p:nvPr>
+        </p:nvSpPr>
+        <p:spPr>
+          <a:xfrm>
+            <a:off x="533400" y="5751513"/>
+            <a:ext cx="2687638" cy="288925"/>
+          </a:xfrm>
+        </p:spPr>
+        <p:txBody>
+          <a:bodyPr rtlCol="0">
+            <a:normAutofit/>
+          </a:bodyPr>
+          <a:lstStyle/>
+          <a:p>
+            <a:pPr eaLnBrk="1" fontAlgn="auto" hangingPunct="1">
+              <a:spcAft>
+                <a:spcPts val="0"/>
+              </a:spcAft>
+              <a:defRPr/>
+            </a:pPr>
+            <a:r>
+              <a:rPr lang="en-US" altLang="ko-KR" dirty="0"/>
+              <a:t>1.0</a:t>
+            </a:r>
+            <a:endParaRPr lang="ko-KR" altLang="en-US" dirty="0"/>
+          </a:p>
+        </p:txBody>
+      </p:sp>
+      <p:sp>
+        <p:nvSpPr>
+          <p:cNvPr id="5" name="텍스트 개체 틀 4">
+            <a:extLst>
+              <a:ext uri="{FF2B5EF4-FFF2-40B4-BE49-F238E27FC236}">
+                <a16:creationId xmlns:a16="http://schemas.microsoft.com/office/drawing/2014/main" id="{D60C61B6-8869-FC5A-1927-7BC9180B7BA6}"/>
+              </a:ext>
+            </a:extLst>
+          </p:cNvPr>
+          <p:cNvSpPr>
+            <a:spLocks noGrp="1"/>
+          </p:cNvSpPr>
+          <p:nvPr>
+            <p:ph type="body" sz="quarter" idx="11"/>
+          </p:nvPr>
+        </p:nvSpPr>
+        <p:spPr>
+          <a:xfrm>
+            <a:off x="3289300" y="5751513"/>
+            <a:ext cx="2687638" cy="288925"/>
+          </a:xfrm>
+        </p:spPr>
+        <p:txBody>
+          <a:bodyPr rtlCol="0">
+            <a:normAutofit/>
+          </a:bodyPr>
+          <a:lstStyle/>
+          <a:p>
+            <a:pPr eaLnBrk="1" fontAlgn="auto" hangingPunct="1">
+              <a:spcAft>
+                <a:spcPts val="0"/>
+              </a:spcAft>
+              <a:defRPr/>
+            </a:pPr>
+            <a:r>
+              <a:rPr lang="en-US" altLang="ko-KR" dirty="0"/>
+              <a:t>2025.04.25</a:t>
+            </a:r>
+          </a:p>
+        </p:txBody>
+      </p:sp>
+      <p:sp>
+        <p:nvSpPr>
+          <p:cNvPr id="6" name="텍스트 개체 틀 5">
+            <a:extLst>
+              <a:ext uri="{FF2B5EF4-FFF2-40B4-BE49-F238E27FC236}">
+                <a16:creationId xmlns:a16="http://schemas.microsoft.com/office/drawing/2014/main" id="{7152FE14-90AF-20BC-7BB7-C6DFE951D222}"/>
+              </a:ext>
+            </a:extLst>
+          </p:cNvPr>
+          <p:cNvSpPr>
+            <a:spLocks noGrp="1"/>
+          </p:cNvSpPr>
+          <p:nvPr>
+            <p:ph type="body" sz="quarter" idx="12"/>
+          </p:nvPr>
+        </p:nvSpPr>
+        <p:spPr>
+          <a:xfrm>
+            <a:off x="6013450" y="5751513"/>
+            <a:ext cx="2687638" cy="288925"/>
+          </a:xfrm>
+        </p:spPr>
+        <p:txBody>
+          <a:bodyPr rtlCol="0">
+            <a:normAutofit/>
+          </a:bodyPr>
+          <a:lstStyle/>
+          <a:p>
+            <a:pPr eaLnBrk="1" fontAlgn="auto" hangingPunct="1">
+              <a:spcAft>
+                <a:spcPts val="0"/>
+              </a:spcAft>
+              <a:defRPr/>
+            </a:pPr>
+            <a:r>
+              <a:rPr lang="ko-KR" altLang="en-US" dirty="0" err="1"/>
+              <a:t>인싸이트</a:t>
+            </a:r>
+            <a:r>
+              <a:rPr lang="ko-KR" altLang="en-US" dirty="0"/>
+              <a:t> 연구개발팀</a:t>
+            </a:r>
+          </a:p>
+        </p:txBody>
+      </p:sp>
+      <p:sp>
+        <p:nvSpPr>
+          <p:cNvPr id="4102" name="텍스트 개체 틀 5">
+            <a:extLst>
+              <a:ext uri="{FF2B5EF4-FFF2-40B4-BE49-F238E27FC236}">
+                <a16:creationId xmlns:a16="http://schemas.microsoft.com/office/drawing/2014/main" id="{268E0C3A-D21C-FF3B-CAE2-6505EBB2A57B}"/>
+              </a:ext>
+            </a:extLst>
+          </p:cNvPr>
+          <p:cNvSpPr txBox="1">
+            <a:spLocks noChangeArrowheads="1"/>
+          </p:cNvSpPr>
+          <p:nvPr/>
+        </p:nvSpPr>
+        <p:spPr bwMode="auto">
+          <a:xfrm>
+            <a:off x="8758238" y="5751513"/>
+            <a:ext cx="2689225" cy="288925"/>
+          </a:xfrm>
+          <a:prstGeom prst="rect">
+            <a:avLst/>
+          </a:prstGeom>
+          <a:noFill/>
+          <a:ln>
+            <a:noFill/>
+          </a:ln>
+          <a:extLst>
+            <a:ext uri="{909E8E84-426E-40DD-AFC4-6F175D3DCCD1}">
+              <a14:hiddenFill xmlns:a14="http://schemas.microsoft.com/office/drawing/2010/main">
+                <a:solidFill>
+                  <a:srgbClr val="FFFFFF"/>
+                </a:solidFill>
+              </a14:hiddenFill>
+            </a:ext>
+            <a:ext uri="{91240B29-F687-4F45-9708-019B960494DF}">
+              <a14:hiddenLine xmlns:a14="http://schemas.microsoft.com/office/drawing/2010/main" w="9525">
+                <a:solidFill>
+                  <a:srgbClr val="000000"/>
+                </a:solidFill>
+                <a:miter lim="800000"/>
+                <a:headEnd/>
+                <a:tailEnd/>
+              </a14:hiddenLine>
+            </a:ext>
+          </a:extLst>
+        </p:spPr>
+        <p:txBody>
+          <a:bodyPr/>
+          <a:lstStyle>
+            <a:lvl1pPr marL="228600" indent="-228600" latinLnBrk="1">
+              <a:lnSpc>
+                <a:spcPct val="90000"/>
+              </a:lnSpc>
+              <a:spcBef>
+                <a:spcPts val="1000"/>
+              </a:spcBef>
+              <a:buFont typeface="Arial" panose="020B0604020202020204" pitchFamily="34" charset="0"/>
+              <a:buChar char="•"/>
+              <a:defRPr sz="2800">
+                <a:solidFill>
+                  <a:schemeClr val="tx1"/>
+                </a:solidFill>
+                <a:latin typeface="맑은 고딕" panose="020B0503020000020004" pitchFamily="50" charset="-127"/>
+                <a:ea typeface="맑은 고딕" panose="020B0503020000020004" pitchFamily="50" charset="-127"/>
+              </a:defRPr>
+            </a:lvl1pPr>
+            <a:lvl2pPr marL="685800" indent="-228600" latinLnBrk="1">
+              <a:lnSpc>
+                <a:spcPct val="90000"/>
+              </a:lnSpc>
+              <a:spcBef>
+                <a:spcPts val="500"/>
+              </a:spcBef>
+              <a:buFont typeface="Arial" panose="020B0604020202020204" pitchFamily="34" charset="0"/>
+              <a:buChar char="•"/>
+              <a:defRPr sz="2400">
+                <a:solidFill>
+                  <a:schemeClr val="tx1"/>
+                </a:solidFill>
+                <a:latin typeface="맑은 고딕" panose="020B0503020000020004" pitchFamily="50" charset="-127"/>
+                <a:ea typeface="맑은 고딕" panose="020B0503020000020004" pitchFamily="50" charset="-127"/>
+              </a:defRPr>
+            </a:lvl2pPr>
+            <a:lvl3pPr marL="1143000" indent="-228600" latinLnBrk="1">
+              <a:lnSpc>
+                <a:spcPct val="90000"/>
+              </a:lnSpc>
+              <a:spcBef>
+                <a:spcPts val="500"/>
+              </a:spcBef>
+              <a:buFont typeface="Arial" panose="020B0604020202020204" pitchFamily="34" charset="0"/>
+              <a:buChar char="•"/>
+              <a:defRPr sz="2000">
+                <a:solidFill>
+                  <a:schemeClr val="tx1"/>
+                </a:solidFill>
+                <a:latin typeface="맑은 고딕" panose="020B0503020000020004" pitchFamily="50" charset="-127"/>
+                <a:ea typeface="맑은 고딕" panose="020B0503020000020004" pitchFamily="50" charset="-127"/>
+              </a:defRPr>
+            </a:lvl3pPr>
+            <a:lvl4pPr marL="1600200" indent="-228600" latinLnBrk="1">
+              <a:lnSpc>
+                <a:spcPct val="90000"/>
+              </a:lnSpc>
+              <a:spcBef>
+                <a:spcPts val="500"/>
+              </a:spcBef>
+              <a:buFont typeface="Arial" panose="020B0604020202020204" pitchFamily="34" charset="0"/>
+              <a:buChar char="•"/>
+              <a:defRPr>
+                <a:solidFill>
+                  <a:schemeClr val="tx1"/>
+                </a:solidFill>
+                <a:latin typeface="맑은 고딕" panose="020B0503020000020004" pitchFamily="50" charset="-127"/>
+                <a:ea typeface="맑은 고딕" panose="020B0503020000020004" pitchFamily="50" charset="-127"/>
+              </a:defRPr>
+            </a:lvl4pPr>
+            <a:lvl5pPr marL="2057400" indent="-228600" latinLnBrk="1">
+              <a:lnSpc>
+                <a:spcPct val="90000"/>
+              </a:lnSpc>
+              <a:spcBef>
+                <a:spcPts val="500"/>
+              </a:spcBef>
+              <a:buFont typeface="Arial" panose="020B0604020202020204" pitchFamily="34" charset="0"/>
+              <a:buChar char="•"/>
+              <a:defRPr>
+                <a:solidFill>
+                  <a:schemeClr val="tx1"/>
+                </a:solidFill>
+                <a:latin typeface="맑은 고딕" panose="020B0503020000020004" pitchFamily="50" charset="-127"/>
+                <a:ea typeface="맑은 고딕" panose="020B0503020000020004" pitchFamily="50" charset="-127"/>
+              </a:defRPr>
+            </a:lvl5pPr>
+            <a:lvl6pPr marL="2514600" indent="-228600" eaLnBrk="0" fontAlgn="base" hangingPunct="0">
+              <a:lnSpc>
+                <a:spcPct val="90000"/>
+              </a:lnSpc>
+              <a:spcBef>
+                <a:spcPts val="500"/>
+              </a:spcBef>
+              <a:spcAft>
+                <a:spcPct val="0"/>
+              </a:spcAft>
+              <a:buFont typeface="Arial" panose="020B0604020202020204" pitchFamily="34" charset="0"/>
+              <a:buChar char="•"/>
+              <a:defRPr>
+                <a:solidFill>
+                  <a:schemeClr val="tx1"/>
+                </a:solidFill>
+                <a:latin typeface="맑은 고딕" panose="020B0503020000020004" pitchFamily="50" charset="-127"/>
+                <a:ea typeface="맑은 고딕" panose="020B0503020000020004" pitchFamily="50" charset="-127"/>
+              </a:defRPr>
+            </a:lvl6pPr>
+            <a:lvl7pPr marL="2971800" indent="-228600" eaLnBrk="0" fontAlgn="base" hangingPunct="0">
+              <a:lnSpc>
+                <a:spcPct val="90000"/>
+              </a:lnSpc>
+              <a:spcBef>
+                <a:spcPts val="500"/>
+              </a:spcBef>
+              <a:spcAft>
+                <a:spcPct val="0"/>
+              </a:spcAft>
+              <a:buFont typeface="Arial" panose="020B0604020202020204" pitchFamily="34" charset="0"/>
+              <a:buChar char="•"/>
+              <a:defRPr>
+                <a:solidFill>
+                  <a:schemeClr val="tx1"/>
+                </a:solidFill>
+                <a:latin typeface="맑은 고딕" panose="020B0503020000020004" pitchFamily="50" charset="-127"/>
+                <a:ea typeface="맑은 고딕" panose="020B0503020000020004" pitchFamily="50" charset="-127"/>
+              </a:defRPr>
+            </a:lvl7pPr>
+            <a:lvl8pPr marL="3429000" indent="-228600" eaLnBrk="0" fontAlgn="base" hangingPunct="0">
+              <a:lnSpc>
+                <a:spcPct val="90000"/>
+              </a:lnSpc>
+              <a:spcBef>
+                <a:spcPts val="500"/>
+              </a:spcBef>
+              <a:spcAft>
+                <a:spcPct val="0"/>
+              </a:spcAft>
+              <a:buFont typeface="Arial" panose="020B0604020202020204" pitchFamily="34" charset="0"/>
+              <a:buChar char="•"/>
+              <a:defRPr>
+                <a:solidFill>
+                  <a:schemeClr val="tx1"/>
+                </a:solidFill>
+                <a:latin typeface="맑은 고딕" panose="020B0503020000020004" pitchFamily="50" charset="-127"/>
+                <a:ea typeface="맑은 고딕" panose="020B0503020000020004" pitchFamily="50" charset="-127"/>
+              </a:defRPr>
+            </a:lvl8pPr>
+            <a:lvl9pPr marL="3886200" indent="-228600" eaLnBrk="0" fontAlgn="base" hangingPunct="0">
+              <a:lnSpc>
+                <a:spcPct val="90000"/>
+              </a:lnSpc>
+              <a:spcBef>
+                <a:spcPts val="500"/>
+              </a:spcBef>
+              <a:spcAft>
+                <a:spcPct val="0"/>
+              </a:spcAft>
+              <a:buFont typeface="Arial" panose="020B0604020202020204" pitchFamily="34" charset="0"/>
+              <a:buChar char="•"/>
+              <a:defRPr>
+                <a:solidFill>
+                  <a:schemeClr val="tx1"/>
+                </a:solidFill>
+                <a:latin typeface="맑은 고딕" panose="020B0503020000020004" pitchFamily="50" charset="-127"/>
+                <a:ea typeface="맑은 고딕" panose="020B0503020000020004" pitchFamily="50" charset="-127"/>
+              </a:defRPr>
+            </a:lvl9pPr>
+          </a:lstStyle>
+          <a:p>
+            <a:pPr algn="ctr" eaLnBrk="1" hangingPunct="1">
+              <a:buFont typeface="Arial" panose="020B0604020202020204" pitchFamily="34" charset="0"/>
+              <a:buNone/>
+            </a:pPr>
+            <a:r>
+              <a:rPr lang="ko-KR" altLang="en-US" sz="1400" dirty="0">
+                <a:solidFill>
+                  <a:srgbClr val="7F7F7F"/>
+                </a:solidFill>
+              </a:rPr>
+              <a:t>부유민</a:t>
+            </a:r>
+          </a:p>
+        </p:txBody>
+      </p:sp>
+      <p:sp>
+        <p:nvSpPr>
+          <p:cNvPr id="10" name="제목 개체 틀 9">
+            <a:extLst>
+              <a:ext uri="{FF2B5EF4-FFF2-40B4-BE49-F238E27FC236}">
+                <a16:creationId xmlns:a16="http://schemas.microsoft.com/office/drawing/2014/main" id="{0AABEC61-5EAB-0678-584A-A0EF6F14CC1F}"/>
+              </a:ext>
+            </a:extLst>
+          </p:cNvPr>
+          <p:cNvSpPr>
+            <a:spLocks noGrp="1"/>
+          </p:cNvSpPr>
+          <p:nvPr>
+            <p:ph type="title"/>
+          </p:nvPr>
+        </p:nvSpPr>
+        <p:spPr>
+          <a:xfrm>
+            <a:off x="600878" y="2226659"/>
+            <a:ext cx="10990245" cy="576064"/>
+          </a:xfrm>
+        </p:spPr>
+        <p:txBody>
+          <a:bodyPr>
+            <a:normAutofit/>
+          </a:bodyPr>
+          <a:lstStyle/>
+          <a:p>
+            <a:pPr>
+              <a:defRPr/>
+            </a:pPr>
+            <a:r>
+              <a:rPr lang="ko-KR" altLang="en-US" sz="2200" b="1" spc="-150" dirty="0">
+                <a:solidFill>
+                  <a:srgbClr val="353D50"/>
+                </a:solidFill>
+              </a:rPr>
+              <a:t>지위위계 로직 검증 및 대안 탐색</a:t>
+            </a:r>
+          </a:p>
+        </p:txBody>
+      </p:sp>
+      <p:cxnSp>
+        <p:nvCxnSpPr>
+          <p:cNvPr id="22" name="직선 연결선 21">
+            <a:extLst>
+              <a:ext uri="{FF2B5EF4-FFF2-40B4-BE49-F238E27FC236}">
+                <a16:creationId xmlns:a16="http://schemas.microsoft.com/office/drawing/2014/main" id="{A1F81D92-C1D6-4676-0E30-DA285F9498CE}"/>
+              </a:ext>
+            </a:extLst>
+          </p:cNvPr>
+          <p:cNvCxnSpPr>
+            <a:cxnSpLocks/>
+          </p:cNvCxnSpPr>
+          <p:nvPr/>
+        </p:nvCxnSpPr>
+        <p:spPr>
+          <a:xfrm>
+            <a:off x="630555" y="2180939"/>
+            <a:ext cx="10816908" cy="0"/>
+          </a:xfrm>
+          <a:prstGeom prst="line">
+            <a:avLst/>
+          </a:prstGeom>
+          <a:ln w="19050">
+            <a:solidFill>
+              <a:srgbClr val="17549F"/>
+            </a:solidFill>
+          </a:ln>
+        </p:spPr>
+        <p:style>
+          <a:lnRef idx="1">
+            <a:schemeClr val="accent1"/>
+          </a:lnRef>
+          <a:fillRef idx="0">
+            <a:schemeClr val="accent1"/>
+          </a:fillRef>
+          <a:effectRef idx="0">
+            <a:schemeClr val="accent1"/>
+          </a:effectRef>
+          <a:fontRef idx="minor">
+            <a:schemeClr val="tx1"/>
+          </a:fontRef>
+        </p:style>
+      </p:cxnSp>
+      <p:sp>
+        <p:nvSpPr>
+          <p:cNvPr id="2" name="직사각형 1">
+            <a:extLst>
+              <a:ext uri="{FF2B5EF4-FFF2-40B4-BE49-F238E27FC236}">
+                <a16:creationId xmlns:a16="http://schemas.microsoft.com/office/drawing/2014/main" id="{5CDC041F-7E4C-9C2E-E60D-6A2C9AA1AEDE}"/>
+              </a:ext>
+            </a:extLst>
+          </p:cNvPr>
+          <p:cNvSpPr/>
+          <p:nvPr/>
+        </p:nvSpPr>
+        <p:spPr>
+          <a:xfrm>
+            <a:off x="630555" y="2161889"/>
+            <a:ext cx="10816908" cy="45720"/>
+          </a:xfrm>
+          <a:prstGeom prst="rect">
+            <a:avLst/>
+          </a:prstGeom>
+          <a:solidFill>
+            <a:srgbClr val="353D50"/>
+          </a:solidFill>
+          <a:ln>
+            <a:noFill/>
+          </a:ln>
+        </p:spPr>
+        <p:style>
+          <a:lnRef idx="2">
+            <a:schemeClr val="accent1">
+              <a:shade val="50000"/>
+            </a:schemeClr>
+          </a:lnRef>
+          <a:fillRef idx="1">
+            <a:schemeClr val="accent1"/>
+          </a:fillRef>
+          <a:effectRef idx="0">
+            <a:schemeClr val="accent1"/>
+          </a:effectRef>
+          <a:fontRef idx="minor">
+            <a:schemeClr val="lt1"/>
+          </a:fontRef>
+        </p:style>
+        <p:txBody>
+          <a:bodyPr rtlCol="0" anchor="ctr"/>
+          <a:lstStyle/>
+          <a:p>
+            <a:r>
+              <a:rPr lang="ko-KR" altLang="en-US" dirty="0">
+                <a:solidFill>
+                  <a:schemeClr val="bg1">
+                    <a:lumMod val="95000"/>
+                  </a:schemeClr>
+                </a:solidFill>
+                <a:latin typeface="나눔스퀘어 ExtraBold" panose="020B0600000101010101" pitchFamily="50" charset="-127"/>
+                <a:ea typeface="나눔스퀘어 ExtraBold" panose="020B0600000101010101" pitchFamily="50" charset="-127"/>
+              </a:rPr>
+              <a:t>   </a:t>
+            </a:r>
+          </a:p>
+        </p:txBody>
+      </p:sp>
+    </p:spTree>
+    <p:extLst>
+      <p:ext uri="{BB962C8B-B14F-4D97-AF65-F5344CB8AC3E}">
+        <p14:creationId xmlns:p14="http://schemas.microsoft.com/office/powerpoint/2010/main" val="1217905190"/>
+      </p:ext>
+    </p:extLst>
+  </p:cSld>
+  <p:clrMapOvr>
+    <a:masterClrMapping/>
+  </p:clrMapOvr>
+  <p:transition/>
+</p:sld>
+</file>
+
+<file path=ppt/slides/slide10.xml><?xml version="1.0" encoding="utf-8"?>
+<p:sld xmlns:a="http://schemas.openxmlformats.org/drawingml/2006/main" xmlns:r="http://schemas.openxmlformats.org/officeDocument/2006/relationships" xmlns:p="http://schemas.openxmlformats.org/presentationml/2006/main">
+  <p:cSld>
+    <p:spTree>
+      <p:nvGrpSpPr>
+        <p:cNvPr id="1" name="">
+          <a:extLst>
+            <a:ext uri="{FF2B5EF4-FFF2-40B4-BE49-F238E27FC236}">
+              <a16:creationId xmlns:a16="http://schemas.microsoft.com/office/drawing/2014/main" id="{63EE985E-4BA6-A7FB-2B40-98A6CF88D54D}"/>
+            </a:ext>
+          </a:extLst>
+        </p:cNvPr>
+        <p:cNvGrpSpPr/>
+        <p:nvPr/>
+      </p:nvGrpSpPr>
+      <p:grpSpPr>
+        <a:xfrm>
+          <a:off x="0" y="0"/>
+          <a:ext cx="0" cy="0"/>
+          <a:chOff x="0" y="0"/>
+          <a:chExt cx="0" cy="0"/>
+        </a:xfrm>
+      </p:grpSpPr>
       <p:pic>
         <p:nvPicPr>
-          <p:cNvPr id="8" name="그림 7">
-            <a:extLst>
-              <a:ext uri="{FF2B5EF4-FFF2-40B4-BE49-F238E27FC236}">
-                <a16:creationId xmlns:a16="http://schemas.microsoft.com/office/drawing/2014/main" id="{71AF62BD-C207-8ACF-D2CA-B35B69442848}"/>
+          <p:cNvPr id="27" name="그림 26">
+            <a:extLst>
+              <a:ext uri="{FF2B5EF4-FFF2-40B4-BE49-F238E27FC236}">
+                <a16:creationId xmlns:a16="http://schemas.microsoft.com/office/drawing/2014/main" id="{FC345B80-CDA1-BD42-073E-383BB9AAF1A3}"/>
               </a:ext>
             </a:extLst>
           </p:cNvPr>
@@ -3347,20 +5260,50 @@
         </p:blipFill>
         <p:spPr>
           <a:xfrm>
-            <a:off x="2062162" y="1857863"/>
-            <a:ext cx="8067675" cy="4772025"/>
+            <a:off x="442913" y="2119313"/>
+            <a:ext cx="5489994" cy="3076738"/>
           </a:xfrm>
           <a:prstGeom prst="rect">
             <a:avLst/>
           </a:prstGeom>
         </p:spPr>
       </p:pic>
-      <p:sp>
-        <p:nvSpPr>
-          <p:cNvPr id="9" name="사각형: 둥근 모서리 8">
-            <a:extLst>
-              <a:ext uri="{FF2B5EF4-FFF2-40B4-BE49-F238E27FC236}">
-                <a16:creationId xmlns:a16="http://schemas.microsoft.com/office/drawing/2014/main" id="{512B9148-6B19-B669-801A-67D121F7EE3F}"/>
+      <p:pic>
+        <p:nvPicPr>
+          <p:cNvPr id="28" name="그림 27">
+            <a:extLst>
+              <a:ext uri="{FF2B5EF4-FFF2-40B4-BE49-F238E27FC236}">
+                <a16:creationId xmlns:a16="http://schemas.microsoft.com/office/drawing/2014/main" id="{A2A279C6-63BB-4637-E78E-B78542EFC31D}"/>
+              </a:ext>
+            </a:extLst>
+          </p:cNvPr>
+          <p:cNvPicPr>
+            <a:picLocks noChangeAspect="1"/>
+          </p:cNvPicPr>
+          <p:nvPr/>
+        </p:nvPicPr>
+        <p:blipFill>
+          <a:blip r:embed="rId3"/>
+          <a:stretch>
+            <a:fillRect/>
+          </a:stretch>
+        </p:blipFill>
+        <p:spPr>
+          <a:xfrm>
+            <a:off x="6259094" y="2119311"/>
+            <a:ext cx="5524919" cy="3096311"/>
+          </a:xfrm>
+          <a:prstGeom prst="rect">
+            <a:avLst/>
+          </a:prstGeom>
+        </p:spPr>
+      </p:pic>
+      <p:sp>
+        <p:nvSpPr>
+          <p:cNvPr id="2" name="직사각형 1">
+            <a:extLst>
+              <a:ext uri="{FF2B5EF4-FFF2-40B4-BE49-F238E27FC236}">
+                <a16:creationId xmlns:a16="http://schemas.microsoft.com/office/drawing/2014/main" id="{95861523-307C-CF02-9237-561E4CFC9F3F}"/>
               </a:ext>
             </a:extLst>
           </p:cNvPr>
@@ -3369,7 +5312,2075 @@
         </p:nvSpPr>
         <p:spPr>
           <a:xfrm>
-            <a:off x="9154392" y="5845387"/>
+            <a:off x="0" y="0"/>
+            <a:ext cx="12192000" cy="537029"/>
+          </a:xfrm>
+          <a:prstGeom prst="rect">
+            <a:avLst/>
+          </a:prstGeom>
+          <a:solidFill>
+            <a:srgbClr val="353D50"/>
+          </a:solidFill>
+          <a:ln>
+            <a:noFill/>
+          </a:ln>
+        </p:spPr>
+        <p:style>
+          <a:lnRef idx="2">
+            <a:schemeClr val="accent1">
+              <a:shade val="50000"/>
+            </a:schemeClr>
+          </a:lnRef>
+          <a:fillRef idx="1">
+            <a:schemeClr val="accent1"/>
+          </a:fillRef>
+          <a:effectRef idx="0">
+            <a:schemeClr val="accent1"/>
+          </a:effectRef>
+          <a:fontRef idx="minor">
+            <a:schemeClr val="lt1"/>
+          </a:fontRef>
+        </p:style>
+        <p:txBody>
+          <a:bodyPr rtlCol="0" anchor="ctr"/>
+          <a:lstStyle/>
+          <a:p>
+            <a:r>
+              <a:rPr lang="ko-KR" altLang="en-US" dirty="0">
+                <a:solidFill>
+                  <a:schemeClr val="bg1">
+                    <a:lumMod val="95000"/>
+                  </a:schemeClr>
+                </a:solidFill>
+                <a:latin typeface="나눔스퀘어 ExtraBold" panose="020B0600000101010101" pitchFamily="50" charset="-127"/>
+                <a:ea typeface="나눔스퀘어 ExtraBold" panose="020B0600000101010101" pitchFamily="50" charset="-127"/>
+              </a:rPr>
+              <a:t>   지위위계 안정성 로직 탐색</a:t>
+            </a:r>
+          </a:p>
+        </p:txBody>
+      </p:sp>
+      <p:sp>
+        <p:nvSpPr>
+          <p:cNvPr id="13" name="직사각형 12">
+            <a:extLst>
+              <a:ext uri="{FF2B5EF4-FFF2-40B4-BE49-F238E27FC236}">
+                <a16:creationId xmlns:a16="http://schemas.microsoft.com/office/drawing/2014/main" id="{277A45EB-9D93-09B1-E8A6-60021C06D94F}"/>
+              </a:ext>
+            </a:extLst>
+          </p:cNvPr>
+          <p:cNvSpPr/>
+          <p:nvPr/>
+        </p:nvSpPr>
+        <p:spPr>
+          <a:xfrm>
+            <a:off x="442913" y="789063"/>
+            <a:ext cx="11341100" cy="537029"/>
+          </a:xfrm>
+          <a:prstGeom prst="rect">
+            <a:avLst/>
+          </a:prstGeom>
+          <a:solidFill>
+            <a:srgbClr val="D7DBE4"/>
+          </a:solidFill>
+          <a:ln>
+            <a:noFill/>
+          </a:ln>
+        </p:spPr>
+        <p:style>
+          <a:lnRef idx="2">
+            <a:schemeClr val="accent1">
+              <a:shade val="15000"/>
+            </a:schemeClr>
+          </a:lnRef>
+          <a:fillRef idx="1">
+            <a:schemeClr val="accent1"/>
+          </a:fillRef>
+          <a:effectRef idx="0">
+            <a:schemeClr val="accent1"/>
+          </a:effectRef>
+          <a:fontRef idx="minor">
+            <a:schemeClr val="lt1"/>
+          </a:fontRef>
+        </p:style>
+        <p:txBody>
+          <a:bodyPr rtlCol="0" anchor="ctr"/>
+          <a:lstStyle/>
+          <a:p>
+            <a:pPr algn="ctr"/>
+            <a:endParaRPr lang="ko-KR" altLang="en-US"/>
+          </a:p>
+        </p:txBody>
+      </p:sp>
+      <p:sp>
+        <p:nvSpPr>
+          <p:cNvPr id="3" name="TextBox 2">
+            <a:extLst>
+              <a:ext uri="{FF2B5EF4-FFF2-40B4-BE49-F238E27FC236}">
+                <a16:creationId xmlns:a16="http://schemas.microsoft.com/office/drawing/2014/main" id="{168D6687-8F9B-9460-F5F4-2211A390A197}"/>
+              </a:ext>
+            </a:extLst>
+          </p:cNvPr>
+          <p:cNvSpPr txBox="1"/>
+          <p:nvPr/>
+        </p:nvSpPr>
+        <p:spPr>
+          <a:xfrm>
+            <a:off x="500177" y="830383"/>
+            <a:ext cx="10521191" cy="405560"/>
+          </a:xfrm>
+          <a:prstGeom prst="rect">
+            <a:avLst/>
+          </a:prstGeom>
+          <a:noFill/>
+          <a:ln>
+            <a:noFill/>
+          </a:ln>
+        </p:spPr>
+        <p:txBody>
+          <a:bodyPr wrap="square" rtlCol="0">
+            <a:spAutoFit/>
+          </a:bodyPr>
+          <a:lstStyle/>
+          <a:p>
+            <a:pPr>
+              <a:lnSpc>
+                <a:spcPct val="120000"/>
+              </a:lnSpc>
+            </a:pPr>
+            <a:r>
+              <a:rPr lang="ko-KR" altLang="en-US" dirty="0">
+                <a:latin typeface="나눔스퀘어" panose="020B0600000101010101" pitchFamily="50" charset="-127"/>
+                <a:ea typeface="나눔스퀘어" panose="020B0600000101010101" pitchFamily="50" charset="-127"/>
+              </a:rPr>
+              <a:t>로직 고려하실 때 용이할 것 같아 학급별 지명횟수 시각자료 공유 드립니다</a:t>
+            </a:r>
+            <a:r>
+              <a:rPr lang="en-US" altLang="ko-KR" dirty="0">
+                <a:latin typeface="나눔스퀘어" panose="020B0600000101010101" pitchFamily="50" charset="-127"/>
+                <a:ea typeface="나눔스퀘어" panose="020B0600000101010101" pitchFamily="50" charset="-127"/>
+              </a:rPr>
+              <a:t>.</a:t>
+            </a:r>
+          </a:p>
+        </p:txBody>
+      </p:sp>
+    </p:spTree>
+    <p:extLst>
+      <p:ext uri="{BB962C8B-B14F-4D97-AF65-F5344CB8AC3E}">
+        <p14:creationId xmlns:p14="http://schemas.microsoft.com/office/powerpoint/2010/main" val="2639644079"/>
+      </p:ext>
+    </p:extLst>
+  </p:cSld>
+  <p:clrMapOvr>
+    <a:masterClrMapping/>
+  </p:clrMapOvr>
+</p:sld>
+</file>
+
+<file path=ppt/slides/slide11.xml><?xml version="1.0" encoding="utf-8"?>
+<p:sld xmlns:a="http://schemas.openxmlformats.org/drawingml/2006/main" xmlns:r="http://schemas.openxmlformats.org/officeDocument/2006/relationships" xmlns:p="http://schemas.openxmlformats.org/presentationml/2006/main">
+  <p:cSld>
+    <p:spTree>
+      <p:nvGrpSpPr>
+        <p:cNvPr id="1" name="">
+          <a:extLst>
+            <a:ext uri="{FF2B5EF4-FFF2-40B4-BE49-F238E27FC236}">
+              <a16:creationId xmlns:a16="http://schemas.microsoft.com/office/drawing/2014/main" id="{4D999A98-BCA5-EC9B-991F-F32D9982E95D}"/>
+            </a:ext>
+          </a:extLst>
+        </p:cNvPr>
+        <p:cNvGrpSpPr/>
+        <p:nvPr/>
+      </p:nvGrpSpPr>
+      <p:grpSpPr>
+        <a:xfrm>
+          <a:off x="0" y="0"/>
+          <a:ext cx="0" cy="0"/>
+          <a:chOff x="0" y="0"/>
+          <a:chExt cx="0" cy="0"/>
+        </a:xfrm>
+      </p:grpSpPr>
+      <p:sp>
+        <p:nvSpPr>
+          <p:cNvPr id="2" name="직사각형 1">
+            <a:extLst>
+              <a:ext uri="{FF2B5EF4-FFF2-40B4-BE49-F238E27FC236}">
+                <a16:creationId xmlns:a16="http://schemas.microsoft.com/office/drawing/2014/main" id="{A072EA49-65CD-2A34-6E5A-AD0F3BAE27EB}"/>
+              </a:ext>
+            </a:extLst>
+          </p:cNvPr>
+          <p:cNvSpPr/>
+          <p:nvPr/>
+        </p:nvSpPr>
+        <p:spPr>
+          <a:xfrm>
+            <a:off x="0" y="0"/>
+            <a:ext cx="12192000" cy="537029"/>
+          </a:xfrm>
+          <a:prstGeom prst="rect">
+            <a:avLst/>
+          </a:prstGeom>
+          <a:solidFill>
+            <a:srgbClr val="353D50"/>
+          </a:solidFill>
+          <a:ln>
+            <a:noFill/>
+          </a:ln>
+        </p:spPr>
+        <p:style>
+          <a:lnRef idx="2">
+            <a:schemeClr val="accent1">
+              <a:shade val="50000"/>
+            </a:schemeClr>
+          </a:lnRef>
+          <a:fillRef idx="1">
+            <a:schemeClr val="accent1"/>
+          </a:fillRef>
+          <a:effectRef idx="0">
+            <a:schemeClr val="accent1"/>
+          </a:effectRef>
+          <a:fontRef idx="minor">
+            <a:schemeClr val="lt1"/>
+          </a:fontRef>
+        </p:style>
+        <p:txBody>
+          <a:bodyPr rtlCol="0" anchor="ctr"/>
+          <a:lstStyle/>
+          <a:p>
+            <a:r>
+              <a:rPr lang="ko-KR" altLang="en-US" dirty="0">
+                <a:solidFill>
+                  <a:schemeClr val="bg1">
+                    <a:lumMod val="95000"/>
+                  </a:schemeClr>
+                </a:solidFill>
+                <a:latin typeface="나눔스퀘어 ExtraBold" panose="020B0600000101010101" pitchFamily="50" charset="-127"/>
+                <a:ea typeface="나눔스퀘어 ExtraBold" panose="020B0600000101010101" pitchFamily="50" charset="-127"/>
+              </a:rPr>
+              <a:t>   지위위계 안정성 로직 탐색</a:t>
+            </a:r>
+          </a:p>
+        </p:txBody>
+      </p:sp>
+      <p:sp>
+        <p:nvSpPr>
+          <p:cNvPr id="13" name="직사각형 12">
+            <a:extLst>
+              <a:ext uri="{FF2B5EF4-FFF2-40B4-BE49-F238E27FC236}">
+                <a16:creationId xmlns:a16="http://schemas.microsoft.com/office/drawing/2014/main" id="{9890E8DB-9B3A-78B9-FD6C-5208A17D2C44}"/>
+              </a:ext>
+            </a:extLst>
+          </p:cNvPr>
+          <p:cNvSpPr/>
+          <p:nvPr/>
+        </p:nvSpPr>
+        <p:spPr>
+          <a:xfrm>
+            <a:off x="442913" y="789063"/>
+            <a:ext cx="11341100" cy="537029"/>
+          </a:xfrm>
+          <a:prstGeom prst="rect">
+            <a:avLst/>
+          </a:prstGeom>
+          <a:solidFill>
+            <a:srgbClr val="D7DBE4"/>
+          </a:solidFill>
+          <a:ln>
+            <a:noFill/>
+          </a:ln>
+        </p:spPr>
+        <p:style>
+          <a:lnRef idx="2">
+            <a:schemeClr val="accent1">
+              <a:shade val="15000"/>
+            </a:schemeClr>
+          </a:lnRef>
+          <a:fillRef idx="1">
+            <a:schemeClr val="accent1"/>
+          </a:fillRef>
+          <a:effectRef idx="0">
+            <a:schemeClr val="accent1"/>
+          </a:effectRef>
+          <a:fontRef idx="minor">
+            <a:schemeClr val="lt1"/>
+          </a:fontRef>
+        </p:style>
+        <p:txBody>
+          <a:bodyPr rtlCol="0" anchor="ctr"/>
+          <a:lstStyle/>
+          <a:p>
+            <a:pPr algn="ctr"/>
+            <a:endParaRPr lang="ko-KR" altLang="en-US"/>
+          </a:p>
+        </p:txBody>
+      </p:sp>
+      <p:pic>
+        <p:nvPicPr>
+          <p:cNvPr id="5" name="그림 4">
+            <a:extLst>
+              <a:ext uri="{FF2B5EF4-FFF2-40B4-BE49-F238E27FC236}">
+                <a16:creationId xmlns:a16="http://schemas.microsoft.com/office/drawing/2014/main" id="{CCE5E6C2-E853-71B5-F24C-94CA3F828E60}"/>
+              </a:ext>
+            </a:extLst>
+          </p:cNvPr>
+          <p:cNvPicPr>
+            <a:picLocks noChangeAspect="1"/>
+          </p:cNvPicPr>
+          <p:nvPr/>
+        </p:nvPicPr>
+        <p:blipFill>
+          <a:blip r:embed="rId2"/>
+          <a:stretch>
+            <a:fillRect/>
+          </a:stretch>
+        </p:blipFill>
+        <p:spPr>
+          <a:xfrm>
+            <a:off x="442913" y="2228849"/>
+            <a:ext cx="5464174" cy="3062269"/>
+          </a:xfrm>
+          <a:prstGeom prst="rect">
+            <a:avLst/>
+          </a:prstGeom>
+        </p:spPr>
+      </p:pic>
+      <p:pic>
+        <p:nvPicPr>
+          <p:cNvPr id="7" name="그림 6">
+            <a:extLst>
+              <a:ext uri="{FF2B5EF4-FFF2-40B4-BE49-F238E27FC236}">
+                <a16:creationId xmlns:a16="http://schemas.microsoft.com/office/drawing/2014/main" id="{7107E550-0215-0835-E23A-1AC2F4DF0657}"/>
+              </a:ext>
+            </a:extLst>
+          </p:cNvPr>
+          <p:cNvPicPr>
+            <a:picLocks noChangeAspect="1"/>
+          </p:cNvPicPr>
+          <p:nvPr/>
+        </p:nvPicPr>
+        <p:blipFill>
+          <a:blip r:embed="rId3"/>
+          <a:stretch>
+            <a:fillRect/>
+          </a:stretch>
+        </p:blipFill>
+        <p:spPr>
+          <a:xfrm>
+            <a:off x="6319839" y="2228849"/>
+            <a:ext cx="5464174" cy="3062269"/>
+          </a:xfrm>
+          <a:prstGeom prst="rect">
+            <a:avLst/>
+          </a:prstGeom>
+        </p:spPr>
+      </p:pic>
+      <p:sp>
+        <p:nvSpPr>
+          <p:cNvPr id="11" name="TextBox 10">
+            <a:extLst>
+              <a:ext uri="{FF2B5EF4-FFF2-40B4-BE49-F238E27FC236}">
+                <a16:creationId xmlns:a16="http://schemas.microsoft.com/office/drawing/2014/main" id="{2D16DE32-2D37-063C-05DB-8B67D73370A4}"/>
+              </a:ext>
+            </a:extLst>
+          </p:cNvPr>
+          <p:cNvSpPr txBox="1"/>
+          <p:nvPr/>
+        </p:nvSpPr>
+        <p:spPr>
+          <a:xfrm>
+            <a:off x="500177" y="830383"/>
+            <a:ext cx="10521191" cy="405560"/>
+          </a:xfrm>
+          <a:prstGeom prst="rect">
+            <a:avLst/>
+          </a:prstGeom>
+          <a:noFill/>
+          <a:ln>
+            <a:noFill/>
+          </a:ln>
+        </p:spPr>
+        <p:txBody>
+          <a:bodyPr wrap="square" rtlCol="0">
+            <a:spAutoFit/>
+          </a:bodyPr>
+          <a:lstStyle/>
+          <a:p>
+            <a:pPr>
+              <a:lnSpc>
+                <a:spcPct val="120000"/>
+              </a:lnSpc>
+            </a:pPr>
+            <a:r>
+              <a:rPr lang="ko-KR" altLang="en-US" dirty="0">
+                <a:latin typeface="나눔스퀘어" panose="020B0600000101010101" pitchFamily="50" charset="-127"/>
+                <a:ea typeface="나눔스퀘어" panose="020B0600000101010101" pitchFamily="50" charset="-127"/>
+              </a:rPr>
+              <a:t>로직 고려하실 때 용이할 것 같아 학급별 지명횟수 시각자료 공유 드립니다</a:t>
+            </a:r>
+            <a:r>
+              <a:rPr lang="en-US" altLang="ko-KR" dirty="0">
+                <a:latin typeface="나눔스퀘어" panose="020B0600000101010101" pitchFamily="50" charset="-127"/>
+                <a:ea typeface="나눔스퀘어" panose="020B0600000101010101" pitchFamily="50" charset="-127"/>
+              </a:rPr>
+              <a:t>.</a:t>
+            </a:r>
+          </a:p>
+        </p:txBody>
+      </p:sp>
+    </p:spTree>
+    <p:extLst>
+      <p:ext uri="{BB962C8B-B14F-4D97-AF65-F5344CB8AC3E}">
+        <p14:creationId xmlns:p14="http://schemas.microsoft.com/office/powerpoint/2010/main" val="456514661"/>
+      </p:ext>
+    </p:extLst>
+  </p:cSld>
+  <p:clrMapOvr>
+    <a:masterClrMapping/>
+  </p:clrMapOvr>
+</p:sld>
+</file>
+
+<file path=ppt/slides/slide12.xml><?xml version="1.0" encoding="utf-8"?>
+<p:sld xmlns:a="http://schemas.openxmlformats.org/drawingml/2006/main" xmlns:r="http://schemas.openxmlformats.org/officeDocument/2006/relationships" xmlns:p="http://schemas.openxmlformats.org/presentationml/2006/main">
+  <p:cSld>
+    <p:spTree>
+      <p:nvGrpSpPr>
+        <p:cNvPr id="1" name="">
+          <a:extLst>
+            <a:ext uri="{FF2B5EF4-FFF2-40B4-BE49-F238E27FC236}">
+              <a16:creationId xmlns:a16="http://schemas.microsoft.com/office/drawing/2014/main" id="{01F1D100-6D98-54B3-3225-F0B589C942B0}"/>
+            </a:ext>
+          </a:extLst>
+        </p:cNvPr>
+        <p:cNvGrpSpPr/>
+        <p:nvPr/>
+      </p:nvGrpSpPr>
+      <p:grpSpPr>
+        <a:xfrm>
+          <a:off x="0" y="0"/>
+          <a:ext cx="0" cy="0"/>
+          <a:chOff x="0" y="0"/>
+          <a:chExt cx="0" cy="0"/>
+        </a:xfrm>
+      </p:grpSpPr>
+      <p:sp>
+        <p:nvSpPr>
+          <p:cNvPr id="2" name="직사각형 1">
+            <a:extLst>
+              <a:ext uri="{FF2B5EF4-FFF2-40B4-BE49-F238E27FC236}">
+                <a16:creationId xmlns:a16="http://schemas.microsoft.com/office/drawing/2014/main" id="{78DD7980-52D4-578B-4038-0E7897574EE9}"/>
+              </a:ext>
+            </a:extLst>
+          </p:cNvPr>
+          <p:cNvSpPr/>
+          <p:nvPr/>
+        </p:nvSpPr>
+        <p:spPr>
+          <a:xfrm>
+            <a:off x="0" y="0"/>
+            <a:ext cx="12192000" cy="537029"/>
+          </a:xfrm>
+          <a:prstGeom prst="rect">
+            <a:avLst/>
+          </a:prstGeom>
+          <a:solidFill>
+            <a:srgbClr val="353D50"/>
+          </a:solidFill>
+          <a:ln>
+            <a:noFill/>
+          </a:ln>
+        </p:spPr>
+        <p:style>
+          <a:lnRef idx="2">
+            <a:schemeClr val="accent1">
+              <a:shade val="50000"/>
+            </a:schemeClr>
+          </a:lnRef>
+          <a:fillRef idx="1">
+            <a:schemeClr val="accent1"/>
+          </a:fillRef>
+          <a:effectRef idx="0">
+            <a:schemeClr val="accent1"/>
+          </a:effectRef>
+          <a:fontRef idx="minor">
+            <a:schemeClr val="lt1"/>
+          </a:fontRef>
+        </p:style>
+        <p:txBody>
+          <a:bodyPr rtlCol="0" anchor="ctr"/>
+          <a:lstStyle/>
+          <a:p>
+            <a:r>
+              <a:rPr lang="ko-KR" altLang="en-US" dirty="0">
+                <a:solidFill>
+                  <a:schemeClr val="bg1">
+                    <a:lumMod val="95000"/>
+                  </a:schemeClr>
+                </a:solidFill>
+                <a:latin typeface="나눔스퀘어 ExtraBold" panose="020B0600000101010101" pitchFamily="50" charset="-127"/>
+                <a:ea typeface="나눔스퀘어 ExtraBold" panose="020B0600000101010101" pitchFamily="50" charset="-127"/>
+              </a:rPr>
+              <a:t>   지위위계 안정성 로직 탐색</a:t>
+            </a:r>
+          </a:p>
+        </p:txBody>
+      </p:sp>
+      <p:sp>
+        <p:nvSpPr>
+          <p:cNvPr id="13" name="직사각형 12">
+            <a:extLst>
+              <a:ext uri="{FF2B5EF4-FFF2-40B4-BE49-F238E27FC236}">
+                <a16:creationId xmlns:a16="http://schemas.microsoft.com/office/drawing/2014/main" id="{5D34F096-FEF0-DD4C-2904-55DB15A5B402}"/>
+              </a:ext>
+            </a:extLst>
+          </p:cNvPr>
+          <p:cNvSpPr/>
+          <p:nvPr/>
+        </p:nvSpPr>
+        <p:spPr>
+          <a:xfrm>
+            <a:off x="442913" y="789063"/>
+            <a:ext cx="11341100" cy="537029"/>
+          </a:xfrm>
+          <a:prstGeom prst="rect">
+            <a:avLst/>
+          </a:prstGeom>
+          <a:solidFill>
+            <a:srgbClr val="D7DBE4"/>
+          </a:solidFill>
+          <a:ln>
+            <a:noFill/>
+          </a:ln>
+        </p:spPr>
+        <p:style>
+          <a:lnRef idx="2">
+            <a:schemeClr val="accent1">
+              <a:shade val="15000"/>
+            </a:schemeClr>
+          </a:lnRef>
+          <a:fillRef idx="1">
+            <a:schemeClr val="accent1"/>
+          </a:fillRef>
+          <a:effectRef idx="0">
+            <a:schemeClr val="accent1"/>
+          </a:effectRef>
+          <a:fontRef idx="minor">
+            <a:schemeClr val="lt1"/>
+          </a:fontRef>
+        </p:style>
+        <p:txBody>
+          <a:bodyPr rtlCol="0" anchor="ctr"/>
+          <a:lstStyle/>
+          <a:p>
+            <a:pPr algn="ctr"/>
+            <a:endParaRPr lang="ko-KR" altLang="en-US"/>
+          </a:p>
+        </p:txBody>
+      </p:sp>
+      <p:pic>
+        <p:nvPicPr>
+          <p:cNvPr id="5" name="그림 4">
+            <a:extLst>
+              <a:ext uri="{FF2B5EF4-FFF2-40B4-BE49-F238E27FC236}">
+                <a16:creationId xmlns:a16="http://schemas.microsoft.com/office/drawing/2014/main" id="{8BB7199A-5997-DD23-D1F6-10990798331F}"/>
+              </a:ext>
+            </a:extLst>
+          </p:cNvPr>
+          <p:cNvPicPr>
+            <a:picLocks noChangeAspect="1"/>
+          </p:cNvPicPr>
+          <p:nvPr/>
+        </p:nvPicPr>
+        <p:blipFill>
+          <a:blip r:embed="rId2"/>
+          <a:stretch>
+            <a:fillRect/>
+          </a:stretch>
+        </p:blipFill>
+        <p:spPr>
+          <a:xfrm>
+            <a:off x="442913" y="2063902"/>
+            <a:ext cx="5589769" cy="3132655"/>
+          </a:xfrm>
+          <a:prstGeom prst="rect">
+            <a:avLst/>
+          </a:prstGeom>
+        </p:spPr>
+      </p:pic>
+      <p:pic>
+        <p:nvPicPr>
+          <p:cNvPr id="7" name="그림 6">
+            <a:extLst>
+              <a:ext uri="{FF2B5EF4-FFF2-40B4-BE49-F238E27FC236}">
+                <a16:creationId xmlns:a16="http://schemas.microsoft.com/office/drawing/2014/main" id="{3EF70EE7-F5E2-B9DF-313D-C74A196A1FB2}"/>
+              </a:ext>
+            </a:extLst>
+          </p:cNvPr>
+          <p:cNvPicPr>
+            <a:picLocks noChangeAspect="1"/>
+          </p:cNvPicPr>
+          <p:nvPr/>
+        </p:nvPicPr>
+        <p:blipFill>
+          <a:blip r:embed="rId3"/>
+          <a:stretch>
+            <a:fillRect/>
+          </a:stretch>
+        </p:blipFill>
+        <p:spPr>
+          <a:xfrm>
+            <a:off x="6194243" y="2063901"/>
+            <a:ext cx="5589770" cy="3231999"/>
+          </a:xfrm>
+          <a:prstGeom prst="rect">
+            <a:avLst/>
+          </a:prstGeom>
+        </p:spPr>
+      </p:pic>
+      <p:sp>
+        <p:nvSpPr>
+          <p:cNvPr id="8" name="TextBox 7">
+            <a:extLst>
+              <a:ext uri="{FF2B5EF4-FFF2-40B4-BE49-F238E27FC236}">
+                <a16:creationId xmlns:a16="http://schemas.microsoft.com/office/drawing/2014/main" id="{A178E6E8-69B6-09CA-5F47-6FCB92D8A9D3}"/>
+              </a:ext>
+            </a:extLst>
+          </p:cNvPr>
+          <p:cNvSpPr txBox="1"/>
+          <p:nvPr/>
+        </p:nvSpPr>
+        <p:spPr>
+          <a:xfrm>
+            <a:off x="500177" y="830383"/>
+            <a:ext cx="10521191" cy="405560"/>
+          </a:xfrm>
+          <a:prstGeom prst="rect">
+            <a:avLst/>
+          </a:prstGeom>
+          <a:noFill/>
+          <a:ln>
+            <a:noFill/>
+          </a:ln>
+        </p:spPr>
+        <p:txBody>
+          <a:bodyPr wrap="square" rtlCol="0">
+            <a:spAutoFit/>
+          </a:bodyPr>
+          <a:lstStyle/>
+          <a:p>
+            <a:pPr>
+              <a:lnSpc>
+                <a:spcPct val="120000"/>
+              </a:lnSpc>
+            </a:pPr>
+            <a:r>
+              <a:rPr lang="ko-KR" altLang="en-US" dirty="0">
+                <a:latin typeface="나눔스퀘어" panose="020B0600000101010101" pitchFamily="50" charset="-127"/>
+                <a:ea typeface="나눔스퀘어" panose="020B0600000101010101" pitchFamily="50" charset="-127"/>
+              </a:rPr>
+              <a:t>로직 고려하실 때 용이할 것 같아 학급별 지명횟수 시각자료 공유 드립니다</a:t>
+            </a:r>
+            <a:r>
+              <a:rPr lang="en-US" altLang="ko-KR" dirty="0">
+                <a:latin typeface="나눔스퀘어" panose="020B0600000101010101" pitchFamily="50" charset="-127"/>
+                <a:ea typeface="나눔스퀘어" panose="020B0600000101010101" pitchFamily="50" charset="-127"/>
+              </a:rPr>
+              <a:t>.</a:t>
+            </a:r>
+          </a:p>
+        </p:txBody>
+      </p:sp>
+    </p:spTree>
+    <p:extLst>
+      <p:ext uri="{BB962C8B-B14F-4D97-AF65-F5344CB8AC3E}">
+        <p14:creationId xmlns:p14="http://schemas.microsoft.com/office/powerpoint/2010/main" val="3656843211"/>
+      </p:ext>
+    </p:extLst>
+  </p:cSld>
+  <p:clrMapOvr>
+    <a:masterClrMapping/>
+  </p:clrMapOvr>
+</p:sld>
+</file>
+
+<file path=ppt/slides/slide13.xml><?xml version="1.0" encoding="utf-8"?>
+<p:sld xmlns:a="http://schemas.openxmlformats.org/drawingml/2006/main" xmlns:r="http://schemas.openxmlformats.org/officeDocument/2006/relationships" xmlns:p="http://schemas.openxmlformats.org/presentationml/2006/main">
+  <p:cSld>
+    <p:spTree>
+      <p:nvGrpSpPr>
+        <p:cNvPr id="1" name="">
+          <a:extLst>
+            <a:ext uri="{FF2B5EF4-FFF2-40B4-BE49-F238E27FC236}">
+              <a16:creationId xmlns:a16="http://schemas.microsoft.com/office/drawing/2014/main" id="{4702B277-C8ED-2EA5-6E14-4C92B82119F9}"/>
+            </a:ext>
+          </a:extLst>
+        </p:cNvPr>
+        <p:cNvGrpSpPr/>
+        <p:nvPr/>
+      </p:nvGrpSpPr>
+      <p:grpSpPr>
+        <a:xfrm>
+          <a:off x="0" y="0"/>
+          <a:ext cx="0" cy="0"/>
+          <a:chOff x="0" y="0"/>
+          <a:chExt cx="0" cy="0"/>
+        </a:xfrm>
+      </p:grpSpPr>
+      <p:sp>
+        <p:nvSpPr>
+          <p:cNvPr id="2" name="직사각형 1">
+            <a:extLst>
+              <a:ext uri="{FF2B5EF4-FFF2-40B4-BE49-F238E27FC236}">
+                <a16:creationId xmlns:a16="http://schemas.microsoft.com/office/drawing/2014/main" id="{C791E47F-0134-B698-73B9-A473AF456B9F}"/>
+              </a:ext>
+            </a:extLst>
+          </p:cNvPr>
+          <p:cNvSpPr/>
+          <p:nvPr/>
+        </p:nvSpPr>
+        <p:spPr>
+          <a:xfrm>
+            <a:off x="0" y="0"/>
+            <a:ext cx="12192000" cy="537029"/>
+          </a:xfrm>
+          <a:prstGeom prst="rect">
+            <a:avLst/>
+          </a:prstGeom>
+          <a:solidFill>
+            <a:srgbClr val="353D50"/>
+          </a:solidFill>
+          <a:ln>
+            <a:noFill/>
+          </a:ln>
+        </p:spPr>
+        <p:style>
+          <a:lnRef idx="2">
+            <a:schemeClr val="accent1">
+              <a:shade val="50000"/>
+            </a:schemeClr>
+          </a:lnRef>
+          <a:fillRef idx="1">
+            <a:schemeClr val="accent1"/>
+          </a:fillRef>
+          <a:effectRef idx="0">
+            <a:schemeClr val="accent1"/>
+          </a:effectRef>
+          <a:fontRef idx="minor">
+            <a:schemeClr val="lt1"/>
+          </a:fontRef>
+        </p:style>
+        <p:txBody>
+          <a:bodyPr rtlCol="0" anchor="ctr"/>
+          <a:lstStyle/>
+          <a:p>
+            <a:r>
+              <a:rPr lang="ko-KR" altLang="en-US" dirty="0">
+                <a:solidFill>
+                  <a:schemeClr val="bg1">
+                    <a:lumMod val="95000"/>
+                  </a:schemeClr>
+                </a:solidFill>
+                <a:latin typeface="나눔스퀘어 ExtraBold" panose="020B0600000101010101" pitchFamily="50" charset="-127"/>
+                <a:ea typeface="나눔스퀘어 ExtraBold" panose="020B0600000101010101" pitchFamily="50" charset="-127"/>
+              </a:rPr>
+              <a:t>   지위위계 안정성 로직 탐색</a:t>
+            </a:r>
+          </a:p>
+        </p:txBody>
+      </p:sp>
+      <p:sp>
+        <p:nvSpPr>
+          <p:cNvPr id="13" name="직사각형 12">
+            <a:extLst>
+              <a:ext uri="{FF2B5EF4-FFF2-40B4-BE49-F238E27FC236}">
+                <a16:creationId xmlns:a16="http://schemas.microsoft.com/office/drawing/2014/main" id="{F9CFDE62-4E52-D9CF-022F-DD5E216C6212}"/>
+              </a:ext>
+            </a:extLst>
+          </p:cNvPr>
+          <p:cNvSpPr/>
+          <p:nvPr/>
+        </p:nvSpPr>
+        <p:spPr>
+          <a:xfrm>
+            <a:off x="442913" y="789063"/>
+            <a:ext cx="11341100" cy="537029"/>
+          </a:xfrm>
+          <a:prstGeom prst="rect">
+            <a:avLst/>
+          </a:prstGeom>
+          <a:solidFill>
+            <a:srgbClr val="D7DBE4"/>
+          </a:solidFill>
+          <a:ln>
+            <a:noFill/>
+          </a:ln>
+        </p:spPr>
+        <p:style>
+          <a:lnRef idx="2">
+            <a:schemeClr val="accent1">
+              <a:shade val="15000"/>
+            </a:schemeClr>
+          </a:lnRef>
+          <a:fillRef idx="1">
+            <a:schemeClr val="accent1"/>
+          </a:fillRef>
+          <a:effectRef idx="0">
+            <a:schemeClr val="accent1"/>
+          </a:effectRef>
+          <a:fontRef idx="minor">
+            <a:schemeClr val="lt1"/>
+          </a:fontRef>
+        </p:style>
+        <p:txBody>
+          <a:bodyPr rtlCol="0" anchor="ctr"/>
+          <a:lstStyle/>
+          <a:p>
+            <a:pPr algn="ctr"/>
+            <a:endParaRPr lang="ko-KR" altLang="en-US"/>
+          </a:p>
+        </p:txBody>
+      </p:sp>
+      <p:pic>
+        <p:nvPicPr>
+          <p:cNvPr id="4" name="그림 3">
+            <a:extLst>
+              <a:ext uri="{FF2B5EF4-FFF2-40B4-BE49-F238E27FC236}">
+                <a16:creationId xmlns:a16="http://schemas.microsoft.com/office/drawing/2014/main" id="{B8690940-8B83-13E6-988B-07F400A92964}"/>
+              </a:ext>
+            </a:extLst>
+          </p:cNvPr>
+          <p:cNvPicPr>
+            <a:picLocks noChangeAspect="1"/>
+          </p:cNvPicPr>
+          <p:nvPr/>
+        </p:nvPicPr>
+        <p:blipFill>
+          <a:blip r:embed="rId2"/>
+          <a:stretch>
+            <a:fillRect/>
+          </a:stretch>
+        </p:blipFill>
+        <p:spPr>
+          <a:xfrm>
+            <a:off x="442914" y="1984450"/>
+            <a:ext cx="5523874" cy="3193899"/>
+          </a:xfrm>
+          <a:prstGeom prst="rect">
+            <a:avLst/>
+          </a:prstGeom>
+        </p:spPr>
+      </p:pic>
+      <p:pic>
+        <p:nvPicPr>
+          <p:cNvPr id="8" name="그림 7">
+            <a:extLst>
+              <a:ext uri="{FF2B5EF4-FFF2-40B4-BE49-F238E27FC236}">
+                <a16:creationId xmlns:a16="http://schemas.microsoft.com/office/drawing/2014/main" id="{04FE5854-02F9-01AE-84CB-45C0A668BDBA}"/>
+              </a:ext>
+            </a:extLst>
+          </p:cNvPr>
+          <p:cNvPicPr>
+            <a:picLocks noChangeAspect="1"/>
+          </p:cNvPicPr>
+          <p:nvPr/>
+        </p:nvPicPr>
+        <p:blipFill>
+          <a:blip r:embed="rId3"/>
+          <a:stretch>
+            <a:fillRect/>
+          </a:stretch>
+        </p:blipFill>
+        <p:spPr>
+          <a:xfrm>
+            <a:off x="6260139" y="1984450"/>
+            <a:ext cx="5523874" cy="3193899"/>
+          </a:xfrm>
+          <a:prstGeom prst="rect">
+            <a:avLst/>
+          </a:prstGeom>
+        </p:spPr>
+      </p:pic>
+      <p:sp>
+        <p:nvSpPr>
+          <p:cNvPr id="9" name="TextBox 8">
+            <a:extLst>
+              <a:ext uri="{FF2B5EF4-FFF2-40B4-BE49-F238E27FC236}">
+                <a16:creationId xmlns:a16="http://schemas.microsoft.com/office/drawing/2014/main" id="{B90EC6F2-CDD3-59AA-859A-DD15683E7D13}"/>
+              </a:ext>
+            </a:extLst>
+          </p:cNvPr>
+          <p:cNvSpPr txBox="1"/>
+          <p:nvPr/>
+        </p:nvSpPr>
+        <p:spPr>
+          <a:xfrm>
+            <a:off x="500177" y="830383"/>
+            <a:ext cx="10521191" cy="405560"/>
+          </a:xfrm>
+          <a:prstGeom prst="rect">
+            <a:avLst/>
+          </a:prstGeom>
+          <a:noFill/>
+          <a:ln>
+            <a:noFill/>
+          </a:ln>
+        </p:spPr>
+        <p:txBody>
+          <a:bodyPr wrap="square" rtlCol="0">
+            <a:spAutoFit/>
+          </a:bodyPr>
+          <a:lstStyle/>
+          <a:p>
+            <a:pPr>
+              <a:lnSpc>
+                <a:spcPct val="120000"/>
+              </a:lnSpc>
+            </a:pPr>
+            <a:r>
+              <a:rPr lang="ko-KR" altLang="en-US" dirty="0">
+                <a:latin typeface="나눔스퀘어" panose="020B0600000101010101" pitchFamily="50" charset="-127"/>
+                <a:ea typeface="나눔스퀘어" panose="020B0600000101010101" pitchFamily="50" charset="-127"/>
+              </a:rPr>
+              <a:t>로직 고려하실 때 용이할 것 같아 학급별 지명횟수 시각자료 공유 드립니다</a:t>
+            </a:r>
+            <a:r>
+              <a:rPr lang="en-US" altLang="ko-KR" dirty="0">
+                <a:latin typeface="나눔스퀘어" panose="020B0600000101010101" pitchFamily="50" charset="-127"/>
+                <a:ea typeface="나눔스퀘어" panose="020B0600000101010101" pitchFamily="50" charset="-127"/>
+              </a:rPr>
+              <a:t>.</a:t>
+            </a:r>
+          </a:p>
+        </p:txBody>
+      </p:sp>
+    </p:spTree>
+    <p:extLst>
+      <p:ext uri="{BB962C8B-B14F-4D97-AF65-F5344CB8AC3E}">
+        <p14:creationId xmlns:p14="http://schemas.microsoft.com/office/powerpoint/2010/main" val="3138459965"/>
+      </p:ext>
+    </p:extLst>
+  </p:cSld>
+  <p:clrMapOvr>
+    <a:masterClrMapping/>
+  </p:clrMapOvr>
+</p:sld>
+</file>
+
+<file path=ppt/slides/slide14.xml><?xml version="1.0" encoding="utf-8"?>
+<p:sld xmlns:a="http://schemas.openxmlformats.org/drawingml/2006/main" xmlns:r="http://schemas.openxmlformats.org/officeDocument/2006/relationships" xmlns:p="http://schemas.openxmlformats.org/presentationml/2006/main">
+  <p:cSld>
+    <p:spTree>
+      <p:nvGrpSpPr>
+        <p:cNvPr id="1" name="">
+          <a:extLst>
+            <a:ext uri="{FF2B5EF4-FFF2-40B4-BE49-F238E27FC236}">
+              <a16:creationId xmlns:a16="http://schemas.microsoft.com/office/drawing/2014/main" id="{F953AE76-51B7-5BB4-1B69-EBAD733FA37C}"/>
+            </a:ext>
+          </a:extLst>
+        </p:cNvPr>
+        <p:cNvGrpSpPr/>
+        <p:nvPr/>
+      </p:nvGrpSpPr>
+      <p:grpSpPr>
+        <a:xfrm>
+          <a:off x="0" y="0"/>
+          <a:ext cx="0" cy="0"/>
+          <a:chOff x="0" y="0"/>
+          <a:chExt cx="0" cy="0"/>
+        </a:xfrm>
+      </p:grpSpPr>
+      <p:sp>
+        <p:nvSpPr>
+          <p:cNvPr id="2" name="직사각형 1">
+            <a:extLst>
+              <a:ext uri="{FF2B5EF4-FFF2-40B4-BE49-F238E27FC236}">
+                <a16:creationId xmlns:a16="http://schemas.microsoft.com/office/drawing/2014/main" id="{21CA5E9D-F2D8-0BB0-FF5F-A9FCCF3EBEBF}"/>
+              </a:ext>
+            </a:extLst>
+          </p:cNvPr>
+          <p:cNvSpPr/>
+          <p:nvPr/>
+        </p:nvSpPr>
+        <p:spPr>
+          <a:xfrm>
+            <a:off x="0" y="0"/>
+            <a:ext cx="12192000" cy="537029"/>
+          </a:xfrm>
+          <a:prstGeom prst="rect">
+            <a:avLst/>
+          </a:prstGeom>
+          <a:solidFill>
+            <a:srgbClr val="353D50"/>
+          </a:solidFill>
+          <a:ln>
+            <a:noFill/>
+          </a:ln>
+        </p:spPr>
+        <p:style>
+          <a:lnRef idx="2">
+            <a:schemeClr val="accent1">
+              <a:shade val="50000"/>
+            </a:schemeClr>
+          </a:lnRef>
+          <a:fillRef idx="1">
+            <a:schemeClr val="accent1"/>
+          </a:fillRef>
+          <a:effectRef idx="0">
+            <a:schemeClr val="accent1"/>
+          </a:effectRef>
+          <a:fontRef idx="minor">
+            <a:schemeClr val="lt1"/>
+          </a:fontRef>
+        </p:style>
+        <p:txBody>
+          <a:bodyPr rtlCol="0" anchor="ctr"/>
+          <a:lstStyle/>
+          <a:p>
+            <a:r>
+              <a:rPr lang="ko-KR" altLang="en-US" dirty="0">
+                <a:solidFill>
+                  <a:schemeClr val="bg1">
+                    <a:lumMod val="95000"/>
+                  </a:schemeClr>
+                </a:solidFill>
+                <a:latin typeface="나눔스퀘어 ExtraBold" panose="020B0600000101010101" pitchFamily="50" charset="-127"/>
+                <a:ea typeface="나눔스퀘어 ExtraBold" panose="020B0600000101010101" pitchFamily="50" charset="-127"/>
+              </a:rPr>
+              <a:t>   지위위계 안정성 로직 탐색</a:t>
+            </a:r>
+          </a:p>
+        </p:txBody>
+      </p:sp>
+      <p:sp>
+        <p:nvSpPr>
+          <p:cNvPr id="13" name="직사각형 12">
+            <a:extLst>
+              <a:ext uri="{FF2B5EF4-FFF2-40B4-BE49-F238E27FC236}">
+                <a16:creationId xmlns:a16="http://schemas.microsoft.com/office/drawing/2014/main" id="{6010E852-CFC8-0959-C0BE-29C92AC66714}"/>
+              </a:ext>
+            </a:extLst>
+          </p:cNvPr>
+          <p:cNvSpPr/>
+          <p:nvPr/>
+        </p:nvSpPr>
+        <p:spPr>
+          <a:xfrm>
+            <a:off x="442913" y="789063"/>
+            <a:ext cx="11341100" cy="537029"/>
+          </a:xfrm>
+          <a:prstGeom prst="rect">
+            <a:avLst/>
+          </a:prstGeom>
+          <a:solidFill>
+            <a:srgbClr val="D7DBE4"/>
+          </a:solidFill>
+          <a:ln>
+            <a:noFill/>
+          </a:ln>
+        </p:spPr>
+        <p:style>
+          <a:lnRef idx="2">
+            <a:schemeClr val="accent1">
+              <a:shade val="15000"/>
+            </a:schemeClr>
+          </a:lnRef>
+          <a:fillRef idx="1">
+            <a:schemeClr val="accent1"/>
+          </a:fillRef>
+          <a:effectRef idx="0">
+            <a:schemeClr val="accent1"/>
+          </a:effectRef>
+          <a:fontRef idx="minor">
+            <a:schemeClr val="lt1"/>
+          </a:fontRef>
+        </p:style>
+        <p:txBody>
+          <a:bodyPr rtlCol="0" anchor="ctr"/>
+          <a:lstStyle/>
+          <a:p>
+            <a:pPr algn="ctr"/>
+            <a:endParaRPr lang="ko-KR" altLang="en-US"/>
+          </a:p>
+        </p:txBody>
+      </p:sp>
+      <p:pic>
+        <p:nvPicPr>
+          <p:cNvPr id="4" name="그림 3">
+            <a:extLst>
+              <a:ext uri="{FF2B5EF4-FFF2-40B4-BE49-F238E27FC236}">
+                <a16:creationId xmlns:a16="http://schemas.microsoft.com/office/drawing/2014/main" id="{64186060-C313-1C71-F14C-E30554CC4EAA}"/>
+              </a:ext>
+            </a:extLst>
+          </p:cNvPr>
+          <p:cNvPicPr>
+            <a:picLocks noChangeAspect="1"/>
+          </p:cNvPicPr>
+          <p:nvPr/>
+        </p:nvPicPr>
+        <p:blipFill>
+          <a:blip r:embed="rId2"/>
+          <a:stretch>
+            <a:fillRect/>
+          </a:stretch>
+        </p:blipFill>
+        <p:spPr>
+          <a:xfrm>
+            <a:off x="442913" y="2073427"/>
+            <a:ext cx="5523874" cy="3193899"/>
+          </a:xfrm>
+          <a:prstGeom prst="rect">
+            <a:avLst/>
+          </a:prstGeom>
+        </p:spPr>
+      </p:pic>
+      <p:pic>
+        <p:nvPicPr>
+          <p:cNvPr id="6" name="그림 5">
+            <a:extLst>
+              <a:ext uri="{FF2B5EF4-FFF2-40B4-BE49-F238E27FC236}">
+                <a16:creationId xmlns:a16="http://schemas.microsoft.com/office/drawing/2014/main" id="{340EECE1-01F3-AB53-2F94-A1FC4AC46CD1}"/>
+              </a:ext>
+            </a:extLst>
+          </p:cNvPr>
+          <p:cNvPicPr>
+            <a:picLocks noChangeAspect="1"/>
+          </p:cNvPicPr>
+          <p:nvPr/>
+        </p:nvPicPr>
+        <p:blipFill>
+          <a:blip r:embed="rId3"/>
+          <a:stretch>
+            <a:fillRect/>
+          </a:stretch>
+        </p:blipFill>
+        <p:spPr>
+          <a:xfrm>
+            <a:off x="6260139" y="2073427"/>
+            <a:ext cx="5523874" cy="3193899"/>
+          </a:xfrm>
+          <a:prstGeom prst="rect">
+            <a:avLst/>
+          </a:prstGeom>
+        </p:spPr>
+      </p:pic>
+      <p:sp>
+        <p:nvSpPr>
+          <p:cNvPr id="8" name="TextBox 7">
+            <a:extLst>
+              <a:ext uri="{FF2B5EF4-FFF2-40B4-BE49-F238E27FC236}">
+                <a16:creationId xmlns:a16="http://schemas.microsoft.com/office/drawing/2014/main" id="{AF602313-0F26-A615-924F-63F46AAA2906}"/>
+              </a:ext>
+            </a:extLst>
+          </p:cNvPr>
+          <p:cNvSpPr txBox="1"/>
+          <p:nvPr/>
+        </p:nvSpPr>
+        <p:spPr>
+          <a:xfrm>
+            <a:off x="500177" y="830383"/>
+            <a:ext cx="10521191" cy="405560"/>
+          </a:xfrm>
+          <a:prstGeom prst="rect">
+            <a:avLst/>
+          </a:prstGeom>
+          <a:noFill/>
+          <a:ln>
+            <a:noFill/>
+          </a:ln>
+        </p:spPr>
+        <p:txBody>
+          <a:bodyPr wrap="square" rtlCol="0">
+            <a:spAutoFit/>
+          </a:bodyPr>
+          <a:lstStyle/>
+          <a:p>
+            <a:pPr>
+              <a:lnSpc>
+                <a:spcPct val="120000"/>
+              </a:lnSpc>
+            </a:pPr>
+            <a:r>
+              <a:rPr lang="ko-KR" altLang="en-US" dirty="0">
+                <a:latin typeface="나눔스퀘어" panose="020B0600000101010101" pitchFamily="50" charset="-127"/>
+                <a:ea typeface="나눔스퀘어" panose="020B0600000101010101" pitchFamily="50" charset="-127"/>
+              </a:rPr>
+              <a:t>로직 고려하실 때 용이할 것 같아 학급별 지명횟수 시각자료 공유 드립니다</a:t>
+            </a:r>
+            <a:r>
+              <a:rPr lang="en-US" altLang="ko-KR" dirty="0">
+                <a:latin typeface="나눔스퀘어" panose="020B0600000101010101" pitchFamily="50" charset="-127"/>
+                <a:ea typeface="나눔스퀘어" panose="020B0600000101010101" pitchFamily="50" charset="-127"/>
+              </a:rPr>
+              <a:t>.</a:t>
+            </a:r>
+          </a:p>
+        </p:txBody>
+      </p:sp>
+    </p:spTree>
+    <p:extLst>
+      <p:ext uri="{BB962C8B-B14F-4D97-AF65-F5344CB8AC3E}">
+        <p14:creationId xmlns:p14="http://schemas.microsoft.com/office/powerpoint/2010/main" val="404207284"/>
+      </p:ext>
+    </p:extLst>
+  </p:cSld>
+  <p:clrMapOvr>
+    <a:masterClrMapping/>
+  </p:clrMapOvr>
+</p:sld>
+</file>
+
+<file path=ppt/slides/slide15.xml><?xml version="1.0" encoding="utf-8"?>
+<p:sld xmlns:a="http://schemas.openxmlformats.org/drawingml/2006/main" xmlns:r="http://schemas.openxmlformats.org/officeDocument/2006/relationships" xmlns:p="http://schemas.openxmlformats.org/presentationml/2006/main">
+  <p:cSld>
+    <p:spTree>
+      <p:nvGrpSpPr>
+        <p:cNvPr id="1" name="">
+          <a:extLst>
+            <a:ext uri="{FF2B5EF4-FFF2-40B4-BE49-F238E27FC236}">
+              <a16:creationId xmlns:a16="http://schemas.microsoft.com/office/drawing/2014/main" id="{6623740E-A0AF-969E-995D-C8D42F44ADCE}"/>
+            </a:ext>
+          </a:extLst>
+        </p:cNvPr>
+        <p:cNvGrpSpPr/>
+        <p:nvPr/>
+      </p:nvGrpSpPr>
+      <p:grpSpPr>
+        <a:xfrm>
+          <a:off x="0" y="0"/>
+          <a:ext cx="0" cy="0"/>
+          <a:chOff x="0" y="0"/>
+          <a:chExt cx="0" cy="0"/>
+        </a:xfrm>
+      </p:grpSpPr>
+      <p:sp>
+        <p:nvSpPr>
+          <p:cNvPr id="2" name="직사각형 1">
+            <a:extLst>
+              <a:ext uri="{FF2B5EF4-FFF2-40B4-BE49-F238E27FC236}">
+                <a16:creationId xmlns:a16="http://schemas.microsoft.com/office/drawing/2014/main" id="{6BC6397A-979B-9F71-030A-2BFB68767847}"/>
+              </a:ext>
+            </a:extLst>
+          </p:cNvPr>
+          <p:cNvSpPr/>
+          <p:nvPr/>
+        </p:nvSpPr>
+        <p:spPr>
+          <a:xfrm>
+            <a:off x="0" y="0"/>
+            <a:ext cx="12192000" cy="537029"/>
+          </a:xfrm>
+          <a:prstGeom prst="rect">
+            <a:avLst/>
+          </a:prstGeom>
+          <a:solidFill>
+            <a:srgbClr val="353D50"/>
+          </a:solidFill>
+          <a:ln>
+            <a:noFill/>
+          </a:ln>
+        </p:spPr>
+        <p:style>
+          <a:lnRef idx="2">
+            <a:schemeClr val="accent1">
+              <a:shade val="50000"/>
+            </a:schemeClr>
+          </a:lnRef>
+          <a:fillRef idx="1">
+            <a:schemeClr val="accent1"/>
+          </a:fillRef>
+          <a:effectRef idx="0">
+            <a:schemeClr val="accent1"/>
+          </a:effectRef>
+          <a:fontRef idx="minor">
+            <a:schemeClr val="lt1"/>
+          </a:fontRef>
+        </p:style>
+        <p:txBody>
+          <a:bodyPr rtlCol="0" anchor="ctr"/>
+          <a:lstStyle/>
+          <a:p>
+            <a:r>
+              <a:rPr lang="ko-KR" altLang="en-US" dirty="0">
+                <a:solidFill>
+                  <a:schemeClr val="bg1">
+                    <a:lumMod val="95000"/>
+                  </a:schemeClr>
+                </a:solidFill>
+                <a:latin typeface="나눔스퀘어 ExtraBold" panose="020B0600000101010101" pitchFamily="50" charset="-127"/>
+                <a:ea typeface="나눔스퀘어 ExtraBold" panose="020B0600000101010101" pitchFamily="50" charset="-127"/>
+              </a:rPr>
+              <a:t>   지위위계 안정성 로직 탐색</a:t>
+            </a:r>
+          </a:p>
+        </p:txBody>
+      </p:sp>
+      <p:sp>
+        <p:nvSpPr>
+          <p:cNvPr id="13" name="직사각형 12">
+            <a:extLst>
+              <a:ext uri="{FF2B5EF4-FFF2-40B4-BE49-F238E27FC236}">
+                <a16:creationId xmlns:a16="http://schemas.microsoft.com/office/drawing/2014/main" id="{B693D715-C62C-FA23-49CC-31E6CA9F2256}"/>
+              </a:ext>
+            </a:extLst>
+          </p:cNvPr>
+          <p:cNvSpPr/>
+          <p:nvPr/>
+        </p:nvSpPr>
+        <p:spPr>
+          <a:xfrm>
+            <a:off x="442913" y="789063"/>
+            <a:ext cx="11341100" cy="537029"/>
+          </a:xfrm>
+          <a:prstGeom prst="rect">
+            <a:avLst/>
+          </a:prstGeom>
+          <a:solidFill>
+            <a:srgbClr val="D7DBE4"/>
+          </a:solidFill>
+          <a:ln>
+            <a:noFill/>
+          </a:ln>
+        </p:spPr>
+        <p:style>
+          <a:lnRef idx="2">
+            <a:schemeClr val="accent1">
+              <a:shade val="15000"/>
+            </a:schemeClr>
+          </a:lnRef>
+          <a:fillRef idx="1">
+            <a:schemeClr val="accent1"/>
+          </a:fillRef>
+          <a:effectRef idx="0">
+            <a:schemeClr val="accent1"/>
+          </a:effectRef>
+          <a:fontRef idx="minor">
+            <a:schemeClr val="lt1"/>
+          </a:fontRef>
+        </p:style>
+        <p:txBody>
+          <a:bodyPr rtlCol="0" anchor="ctr"/>
+          <a:lstStyle/>
+          <a:p>
+            <a:pPr algn="ctr"/>
+            <a:endParaRPr lang="ko-KR" altLang="en-US"/>
+          </a:p>
+        </p:txBody>
+      </p:sp>
+      <p:pic>
+        <p:nvPicPr>
+          <p:cNvPr id="4" name="그림 3">
+            <a:extLst>
+              <a:ext uri="{FF2B5EF4-FFF2-40B4-BE49-F238E27FC236}">
+                <a16:creationId xmlns:a16="http://schemas.microsoft.com/office/drawing/2014/main" id="{73063D4A-086C-51BD-5427-43D2F05A15F6}"/>
+              </a:ext>
+            </a:extLst>
+          </p:cNvPr>
+          <p:cNvPicPr>
+            <a:picLocks noChangeAspect="1"/>
+          </p:cNvPicPr>
+          <p:nvPr/>
+        </p:nvPicPr>
+        <p:blipFill>
+          <a:blip r:embed="rId2"/>
+          <a:stretch>
+            <a:fillRect/>
+          </a:stretch>
+        </p:blipFill>
+        <p:spPr>
+          <a:xfrm>
+            <a:off x="442913" y="2025802"/>
+            <a:ext cx="5479189" cy="3168062"/>
+          </a:xfrm>
+          <a:prstGeom prst="rect">
+            <a:avLst/>
+          </a:prstGeom>
+        </p:spPr>
+      </p:pic>
+      <p:pic>
+        <p:nvPicPr>
+          <p:cNvPr id="6" name="그림 5">
+            <a:extLst>
+              <a:ext uri="{FF2B5EF4-FFF2-40B4-BE49-F238E27FC236}">
+                <a16:creationId xmlns:a16="http://schemas.microsoft.com/office/drawing/2014/main" id="{5D93D94C-E2F1-D868-E171-8EA0EA3398BE}"/>
+              </a:ext>
+            </a:extLst>
+          </p:cNvPr>
+          <p:cNvPicPr>
+            <a:picLocks noChangeAspect="1"/>
+          </p:cNvPicPr>
+          <p:nvPr/>
+        </p:nvPicPr>
+        <p:blipFill>
+          <a:blip r:embed="rId3"/>
+          <a:stretch>
+            <a:fillRect/>
+          </a:stretch>
+        </p:blipFill>
+        <p:spPr>
+          <a:xfrm>
+            <a:off x="6304824" y="2038351"/>
+            <a:ext cx="5479189" cy="3168062"/>
+          </a:xfrm>
+          <a:prstGeom prst="rect">
+            <a:avLst/>
+          </a:prstGeom>
+        </p:spPr>
+      </p:pic>
+      <p:sp>
+        <p:nvSpPr>
+          <p:cNvPr id="7" name="TextBox 6">
+            <a:extLst>
+              <a:ext uri="{FF2B5EF4-FFF2-40B4-BE49-F238E27FC236}">
+                <a16:creationId xmlns:a16="http://schemas.microsoft.com/office/drawing/2014/main" id="{4B024D4A-4D56-B1E6-85B8-B72D28BAF4DD}"/>
+              </a:ext>
+            </a:extLst>
+          </p:cNvPr>
+          <p:cNvSpPr txBox="1"/>
+          <p:nvPr/>
+        </p:nvSpPr>
+        <p:spPr>
+          <a:xfrm>
+            <a:off x="500177" y="830383"/>
+            <a:ext cx="10521191" cy="405560"/>
+          </a:xfrm>
+          <a:prstGeom prst="rect">
+            <a:avLst/>
+          </a:prstGeom>
+          <a:noFill/>
+          <a:ln>
+            <a:noFill/>
+          </a:ln>
+        </p:spPr>
+        <p:txBody>
+          <a:bodyPr wrap="square" rtlCol="0">
+            <a:spAutoFit/>
+          </a:bodyPr>
+          <a:lstStyle/>
+          <a:p>
+            <a:pPr>
+              <a:lnSpc>
+                <a:spcPct val="120000"/>
+              </a:lnSpc>
+            </a:pPr>
+            <a:r>
+              <a:rPr lang="ko-KR" altLang="en-US" dirty="0">
+                <a:latin typeface="나눔스퀘어" panose="020B0600000101010101" pitchFamily="50" charset="-127"/>
+                <a:ea typeface="나눔스퀘어" panose="020B0600000101010101" pitchFamily="50" charset="-127"/>
+              </a:rPr>
+              <a:t>로직 고려하실 때 용이할 것 같아 학급별 지명횟수 시각자료 공유 드립니다</a:t>
+            </a:r>
+            <a:r>
+              <a:rPr lang="en-US" altLang="ko-KR" dirty="0">
+                <a:latin typeface="나눔스퀘어" panose="020B0600000101010101" pitchFamily="50" charset="-127"/>
+                <a:ea typeface="나눔스퀘어" panose="020B0600000101010101" pitchFamily="50" charset="-127"/>
+              </a:rPr>
+              <a:t>.</a:t>
+            </a:r>
+          </a:p>
+        </p:txBody>
+      </p:sp>
+    </p:spTree>
+    <p:extLst>
+      <p:ext uri="{BB962C8B-B14F-4D97-AF65-F5344CB8AC3E}">
+        <p14:creationId xmlns:p14="http://schemas.microsoft.com/office/powerpoint/2010/main" val="817925003"/>
+      </p:ext>
+    </p:extLst>
+  </p:cSld>
+  <p:clrMapOvr>
+    <a:masterClrMapping/>
+  </p:clrMapOvr>
+</p:sld>
+</file>
+
+<file path=ppt/slides/slide16.xml><?xml version="1.0" encoding="utf-8"?>
+<p:sld xmlns:a="http://schemas.openxmlformats.org/drawingml/2006/main" xmlns:r="http://schemas.openxmlformats.org/officeDocument/2006/relationships" xmlns:p="http://schemas.openxmlformats.org/presentationml/2006/main">
+  <p:cSld>
+    <p:spTree>
+      <p:nvGrpSpPr>
+        <p:cNvPr id="1" name="">
+          <a:extLst>
+            <a:ext uri="{FF2B5EF4-FFF2-40B4-BE49-F238E27FC236}">
+              <a16:creationId xmlns:a16="http://schemas.microsoft.com/office/drawing/2014/main" id="{69BEF63B-7432-30F5-961F-4378399B228F}"/>
+            </a:ext>
+          </a:extLst>
+        </p:cNvPr>
+        <p:cNvGrpSpPr/>
+        <p:nvPr/>
+      </p:nvGrpSpPr>
+      <p:grpSpPr>
+        <a:xfrm>
+          <a:off x="0" y="0"/>
+          <a:ext cx="0" cy="0"/>
+          <a:chOff x="0" y="0"/>
+          <a:chExt cx="0" cy="0"/>
+        </a:xfrm>
+      </p:grpSpPr>
+      <p:sp>
+        <p:nvSpPr>
+          <p:cNvPr id="2" name="직사각형 1">
+            <a:extLst>
+              <a:ext uri="{FF2B5EF4-FFF2-40B4-BE49-F238E27FC236}">
+                <a16:creationId xmlns:a16="http://schemas.microsoft.com/office/drawing/2014/main" id="{947853FE-9D71-75DC-B2B4-0BFD341AFAE7}"/>
+              </a:ext>
+            </a:extLst>
+          </p:cNvPr>
+          <p:cNvSpPr/>
+          <p:nvPr/>
+        </p:nvSpPr>
+        <p:spPr>
+          <a:xfrm>
+            <a:off x="0" y="0"/>
+            <a:ext cx="12192000" cy="537029"/>
+          </a:xfrm>
+          <a:prstGeom prst="rect">
+            <a:avLst/>
+          </a:prstGeom>
+          <a:solidFill>
+            <a:srgbClr val="353D50"/>
+          </a:solidFill>
+          <a:ln>
+            <a:noFill/>
+          </a:ln>
+        </p:spPr>
+        <p:style>
+          <a:lnRef idx="2">
+            <a:schemeClr val="accent1">
+              <a:shade val="50000"/>
+            </a:schemeClr>
+          </a:lnRef>
+          <a:fillRef idx="1">
+            <a:schemeClr val="accent1"/>
+          </a:fillRef>
+          <a:effectRef idx="0">
+            <a:schemeClr val="accent1"/>
+          </a:effectRef>
+          <a:fontRef idx="minor">
+            <a:schemeClr val="lt1"/>
+          </a:fontRef>
+        </p:style>
+        <p:txBody>
+          <a:bodyPr rtlCol="0" anchor="ctr"/>
+          <a:lstStyle/>
+          <a:p>
+            <a:r>
+              <a:rPr lang="ko-KR" altLang="en-US" dirty="0">
+                <a:solidFill>
+                  <a:schemeClr val="bg1">
+                    <a:lumMod val="95000"/>
+                  </a:schemeClr>
+                </a:solidFill>
+                <a:latin typeface="나눔스퀘어 ExtraBold" panose="020B0600000101010101" pitchFamily="50" charset="-127"/>
+                <a:ea typeface="나눔스퀘어 ExtraBold" panose="020B0600000101010101" pitchFamily="50" charset="-127"/>
+              </a:rPr>
+              <a:t>   지위위계 안정성 로직 탐색</a:t>
+            </a:r>
+          </a:p>
+        </p:txBody>
+      </p:sp>
+      <p:sp>
+        <p:nvSpPr>
+          <p:cNvPr id="13" name="직사각형 12">
+            <a:extLst>
+              <a:ext uri="{FF2B5EF4-FFF2-40B4-BE49-F238E27FC236}">
+                <a16:creationId xmlns:a16="http://schemas.microsoft.com/office/drawing/2014/main" id="{28017C98-43BE-3A01-927D-2E96ACDBF83A}"/>
+              </a:ext>
+            </a:extLst>
+          </p:cNvPr>
+          <p:cNvSpPr/>
+          <p:nvPr/>
+        </p:nvSpPr>
+        <p:spPr>
+          <a:xfrm>
+            <a:off x="442913" y="789063"/>
+            <a:ext cx="11341100" cy="537029"/>
+          </a:xfrm>
+          <a:prstGeom prst="rect">
+            <a:avLst/>
+          </a:prstGeom>
+          <a:solidFill>
+            <a:srgbClr val="D7DBE4"/>
+          </a:solidFill>
+          <a:ln>
+            <a:noFill/>
+          </a:ln>
+        </p:spPr>
+        <p:style>
+          <a:lnRef idx="2">
+            <a:schemeClr val="accent1">
+              <a:shade val="15000"/>
+            </a:schemeClr>
+          </a:lnRef>
+          <a:fillRef idx="1">
+            <a:schemeClr val="accent1"/>
+          </a:fillRef>
+          <a:effectRef idx="0">
+            <a:schemeClr val="accent1"/>
+          </a:effectRef>
+          <a:fontRef idx="minor">
+            <a:schemeClr val="lt1"/>
+          </a:fontRef>
+        </p:style>
+        <p:txBody>
+          <a:bodyPr rtlCol="0" anchor="ctr"/>
+          <a:lstStyle/>
+          <a:p>
+            <a:pPr algn="ctr"/>
+            <a:endParaRPr lang="ko-KR" altLang="en-US"/>
+          </a:p>
+        </p:txBody>
+      </p:sp>
+      <p:pic>
+        <p:nvPicPr>
+          <p:cNvPr id="4" name="그림 3">
+            <a:extLst>
+              <a:ext uri="{FF2B5EF4-FFF2-40B4-BE49-F238E27FC236}">
+                <a16:creationId xmlns:a16="http://schemas.microsoft.com/office/drawing/2014/main" id="{10B64BF3-6756-15B3-6814-3E60D4DF9256}"/>
+              </a:ext>
+            </a:extLst>
+          </p:cNvPr>
+          <p:cNvPicPr>
+            <a:picLocks noChangeAspect="1"/>
+          </p:cNvPicPr>
+          <p:nvPr/>
+        </p:nvPicPr>
+        <p:blipFill>
+          <a:blip r:embed="rId2"/>
+          <a:stretch>
+            <a:fillRect/>
+          </a:stretch>
+        </p:blipFill>
+        <p:spPr>
+          <a:xfrm>
+            <a:off x="442913" y="2121051"/>
+            <a:ext cx="5510212" cy="3185999"/>
+          </a:xfrm>
+          <a:prstGeom prst="rect">
+            <a:avLst/>
+          </a:prstGeom>
+        </p:spPr>
+      </p:pic>
+      <p:pic>
+        <p:nvPicPr>
+          <p:cNvPr id="6" name="그림 5">
+            <a:extLst>
+              <a:ext uri="{FF2B5EF4-FFF2-40B4-BE49-F238E27FC236}">
+                <a16:creationId xmlns:a16="http://schemas.microsoft.com/office/drawing/2014/main" id="{3A6A9D0F-19C8-5DF0-ECCB-A9F797EF8402}"/>
+              </a:ext>
+            </a:extLst>
+          </p:cNvPr>
+          <p:cNvPicPr>
+            <a:picLocks noChangeAspect="1"/>
+          </p:cNvPicPr>
+          <p:nvPr/>
+        </p:nvPicPr>
+        <p:blipFill>
+          <a:blip r:embed="rId3"/>
+          <a:stretch>
+            <a:fillRect/>
+          </a:stretch>
+        </p:blipFill>
+        <p:spPr>
+          <a:xfrm>
+            <a:off x="6273801" y="2121050"/>
+            <a:ext cx="5510212" cy="3185999"/>
+          </a:xfrm>
+          <a:prstGeom prst="rect">
+            <a:avLst/>
+          </a:prstGeom>
+        </p:spPr>
+      </p:pic>
+      <p:sp>
+        <p:nvSpPr>
+          <p:cNvPr id="7" name="TextBox 6">
+            <a:extLst>
+              <a:ext uri="{FF2B5EF4-FFF2-40B4-BE49-F238E27FC236}">
+                <a16:creationId xmlns:a16="http://schemas.microsoft.com/office/drawing/2014/main" id="{337CED4E-B9C1-11F7-7B54-B617EA35FA59}"/>
+              </a:ext>
+            </a:extLst>
+          </p:cNvPr>
+          <p:cNvSpPr txBox="1"/>
+          <p:nvPr/>
+        </p:nvSpPr>
+        <p:spPr>
+          <a:xfrm>
+            <a:off x="500177" y="830383"/>
+            <a:ext cx="10521191" cy="405560"/>
+          </a:xfrm>
+          <a:prstGeom prst="rect">
+            <a:avLst/>
+          </a:prstGeom>
+          <a:noFill/>
+          <a:ln>
+            <a:noFill/>
+          </a:ln>
+        </p:spPr>
+        <p:txBody>
+          <a:bodyPr wrap="square" rtlCol="0">
+            <a:spAutoFit/>
+          </a:bodyPr>
+          <a:lstStyle/>
+          <a:p>
+            <a:pPr>
+              <a:lnSpc>
+                <a:spcPct val="120000"/>
+              </a:lnSpc>
+            </a:pPr>
+            <a:r>
+              <a:rPr lang="ko-KR" altLang="en-US" dirty="0">
+                <a:latin typeface="나눔스퀘어" panose="020B0600000101010101" pitchFamily="50" charset="-127"/>
+                <a:ea typeface="나눔스퀘어" panose="020B0600000101010101" pitchFamily="50" charset="-127"/>
+              </a:rPr>
+              <a:t>로직 고려하실 때 용이할 것 같아 학급별 지명횟수 시각자료 공유 드립니다</a:t>
+            </a:r>
+            <a:r>
+              <a:rPr lang="en-US" altLang="ko-KR" dirty="0">
+                <a:latin typeface="나눔스퀘어" panose="020B0600000101010101" pitchFamily="50" charset="-127"/>
+                <a:ea typeface="나눔스퀘어" panose="020B0600000101010101" pitchFamily="50" charset="-127"/>
+              </a:rPr>
+              <a:t>.</a:t>
+            </a:r>
+          </a:p>
+        </p:txBody>
+      </p:sp>
+    </p:spTree>
+    <p:extLst>
+      <p:ext uri="{BB962C8B-B14F-4D97-AF65-F5344CB8AC3E}">
+        <p14:creationId xmlns:p14="http://schemas.microsoft.com/office/powerpoint/2010/main" val="802436147"/>
+      </p:ext>
+    </p:extLst>
+  </p:cSld>
+  <p:clrMapOvr>
+    <a:masterClrMapping/>
+  </p:clrMapOvr>
+</p:sld>
+</file>
+
+<file path=ppt/slides/slide17.xml><?xml version="1.0" encoding="utf-8"?>
+<p:sld xmlns:a="http://schemas.openxmlformats.org/drawingml/2006/main" xmlns:r="http://schemas.openxmlformats.org/officeDocument/2006/relationships" xmlns:p="http://schemas.openxmlformats.org/presentationml/2006/main">
+  <p:cSld>
+    <p:spTree>
+      <p:nvGrpSpPr>
+        <p:cNvPr id="1" name="">
+          <a:extLst>
+            <a:ext uri="{FF2B5EF4-FFF2-40B4-BE49-F238E27FC236}">
+              <a16:creationId xmlns:a16="http://schemas.microsoft.com/office/drawing/2014/main" id="{E9FF021D-5110-2EBA-3325-1722E2638510}"/>
+            </a:ext>
+          </a:extLst>
+        </p:cNvPr>
+        <p:cNvGrpSpPr/>
+        <p:nvPr/>
+      </p:nvGrpSpPr>
+      <p:grpSpPr>
+        <a:xfrm>
+          <a:off x="0" y="0"/>
+          <a:ext cx="0" cy="0"/>
+          <a:chOff x="0" y="0"/>
+          <a:chExt cx="0" cy="0"/>
+        </a:xfrm>
+      </p:grpSpPr>
+      <p:sp>
+        <p:nvSpPr>
+          <p:cNvPr id="2" name="직사각형 1">
+            <a:extLst>
+              <a:ext uri="{FF2B5EF4-FFF2-40B4-BE49-F238E27FC236}">
+                <a16:creationId xmlns:a16="http://schemas.microsoft.com/office/drawing/2014/main" id="{BAC10B29-9E95-34BA-51FF-39EA5C5DF946}"/>
+              </a:ext>
+            </a:extLst>
+          </p:cNvPr>
+          <p:cNvSpPr/>
+          <p:nvPr/>
+        </p:nvSpPr>
+        <p:spPr>
+          <a:xfrm>
+            <a:off x="0" y="0"/>
+            <a:ext cx="12192000" cy="537029"/>
+          </a:xfrm>
+          <a:prstGeom prst="rect">
+            <a:avLst/>
+          </a:prstGeom>
+          <a:solidFill>
+            <a:srgbClr val="353D50"/>
+          </a:solidFill>
+          <a:ln>
+            <a:noFill/>
+          </a:ln>
+        </p:spPr>
+        <p:style>
+          <a:lnRef idx="2">
+            <a:schemeClr val="accent1">
+              <a:shade val="50000"/>
+            </a:schemeClr>
+          </a:lnRef>
+          <a:fillRef idx="1">
+            <a:schemeClr val="accent1"/>
+          </a:fillRef>
+          <a:effectRef idx="0">
+            <a:schemeClr val="accent1"/>
+          </a:effectRef>
+          <a:fontRef idx="minor">
+            <a:schemeClr val="lt1"/>
+          </a:fontRef>
+        </p:style>
+        <p:txBody>
+          <a:bodyPr rtlCol="0" anchor="ctr"/>
+          <a:lstStyle/>
+          <a:p>
+            <a:r>
+              <a:rPr lang="ko-KR" altLang="en-US" dirty="0">
+                <a:solidFill>
+                  <a:schemeClr val="bg1">
+                    <a:lumMod val="95000"/>
+                  </a:schemeClr>
+                </a:solidFill>
+                <a:latin typeface="나눔스퀘어 ExtraBold" panose="020B0600000101010101" pitchFamily="50" charset="-127"/>
+                <a:ea typeface="나눔스퀘어 ExtraBold" panose="020B0600000101010101" pitchFamily="50" charset="-127"/>
+              </a:rPr>
+              <a:t>   지위위계 안정성 로직 탐색</a:t>
+            </a:r>
+          </a:p>
+        </p:txBody>
+      </p:sp>
+      <p:sp>
+        <p:nvSpPr>
+          <p:cNvPr id="13" name="직사각형 12">
+            <a:extLst>
+              <a:ext uri="{FF2B5EF4-FFF2-40B4-BE49-F238E27FC236}">
+                <a16:creationId xmlns:a16="http://schemas.microsoft.com/office/drawing/2014/main" id="{3F4E0676-0D15-8DF8-36E7-66E13F48F588}"/>
+              </a:ext>
+            </a:extLst>
+          </p:cNvPr>
+          <p:cNvSpPr/>
+          <p:nvPr/>
+        </p:nvSpPr>
+        <p:spPr>
+          <a:xfrm>
+            <a:off x="442913" y="789063"/>
+            <a:ext cx="11341100" cy="537029"/>
+          </a:xfrm>
+          <a:prstGeom prst="rect">
+            <a:avLst/>
+          </a:prstGeom>
+          <a:solidFill>
+            <a:srgbClr val="D7DBE4"/>
+          </a:solidFill>
+          <a:ln>
+            <a:noFill/>
+          </a:ln>
+        </p:spPr>
+        <p:style>
+          <a:lnRef idx="2">
+            <a:schemeClr val="accent1">
+              <a:shade val="15000"/>
+            </a:schemeClr>
+          </a:lnRef>
+          <a:fillRef idx="1">
+            <a:schemeClr val="accent1"/>
+          </a:fillRef>
+          <a:effectRef idx="0">
+            <a:schemeClr val="accent1"/>
+          </a:effectRef>
+          <a:fontRef idx="minor">
+            <a:schemeClr val="lt1"/>
+          </a:fontRef>
+        </p:style>
+        <p:txBody>
+          <a:bodyPr rtlCol="0" anchor="ctr"/>
+          <a:lstStyle/>
+          <a:p>
+            <a:pPr algn="ctr"/>
+            <a:endParaRPr lang="ko-KR" altLang="en-US"/>
+          </a:p>
+        </p:txBody>
+      </p:sp>
+      <p:pic>
+        <p:nvPicPr>
+          <p:cNvPr id="4" name="그림 3">
+            <a:extLst>
+              <a:ext uri="{FF2B5EF4-FFF2-40B4-BE49-F238E27FC236}">
+                <a16:creationId xmlns:a16="http://schemas.microsoft.com/office/drawing/2014/main" id="{A66133C5-0E38-36EE-1CD8-C97B759BE231}"/>
+              </a:ext>
+            </a:extLst>
+          </p:cNvPr>
+          <p:cNvPicPr>
+            <a:picLocks noChangeAspect="1"/>
+          </p:cNvPicPr>
+          <p:nvPr/>
+        </p:nvPicPr>
+        <p:blipFill>
+          <a:blip r:embed="rId2"/>
+          <a:stretch>
+            <a:fillRect/>
+          </a:stretch>
+        </p:blipFill>
+        <p:spPr>
+          <a:xfrm>
+            <a:off x="442913" y="2058913"/>
+            <a:ext cx="5568065" cy="3219450"/>
+          </a:xfrm>
+          <a:prstGeom prst="rect">
+            <a:avLst/>
+          </a:prstGeom>
+        </p:spPr>
+      </p:pic>
+      <p:pic>
+        <p:nvPicPr>
+          <p:cNvPr id="6" name="그림 5">
+            <a:extLst>
+              <a:ext uri="{FF2B5EF4-FFF2-40B4-BE49-F238E27FC236}">
+                <a16:creationId xmlns:a16="http://schemas.microsoft.com/office/drawing/2014/main" id="{08A835FD-473A-3ECE-6A93-23B8B424C845}"/>
+              </a:ext>
+            </a:extLst>
+          </p:cNvPr>
+          <p:cNvPicPr>
+            <a:picLocks noChangeAspect="1"/>
+          </p:cNvPicPr>
+          <p:nvPr/>
+        </p:nvPicPr>
+        <p:blipFill>
+          <a:blip r:embed="rId3"/>
+          <a:stretch>
+            <a:fillRect/>
+          </a:stretch>
+        </p:blipFill>
+        <p:spPr>
+          <a:xfrm>
+            <a:off x="6215948" y="2058913"/>
+            <a:ext cx="5568065" cy="3219450"/>
+          </a:xfrm>
+          <a:prstGeom prst="rect">
+            <a:avLst/>
+          </a:prstGeom>
+        </p:spPr>
+      </p:pic>
+      <p:sp>
+        <p:nvSpPr>
+          <p:cNvPr id="7" name="TextBox 6">
+            <a:extLst>
+              <a:ext uri="{FF2B5EF4-FFF2-40B4-BE49-F238E27FC236}">
+                <a16:creationId xmlns:a16="http://schemas.microsoft.com/office/drawing/2014/main" id="{7987338A-B5F4-4BB3-C13A-7EF04A67C4CD}"/>
+              </a:ext>
+            </a:extLst>
+          </p:cNvPr>
+          <p:cNvSpPr txBox="1"/>
+          <p:nvPr/>
+        </p:nvSpPr>
+        <p:spPr>
+          <a:xfrm>
+            <a:off x="500177" y="830383"/>
+            <a:ext cx="10521191" cy="405560"/>
+          </a:xfrm>
+          <a:prstGeom prst="rect">
+            <a:avLst/>
+          </a:prstGeom>
+          <a:noFill/>
+          <a:ln>
+            <a:noFill/>
+          </a:ln>
+        </p:spPr>
+        <p:txBody>
+          <a:bodyPr wrap="square" rtlCol="0">
+            <a:spAutoFit/>
+          </a:bodyPr>
+          <a:lstStyle/>
+          <a:p>
+            <a:pPr>
+              <a:lnSpc>
+                <a:spcPct val="120000"/>
+              </a:lnSpc>
+            </a:pPr>
+            <a:r>
+              <a:rPr lang="ko-KR" altLang="en-US" dirty="0">
+                <a:latin typeface="나눔스퀘어" panose="020B0600000101010101" pitchFamily="50" charset="-127"/>
+                <a:ea typeface="나눔스퀘어" panose="020B0600000101010101" pitchFamily="50" charset="-127"/>
+              </a:rPr>
+              <a:t>로직 고려하실 때 용이할 것 같아 학급별 지명횟수 시각자료 공유 드립니다</a:t>
+            </a:r>
+            <a:r>
+              <a:rPr lang="en-US" altLang="ko-KR" dirty="0">
+                <a:latin typeface="나눔스퀘어" panose="020B0600000101010101" pitchFamily="50" charset="-127"/>
+                <a:ea typeface="나눔스퀘어" panose="020B0600000101010101" pitchFamily="50" charset="-127"/>
+              </a:rPr>
+              <a:t>.</a:t>
+            </a:r>
+          </a:p>
+        </p:txBody>
+      </p:sp>
+    </p:spTree>
+    <p:extLst>
+      <p:ext uri="{BB962C8B-B14F-4D97-AF65-F5344CB8AC3E}">
+        <p14:creationId xmlns:p14="http://schemas.microsoft.com/office/powerpoint/2010/main" val="4238559636"/>
+      </p:ext>
+    </p:extLst>
+  </p:cSld>
+  <p:clrMapOvr>
+    <a:masterClrMapping/>
+  </p:clrMapOvr>
+</p:sld>
+</file>
+
+<file path=ppt/slides/slide2.xml><?xml version="1.0" encoding="utf-8"?>
+<p:sld xmlns:a="http://schemas.openxmlformats.org/drawingml/2006/main" xmlns:r="http://schemas.openxmlformats.org/officeDocument/2006/relationships" xmlns:p="http://schemas.openxmlformats.org/presentationml/2006/main">
+  <p:cSld>
+    <p:spTree>
+      <p:nvGrpSpPr>
+        <p:cNvPr id="1" name=""/>
+        <p:cNvGrpSpPr/>
+        <p:nvPr/>
+      </p:nvGrpSpPr>
+      <p:grpSpPr>
+        <a:xfrm>
+          <a:off x="0" y="0"/>
+          <a:ext cx="0" cy="0"/>
+          <a:chOff x="0" y="0"/>
+          <a:chExt cx="0" cy="0"/>
+        </a:xfrm>
+      </p:grpSpPr>
+      <p:pic>
+        <p:nvPicPr>
+          <p:cNvPr id="3" name="그림 2">
+            <a:extLst>
+              <a:ext uri="{FF2B5EF4-FFF2-40B4-BE49-F238E27FC236}">
+                <a16:creationId xmlns:a16="http://schemas.microsoft.com/office/drawing/2014/main" id="{AE70CF5E-33FA-50B9-08B8-365FD0E84E68}"/>
+              </a:ext>
+            </a:extLst>
+          </p:cNvPr>
+          <p:cNvPicPr>
+            <a:picLocks noChangeAspect="1"/>
+          </p:cNvPicPr>
+          <p:nvPr/>
+        </p:nvPicPr>
+        <p:blipFill>
+          <a:blip r:embed="rId2"/>
+          <a:stretch>
+            <a:fillRect/>
+          </a:stretch>
+        </p:blipFill>
+        <p:spPr>
+          <a:xfrm>
+            <a:off x="2231447" y="1824412"/>
+            <a:ext cx="7729105" cy="4838694"/>
+          </a:xfrm>
+          <a:prstGeom prst="rect">
+            <a:avLst/>
+          </a:prstGeom>
+        </p:spPr>
+      </p:pic>
+      <p:sp>
+        <p:nvSpPr>
+          <p:cNvPr id="9" name="사각형: 둥근 모서리 8">
+            <a:extLst>
+              <a:ext uri="{FF2B5EF4-FFF2-40B4-BE49-F238E27FC236}">
+                <a16:creationId xmlns:a16="http://schemas.microsoft.com/office/drawing/2014/main" id="{512B9148-6B19-B669-801A-67D121F7EE3F}"/>
+              </a:ext>
+            </a:extLst>
+          </p:cNvPr>
+          <p:cNvSpPr/>
+          <p:nvPr/>
+        </p:nvSpPr>
+        <p:spPr>
+          <a:xfrm>
+            <a:off x="9375490" y="5667450"/>
             <a:ext cx="247650" cy="784501"/>
           </a:xfrm>
           <a:prstGeom prst="roundRect">
@@ -3430,7 +7441,7 @@
         </p:nvSpPr>
         <p:spPr>
           <a:xfrm>
-            <a:off x="9497292" y="5845387"/>
+            <a:off x="5082312" y="5667450"/>
             <a:ext cx="247650" cy="784501"/>
           </a:xfrm>
           <a:prstGeom prst="roundRect">
@@ -3750,7 +7761,7 @@
 </p:sld>
 </file>
 
-<file path=ppt/slides/slide2.xml><?xml version="1.0" encoding="utf-8"?>
+<file path=ppt/slides/slide3.xml><?xml version="1.0" encoding="utf-8"?>
 <p:sld xmlns:a="http://schemas.openxmlformats.org/drawingml/2006/main" xmlns:r="http://schemas.openxmlformats.org/officeDocument/2006/relationships" xmlns:p="http://schemas.openxmlformats.org/presentationml/2006/main">
   <p:cSld>
     <p:spTree>
@@ -3773,6 +7784,66 @@
           <a:chExt cx="0" cy="0"/>
         </a:xfrm>
       </p:grpSpPr>
+      <p:pic>
+        <p:nvPicPr>
+          <p:cNvPr id="8" name="그림 7">
+            <a:extLst>
+              <a:ext uri="{FF2B5EF4-FFF2-40B4-BE49-F238E27FC236}">
+                <a16:creationId xmlns:a16="http://schemas.microsoft.com/office/drawing/2014/main" id="{2FB9B460-CA85-7B2D-422D-AF555342CE50}"/>
+              </a:ext>
+            </a:extLst>
+          </p:cNvPr>
+          <p:cNvPicPr>
+            <a:picLocks noChangeAspect="1"/>
+          </p:cNvPicPr>
+          <p:nvPr/>
+        </p:nvPicPr>
+        <p:blipFill>
+          <a:blip r:embed="rId3"/>
+          <a:stretch>
+            <a:fillRect/>
+          </a:stretch>
+        </p:blipFill>
+        <p:spPr>
+          <a:xfrm>
+            <a:off x="567185" y="2348914"/>
+            <a:ext cx="5001715" cy="2845287"/>
+          </a:xfrm>
+          <a:prstGeom prst="rect">
+            <a:avLst/>
+          </a:prstGeom>
+        </p:spPr>
+      </p:pic>
+      <p:pic>
+        <p:nvPicPr>
+          <p:cNvPr id="6" name="그림 5">
+            <a:extLst>
+              <a:ext uri="{FF2B5EF4-FFF2-40B4-BE49-F238E27FC236}">
+                <a16:creationId xmlns:a16="http://schemas.microsoft.com/office/drawing/2014/main" id="{CCC22638-C00F-4791-5A0A-F2D49490B8F7}"/>
+              </a:ext>
+            </a:extLst>
+          </p:cNvPr>
+          <p:cNvPicPr>
+            <a:picLocks noChangeAspect="1"/>
+          </p:cNvPicPr>
+          <p:nvPr/>
+        </p:nvPicPr>
+        <p:blipFill>
+          <a:blip r:embed="rId4"/>
+          <a:stretch>
+            <a:fillRect/>
+          </a:stretch>
+        </p:blipFill>
+        <p:spPr>
+          <a:xfrm>
+            <a:off x="6510482" y="2367541"/>
+            <a:ext cx="4952780" cy="2906422"/>
+          </a:xfrm>
+          <a:prstGeom prst="rect">
+            <a:avLst/>
+          </a:prstGeom>
+        </p:spPr>
+      </p:pic>
       <p:sp>
         <p:nvSpPr>
           <p:cNvPr id="2" name="직사각형 1">
@@ -4007,66 +8078,6 @@
           </a:p>
         </p:txBody>
       </p:sp>
-      <p:pic>
-        <p:nvPicPr>
-          <p:cNvPr id="16" name="그림 15">
-            <a:extLst>
-              <a:ext uri="{FF2B5EF4-FFF2-40B4-BE49-F238E27FC236}">
-                <a16:creationId xmlns:a16="http://schemas.microsoft.com/office/drawing/2014/main" id="{5304B30B-87A0-6CE9-72C2-7B5B21CA9BF8}"/>
-              </a:ext>
-            </a:extLst>
-          </p:cNvPr>
-          <p:cNvPicPr>
-            <a:picLocks noChangeAspect="1"/>
-          </p:cNvPicPr>
-          <p:nvPr/>
-        </p:nvPicPr>
-        <p:blipFill>
-          <a:blip r:embed="rId2"/>
-          <a:stretch>
-            <a:fillRect/>
-          </a:stretch>
-        </p:blipFill>
-        <p:spPr>
-          <a:xfrm>
-            <a:off x="6463175" y="2427833"/>
-            <a:ext cx="4846035" cy="2827757"/>
-          </a:xfrm>
-          <a:prstGeom prst="rect">
-            <a:avLst/>
-          </a:prstGeom>
-        </p:spPr>
-      </p:pic>
-      <p:pic>
-        <p:nvPicPr>
-          <p:cNvPr id="18" name="그림 17">
-            <a:extLst>
-              <a:ext uri="{FF2B5EF4-FFF2-40B4-BE49-F238E27FC236}">
-                <a16:creationId xmlns:a16="http://schemas.microsoft.com/office/drawing/2014/main" id="{9D08A563-5D56-1DE2-48B5-47C9B571F346}"/>
-              </a:ext>
-            </a:extLst>
-          </p:cNvPr>
-          <p:cNvPicPr>
-            <a:picLocks noChangeAspect="1"/>
-          </p:cNvPicPr>
-          <p:nvPr/>
-        </p:nvPicPr>
-        <p:blipFill>
-          <a:blip r:embed="rId3"/>
-          <a:stretch>
-            <a:fillRect/>
-          </a:stretch>
-        </p:blipFill>
-        <p:spPr>
-          <a:xfrm>
-            <a:off x="716078" y="2421380"/>
-            <a:ext cx="4846035" cy="2753429"/>
-          </a:xfrm>
-          <a:prstGeom prst="rect">
-            <a:avLst/>
-          </a:prstGeom>
-        </p:spPr>
-      </p:pic>
       <p:cxnSp>
         <p:nvCxnSpPr>
           <p:cNvPr id="19" name="직선 연결선 18">
@@ -4320,7 +8331,7 @@
             <a:r>
               <a:rPr lang="ko-KR" altLang="en-US" sz="1500" b="1" dirty="0">
                 <a:solidFill>
-                  <a:srgbClr val="FF0000"/>
+                  <a:srgbClr val="C00000"/>
                 </a:solidFill>
                 <a:latin typeface="나눔스퀘어" panose="020B0600000101010101" pitchFamily="50" charset="-127"/>
                 <a:ea typeface="나눔스퀘어" panose="020B0600000101010101" pitchFamily="50" charset="-127"/>
@@ -4330,7 +8341,7 @@
             <a:r>
               <a:rPr lang="ko-KR" altLang="en-US" sz="1500" b="1" dirty="0" err="1">
                 <a:solidFill>
-                  <a:srgbClr val="FF0000"/>
+                  <a:srgbClr val="C00000"/>
                 </a:solidFill>
                 <a:latin typeface="나눔스퀘어" panose="020B0600000101010101" pitchFamily="50" charset="-127"/>
                 <a:ea typeface="나눔스퀘어" panose="020B0600000101010101" pitchFamily="50" charset="-127"/>
@@ -4340,7 +8351,7 @@
             <a:r>
               <a:rPr lang="ko-KR" altLang="en-US" sz="1500" b="1" dirty="0">
                 <a:solidFill>
-                  <a:srgbClr val="FF0000"/>
+                  <a:srgbClr val="C00000"/>
                 </a:solidFill>
                 <a:latin typeface="나눔스퀘어" panose="020B0600000101010101" pitchFamily="50" charset="-127"/>
                 <a:ea typeface="나눔스퀘어" panose="020B0600000101010101" pitchFamily="50" charset="-127"/>
@@ -4370,162 +8381,6 @@
       </p:sp>
       <p:sp>
         <p:nvSpPr>
-          <p:cNvPr id="22" name="TextBox 21">
-            <a:extLst>
-              <a:ext uri="{FF2B5EF4-FFF2-40B4-BE49-F238E27FC236}">
-                <a16:creationId xmlns:a16="http://schemas.microsoft.com/office/drawing/2014/main" id="{77AD0C8F-5E43-F6AF-134C-4FADBABF7825}"/>
-              </a:ext>
-            </a:extLst>
-          </p:cNvPr>
-          <p:cNvSpPr txBox="1"/>
-          <p:nvPr/>
-        </p:nvSpPr>
-        <p:spPr>
-          <a:xfrm>
-            <a:off x="2644744" y="1976707"/>
-            <a:ext cx="1363834" cy="340519"/>
-          </a:xfrm>
-          <a:prstGeom prst="roundRect">
-            <a:avLst/>
-          </a:prstGeom>
-          <a:solidFill>
-            <a:srgbClr val="353D50"/>
-          </a:solidFill>
-          <a:ln>
-            <a:noFill/>
-          </a:ln>
-        </p:spPr>
-        <p:txBody>
-          <a:bodyPr wrap="square" rtlCol="0">
-            <a:spAutoFit/>
-          </a:bodyPr>
-          <a:lstStyle/>
-          <a:p>
-            <a:pPr algn="ctr">
-              <a:tabLst>
-                <a:tab pos="2159000" algn="l"/>
-              </a:tabLst>
-            </a:pPr>
-            <a:r>
-              <a:rPr lang="ko-KR" altLang="en-US" sz="1400" b="1" dirty="0" err="1">
-                <a:solidFill>
-                  <a:schemeClr val="bg1"/>
-                </a:solidFill>
-                <a:latin typeface="나눔스퀘어" panose="020B0600000101010101" pitchFamily="50" charset="-127"/>
-                <a:ea typeface="나눔스퀘어" panose="020B0600000101010101" pitchFamily="50" charset="-127"/>
-              </a:rPr>
-              <a:t>하원초</a:t>
-            </a:r>
-            <a:r>
-              <a:rPr lang="ko-KR" altLang="en-US" sz="1400" b="1" dirty="0">
-                <a:solidFill>
-                  <a:schemeClr val="bg1"/>
-                </a:solidFill>
-                <a:latin typeface="나눔스퀘어" panose="020B0600000101010101" pitchFamily="50" charset="-127"/>
-                <a:ea typeface="나눔스퀘어" panose="020B0600000101010101" pitchFamily="50" charset="-127"/>
-              </a:rPr>
-              <a:t> </a:t>
-            </a:r>
-            <a:r>
-              <a:rPr lang="en-US" altLang="ko-KR" sz="1400" b="1" dirty="0">
-                <a:solidFill>
-                  <a:schemeClr val="bg1"/>
-                </a:solidFill>
-                <a:latin typeface="나눔스퀘어" panose="020B0600000101010101" pitchFamily="50" charset="-127"/>
-                <a:ea typeface="나눔스퀘어" panose="020B0600000101010101" pitchFamily="50" charset="-127"/>
-              </a:rPr>
-              <a:t>6-4</a:t>
-            </a:r>
-            <a:endParaRPr lang="ko-KR" altLang="en-US" sz="1400" b="1" dirty="0">
-              <a:solidFill>
-                <a:schemeClr val="bg1"/>
-              </a:solidFill>
-              <a:latin typeface="나눔스퀘어" panose="020B0600000101010101" pitchFamily="50" charset="-127"/>
-              <a:ea typeface="나눔스퀘어" panose="020B0600000101010101" pitchFamily="50" charset="-127"/>
-            </a:endParaRPr>
-          </a:p>
-        </p:txBody>
-      </p:sp>
-      <p:sp>
-        <p:nvSpPr>
-          <p:cNvPr id="23" name="TextBox 22">
-            <a:extLst>
-              <a:ext uri="{FF2B5EF4-FFF2-40B4-BE49-F238E27FC236}">
-                <a16:creationId xmlns:a16="http://schemas.microsoft.com/office/drawing/2014/main" id="{39AD800D-DA44-47AE-FF23-890AC191F32B}"/>
-              </a:ext>
-            </a:extLst>
-          </p:cNvPr>
-          <p:cNvSpPr txBox="1"/>
-          <p:nvPr/>
-        </p:nvSpPr>
-        <p:spPr>
-          <a:xfrm>
-            <a:off x="8304955" y="1976707"/>
-            <a:ext cx="1363834" cy="340519"/>
-          </a:xfrm>
-          <a:prstGeom prst="roundRect">
-            <a:avLst/>
-          </a:prstGeom>
-          <a:solidFill>
-            <a:srgbClr val="353D50"/>
-          </a:solidFill>
-          <a:ln>
-            <a:noFill/>
-          </a:ln>
-        </p:spPr>
-        <p:txBody>
-          <a:bodyPr wrap="square" rtlCol="0">
-            <a:spAutoFit/>
-          </a:bodyPr>
-          <a:lstStyle/>
-          <a:p>
-            <a:pPr algn="ctr">
-              <a:tabLst>
-                <a:tab pos="2159000" algn="l"/>
-              </a:tabLst>
-            </a:pPr>
-            <a:r>
-              <a:rPr lang="ko-KR" altLang="en-US" sz="1400" b="1" dirty="0" err="1">
-                <a:solidFill>
-                  <a:schemeClr val="bg1"/>
-                </a:solidFill>
-                <a:latin typeface="나눔스퀘어" panose="020B0600000101010101" pitchFamily="50" charset="-127"/>
-                <a:ea typeface="나눔스퀘어" panose="020B0600000101010101" pitchFamily="50" charset="-127"/>
-              </a:rPr>
-              <a:t>송수초</a:t>
-            </a:r>
-            <a:r>
-              <a:rPr lang="ko-KR" altLang="en-US" sz="1400" b="1" dirty="0">
-                <a:solidFill>
-                  <a:schemeClr val="bg1"/>
-                </a:solidFill>
-                <a:latin typeface="나눔스퀘어" panose="020B0600000101010101" pitchFamily="50" charset="-127"/>
-                <a:ea typeface="나눔스퀘어" panose="020B0600000101010101" pitchFamily="50" charset="-127"/>
-              </a:rPr>
-              <a:t> </a:t>
-            </a:r>
-            <a:r>
-              <a:rPr lang="en-US" altLang="ko-KR" sz="1400" b="1" dirty="0">
-                <a:solidFill>
-                  <a:schemeClr val="bg1"/>
-                </a:solidFill>
-                <a:latin typeface="나눔스퀘어" panose="020B0600000101010101" pitchFamily="50" charset="-127"/>
-                <a:ea typeface="나눔스퀘어" panose="020B0600000101010101" pitchFamily="50" charset="-127"/>
-              </a:rPr>
-              <a:t>6-2</a:t>
-            </a:r>
-            <a:endParaRPr lang="ko-KR" altLang="en-US" sz="1400" b="1" dirty="0">
-              <a:solidFill>
-                <a:schemeClr val="bg1"/>
-              </a:solidFill>
-              <a:latin typeface="나눔스퀘어" panose="020B0600000101010101" pitchFamily="50" charset="-127"/>
-              <a:ea typeface="나눔스퀘어" panose="020B0600000101010101" pitchFamily="50" charset="-127"/>
-            </a:endParaRPr>
-          </a:p>
-        </p:txBody>
-      </p:sp>
-      <p:sp>
-        <p:nvSpPr>
           <p:cNvPr id="25" name="직사각형 24">
             <a:extLst>
               <a:ext uri="{FF2B5EF4-FFF2-40B4-BE49-F238E27FC236}">
@@ -4538,7 +8393,7 @@
         </p:nvSpPr>
         <p:spPr>
           <a:xfrm>
-            <a:off x="2466109" y="2439852"/>
+            <a:off x="2294730" y="2373995"/>
             <a:ext cx="1671782" cy="120841"/>
           </a:xfrm>
           <a:prstGeom prst="rect">
@@ -4590,7 +8445,7 @@
         </p:nvSpPr>
         <p:spPr>
           <a:xfrm>
-            <a:off x="8304955" y="2449088"/>
+            <a:off x="8190641" y="2391882"/>
             <a:ext cx="1671782" cy="120841"/>
           </a:xfrm>
           <a:prstGeom prst="rect">
@@ -4628,6 +8483,162 @@
           </a:p>
         </p:txBody>
       </p:sp>
+      <p:sp>
+        <p:nvSpPr>
+          <p:cNvPr id="3" name="TextBox 2">
+            <a:extLst>
+              <a:ext uri="{FF2B5EF4-FFF2-40B4-BE49-F238E27FC236}">
+                <a16:creationId xmlns:a16="http://schemas.microsoft.com/office/drawing/2014/main" id="{6FA49E68-CEF0-229F-E509-D527285BCBCC}"/>
+              </a:ext>
+            </a:extLst>
+          </p:cNvPr>
+          <p:cNvSpPr txBox="1"/>
+          <p:nvPr/>
+        </p:nvSpPr>
+        <p:spPr>
+          <a:xfrm>
+            <a:off x="2413835" y="1985943"/>
+            <a:ext cx="1363834" cy="340519"/>
+          </a:xfrm>
+          <a:prstGeom prst="roundRect">
+            <a:avLst/>
+          </a:prstGeom>
+          <a:solidFill>
+            <a:srgbClr val="353D50"/>
+          </a:solidFill>
+          <a:ln>
+            <a:noFill/>
+          </a:ln>
+        </p:spPr>
+        <p:txBody>
+          <a:bodyPr wrap="square" rtlCol="0">
+            <a:spAutoFit/>
+          </a:bodyPr>
+          <a:lstStyle/>
+          <a:p>
+            <a:pPr algn="ctr">
+              <a:tabLst>
+                <a:tab pos="2159000" algn="l"/>
+              </a:tabLst>
+            </a:pPr>
+            <a:r>
+              <a:rPr lang="ko-KR" altLang="en-US" sz="1400" b="1" dirty="0" err="1">
+                <a:solidFill>
+                  <a:schemeClr val="bg1"/>
+                </a:solidFill>
+                <a:latin typeface="나눔스퀘어" panose="020B0600000101010101" pitchFamily="50" charset="-127"/>
+                <a:ea typeface="나눔스퀘어" panose="020B0600000101010101" pitchFamily="50" charset="-127"/>
+              </a:rPr>
+              <a:t>송수초</a:t>
+            </a:r>
+            <a:r>
+              <a:rPr lang="ko-KR" altLang="en-US" sz="1400" b="1" dirty="0">
+                <a:solidFill>
+                  <a:schemeClr val="bg1"/>
+                </a:solidFill>
+                <a:latin typeface="나눔스퀘어" panose="020B0600000101010101" pitchFamily="50" charset="-127"/>
+                <a:ea typeface="나눔스퀘어" panose="020B0600000101010101" pitchFamily="50" charset="-127"/>
+              </a:rPr>
+              <a:t> </a:t>
+            </a:r>
+            <a:r>
+              <a:rPr lang="en-US" altLang="ko-KR" sz="1400" b="1" dirty="0">
+                <a:solidFill>
+                  <a:schemeClr val="bg1"/>
+                </a:solidFill>
+                <a:latin typeface="나눔스퀘어" panose="020B0600000101010101" pitchFamily="50" charset="-127"/>
+                <a:ea typeface="나눔스퀘어" panose="020B0600000101010101" pitchFamily="50" charset="-127"/>
+              </a:rPr>
+              <a:t>6-2</a:t>
+            </a:r>
+            <a:endParaRPr lang="ko-KR" altLang="en-US" sz="1400" b="1" dirty="0">
+              <a:solidFill>
+                <a:schemeClr val="bg1"/>
+              </a:solidFill>
+              <a:latin typeface="나눔스퀘어" panose="020B0600000101010101" pitchFamily="50" charset="-127"/>
+              <a:ea typeface="나눔스퀘어" panose="020B0600000101010101" pitchFamily="50" charset="-127"/>
+            </a:endParaRPr>
+          </a:p>
+        </p:txBody>
+      </p:sp>
+      <p:sp>
+        <p:nvSpPr>
+          <p:cNvPr id="4" name="TextBox 3">
+            <a:extLst>
+              <a:ext uri="{FF2B5EF4-FFF2-40B4-BE49-F238E27FC236}">
+                <a16:creationId xmlns:a16="http://schemas.microsoft.com/office/drawing/2014/main" id="{79D0F973-FFB4-12C5-6D3C-40AF53E20878}"/>
+              </a:ext>
+            </a:extLst>
+          </p:cNvPr>
+          <p:cNvSpPr txBox="1"/>
+          <p:nvPr/>
+        </p:nvSpPr>
+        <p:spPr>
+          <a:xfrm>
+            <a:off x="8304955" y="1985943"/>
+            <a:ext cx="1363834" cy="340519"/>
+          </a:xfrm>
+          <a:prstGeom prst="roundRect">
+            <a:avLst/>
+          </a:prstGeom>
+          <a:solidFill>
+            <a:srgbClr val="353D50"/>
+          </a:solidFill>
+          <a:ln>
+            <a:noFill/>
+          </a:ln>
+        </p:spPr>
+        <p:txBody>
+          <a:bodyPr wrap="square" rtlCol="0">
+            <a:spAutoFit/>
+          </a:bodyPr>
+          <a:lstStyle/>
+          <a:p>
+            <a:pPr algn="ctr">
+              <a:tabLst>
+                <a:tab pos="2159000" algn="l"/>
+              </a:tabLst>
+            </a:pPr>
+            <a:r>
+              <a:rPr lang="ko-KR" altLang="en-US" sz="1400" b="1" dirty="0" err="1">
+                <a:solidFill>
+                  <a:schemeClr val="bg1"/>
+                </a:solidFill>
+                <a:latin typeface="나눔스퀘어" panose="020B0600000101010101" pitchFamily="50" charset="-127"/>
+                <a:ea typeface="나눔스퀘어" panose="020B0600000101010101" pitchFamily="50" charset="-127"/>
+              </a:rPr>
+              <a:t>하원초</a:t>
+            </a:r>
+            <a:r>
+              <a:rPr lang="ko-KR" altLang="en-US" sz="1400" b="1" dirty="0">
+                <a:solidFill>
+                  <a:schemeClr val="bg1"/>
+                </a:solidFill>
+                <a:latin typeface="나눔스퀘어" panose="020B0600000101010101" pitchFamily="50" charset="-127"/>
+                <a:ea typeface="나눔스퀘어" panose="020B0600000101010101" pitchFamily="50" charset="-127"/>
+              </a:rPr>
+              <a:t> </a:t>
+            </a:r>
+            <a:r>
+              <a:rPr lang="en-US" altLang="ko-KR" sz="1400" b="1" dirty="0">
+                <a:solidFill>
+                  <a:schemeClr val="bg1"/>
+                </a:solidFill>
+                <a:latin typeface="나눔스퀘어" panose="020B0600000101010101" pitchFamily="50" charset="-127"/>
+                <a:ea typeface="나눔스퀘어" panose="020B0600000101010101" pitchFamily="50" charset="-127"/>
+              </a:rPr>
+              <a:t>6-4</a:t>
+            </a:r>
+            <a:endParaRPr lang="ko-KR" altLang="en-US" sz="1400" b="1" dirty="0">
+              <a:solidFill>
+                <a:schemeClr val="bg1"/>
+              </a:solidFill>
+              <a:latin typeface="나눔스퀘어" panose="020B0600000101010101" pitchFamily="50" charset="-127"/>
+              <a:ea typeface="나눔스퀘어" panose="020B0600000101010101" pitchFamily="50" charset="-127"/>
+            </a:endParaRPr>
+          </a:p>
+        </p:txBody>
+      </p:sp>
     </p:spTree>
     <p:extLst>
       <p:ext uri="{BB962C8B-B14F-4D97-AF65-F5344CB8AC3E}">
@@ -4641,7 +8652,7 @@
 </p:sld>
 </file>
 
-<file path=ppt/slides/slide3.xml><?xml version="1.0" encoding="utf-8"?>
+<file path=ppt/slides/slide4.xml><?xml version="1.0" encoding="utf-8"?>
 <p:sld xmlns:a="http://schemas.openxmlformats.org/drawingml/2006/main" xmlns:r="http://schemas.openxmlformats.org/officeDocument/2006/relationships" xmlns:p="http://schemas.openxmlformats.org/presentationml/2006/main">
   <p:cSld>
     <p:spTree>
@@ -5541,7 +9552,7 @@
 </p:sld>
 </file>
 
-<file path=ppt/slides/slide4.xml><?xml version="1.0" encoding="utf-8"?>
+<file path=ppt/slides/slide5.xml><?xml version="1.0" encoding="utf-8"?>
 <p:sld xmlns:a="http://schemas.openxmlformats.org/drawingml/2006/main" xmlns:r="http://schemas.openxmlformats.org/officeDocument/2006/relationships" xmlns:p="http://schemas.openxmlformats.org/presentationml/2006/main">
   <p:cSld>
     <p:spTree>
@@ -5564,6 +9575,36 @@
           <a:chExt cx="0" cy="0"/>
         </a:xfrm>
       </p:grpSpPr>
+      <p:pic>
+        <p:nvPicPr>
+          <p:cNvPr id="5" name="그림 4">
+            <a:extLst>
+              <a:ext uri="{FF2B5EF4-FFF2-40B4-BE49-F238E27FC236}">
+                <a16:creationId xmlns:a16="http://schemas.microsoft.com/office/drawing/2014/main" id="{11B1744D-DF93-8D05-C49F-FFAD7B8D94A8}"/>
+              </a:ext>
+            </a:extLst>
+          </p:cNvPr>
+          <p:cNvPicPr>
+            <a:picLocks noChangeAspect="1"/>
+          </p:cNvPicPr>
+          <p:nvPr/>
+        </p:nvPicPr>
+        <p:blipFill>
+          <a:blip r:embed="rId2"/>
+          <a:stretch>
+            <a:fillRect/>
+          </a:stretch>
+        </p:blipFill>
+        <p:spPr>
+          <a:xfrm>
+            <a:off x="869084" y="1867098"/>
+            <a:ext cx="7438159" cy="4763663"/>
+          </a:xfrm>
+          <a:prstGeom prst="rect">
+            <a:avLst/>
+          </a:prstGeom>
+        </p:spPr>
+      </p:pic>
       <p:sp>
         <p:nvSpPr>
           <p:cNvPr id="2" name="직사각형 1">
@@ -5736,25 +9777,25 @@
               </a:lnSpc>
             </a:pPr>
             <a:r>
+              <a:rPr lang="ko-KR" altLang="en-US" sz="1500" dirty="0">
+                <a:latin typeface="나눔스퀘어" panose="020B0600000101010101" pitchFamily="50" charset="-127"/>
+                <a:ea typeface="나눔스퀘어" panose="020B0600000101010101" pitchFamily="50" charset="-127"/>
+              </a:rPr>
+              <a:t> </a:t>
+            </a:r>
+            <a:r>
+              <a:rPr lang="en-US" altLang="ko-KR" sz="1500" dirty="0" err="1">
+                <a:latin typeface="나눔스퀘어" panose="020B0600000101010101" pitchFamily="50" charset="-127"/>
+                <a:ea typeface="나눔스퀘어" panose="020B0600000101010101" pitchFamily="50" charset="-127"/>
+              </a:rPr>
+              <a:t>i</a:t>
+            </a:r>
+            <a:r>
               <a:rPr lang="en-US" altLang="ko-KR" sz="1500" dirty="0">
                 <a:latin typeface="나눔스퀘어" panose="020B0600000101010101" pitchFamily="50" charset="-127"/>
                 <a:ea typeface="나눔스퀘어" panose="020B0600000101010101" pitchFamily="50" charset="-127"/>
               </a:rPr>
-              <a:t>1 </a:t>
-            </a:r>
-            <a:r>
-              <a:rPr lang="ko-KR" altLang="en-US" sz="1500" dirty="0">
-                <a:latin typeface="나눔스퀘어" panose="020B0600000101010101" pitchFamily="50" charset="-127"/>
-                <a:ea typeface="나눔스퀘어" panose="020B0600000101010101" pitchFamily="50" charset="-127"/>
-              </a:rPr>
-              <a:t>단계 </a:t>
-            </a:r>
-            <a:r>
-              <a:rPr lang="en-US" altLang="ko-KR" sz="1500" dirty="0">
-                <a:latin typeface="나눔스퀘어" panose="020B0600000101010101" pitchFamily="50" charset="-127"/>
-                <a:ea typeface="나눔스퀘어" panose="020B0600000101010101" pitchFamily="50" charset="-127"/>
-              </a:rPr>
-              <a:t>: </a:t>
+              <a:t>) </a:t>
             </a:r>
             <a:r>
               <a:rPr lang="ko-KR" altLang="en-US" sz="1500" dirty="0">
@@ -5777,36 +9818,304 @@
           </a:p>
         </p:txBody>
       </p:sp>
-      <p:pic>
-        <p:nvPicPr>
-          <p:cNvPr id="18" name="그림 17">
-            <a:extLst>
-              <a:ext uri="{FF2B5EF4-FFF2-40B4-BE49-F238E27FC236}">
-                <a16:creationId xmlns:a16="http://schemas.microsoft.com/office/drawing/2014/main" id="{5BB06D49-5299-0DF2-83F5-26D7244E19D3}"/>
-              </a:ext>
-            </a:extLst>
-          </p:cNvPr>
-          <p:cNvPicPr>
-            <a:picLocks noChangeAspect="1"/>
-          </p:cNvPicPr>
+      <p:sp>
+        <p:nvSpPr>
+          <p:cNvPr id="9" name="사각형: 둥근 모서리 8">
+            <a:extLst>
+              <a:ext uri="{FF2B5EF4-FFF2-40B4-BE49-F238E27FC236}">
+                <a16:creationId xmlns:a16="http://schemas.microsoft.com/office/drawing/2014/main" id="{1E6D2D2E-9E1A-AFCF-8131-0DFFF57A88FA}"/>
+              </a:ext>
+            </a:extLst>
+          </p:cNvPr>
+          <p:cNvSpPr/>
           <p:nvPr/>
-        </p:nvPicPr>
-        <p:blipFill>
-          <a:blip r:embed="rId2"/>
-          <a:stretch>
-            <a:fillRect/>
-          </a:stretch>
-        </p:blipFill>
-        <p:spPr>
-          <a:xfrm>
-            <a:off x="2758281" y="2148336"/>
-            <a:ext cx="6710363" cy="4060256"/>
+        </p:nvSpPr>
+        <p:spPr>
+          <a:xfrm>
+            <a:off x="5124303" y="5667450"/>
+            <a:ext cx="247650" cy="784501"/>
+          </a:xfrm>
+          <a:prstGeom prst="roundRect">
+            <a:avLst/>
+          </a:prstGeom>
+          <a:solidFill>
+            <a:schemeClr val="tx2">
+              <a:lumMod val="75000"/>
+              <a:lumOff val="25000"/>
+              <a:alpha val="48000"/>
+            </a:schemeClr>
+          </a:solidFill>
+          <a:ln>
+            <a:solidFill>
+              <a:schemeClr val="tx1">
+                <a:lumMod val="75000"/>
+                <a:lumOff val="25000"/>
+              </a:schemeClr>
+            </a:solidFill>
+          </a:ln>
+        </p:spPr>
+        <p:style>
+          <a:lnRef idx="2">
+            <a:schemeClr val="accent1">
+              <a:shade val="15000"/>
+            </a:schemeClr>
+          </a:lnRef>
+          <a:fillRef idx="1">
+            <a:schemeClr val="accent1"/>
+          </a:fillRef>
+          <a:effectRef idx="0">
+            <a:schemeClr val="accent1"/>
+          </a:effectRef>
+          <a:fontRef idx="minor">
+            <a:schemeClr val="lt1"/>
+          </a:fontRef>
+        </p:style>
+        <p:txBody>
+          <a:bodyPr rtlCol="0" anchor="ctr"/>
+          <a:lstStyle/>
+          <a:p>
+            <a:pPr algn="ctr"/>
+            <a:endParaRPr lang="ko-KR" altLang="en-US"/>
+          </a:p>
+        </p:txBody>
+      </p:sp>
+      <p:sp>
+        <p:nvSpPr>
+          <p:cNvPr id="10" name="사각형: 둥근 모서리 9">
+            <a:extLst>
+              <a:ext uri="{FF2B5EF4-FFF2-40B4-BE49-F238E27FC236}">
+                <a16:creationId xmlns:a16="http://schemas.microsoft.com/office/drawing/2014/main" id="{53CDB70F-EF44-90AF-2137-0DA767C91CB6}"/>
+              </a:ext>
+            </a:extLst>
+          </p:cNvPr>
+          <p:cNvSpPr/>
+          <p:nvPr/>
+        </p:nvSpPr>
+        <p:spPr>
+          <a:xfrm>
+            <a:off x="1867476" y="5667450"/>
+            <a:ext cx="247650" cy="784501"/>
+          </a:xfrm>
+          <a:prstGeom prst="roundRect">
+            <a:avLst/>
+          </a:prstGeom>
+          <a:solidFill>
+            <a:srgbClr val="C00000">
+              <a:alpha val="48000"/>
+            </a:srgbClr>
+          </a:solidFill>
+          <a:ln>
+            <a:solidFill>
+              <a:schemeClr val="tx1">
+                <a:lumMod val="75000"/>
+                <a:lumOff val="25000"/>
+              </a:schemeClr>
+            </a:solidFill>
+          </a:ln>
+        </p:spPr>
+        <p:style>
+          <a:lnRef idx="2">
+            <a:schemeClr val="accent1">
+              <a:shade val="15000"/>
+            </a:schemeClr>
+          </a:lnRef>
+          <a:fillRef idx="1">
+            <a:schemeClr val="accent1"/>
+          </a:fillRef>
+          <a:effectRef idx="0">
+            <a:schemeClr val="accent1"/>
+          </a:effectRef>
+          <a:fontRef idx="minor">
+            <a:schemeClr val="lt1"/>
+          </a:fontRef>
+        </p:style>
+        <p:txBody>
+          <a:bodyPr rtlCol="0" anchor="ctr"/>
+          <a:lstStyle/>
+          <a:p>
+            <a:pPr algn="ctr"/>
+            <a:endParaRPr lang="ko-KR" altLang="en-US"/>
+          </a:p>
+        </p:txBody>
+      </p:sp>
+      <p:sp>
+        <p:nvSpPr>
+          <p:cNvPr id="11" name="TextBox 10">
+            <a:extLst>
+              <a:ext uri="{FF2B5EF4-FFF2-40B4-BE49-F238E27FC236}">
+                <a16:creationId xmlns:a16="http://schemas.microsoft.com/office/drawing/2014/main" id="{72DABC3C-6E33-0DD0-1238-B4F94740CDCF}"/>
+              </a:ext>
+            </a:extLst>
+          </p:cNvPr>
+          <p:cNvSpPr txBox="1"/>
+          <p:nvPr/>
+        </p:nvSpPr>
+        <p:spPr>
+          <a:xfrm>
+            <a:off x="8432801" y="3164604"/>
+            <a:ext cx="3532546" cy="2169825"/>
           </a:xfrm>
           <a:prstGeom prst="rect">
             <a:avLst/>
           </a:prstGeom>
-        </p:spPr>
-      </p:pic>
+          <a:noFill/>
+        </p:spPr>
+        <p:txBody>
+          <a:bodyPr wrap="square">
+            <a:spAutoFit/>
+          </a:bodyPr>
+          <a:lstStyle/>
+          <a:p>
+            <a:r>
+              <a:rPr lang="ko-KR" altLang="en-US" sz="1500" dirty="0">
+                <a:latin typeface="나눔스퀘어" panose="020B0600000101010101" pitchFamily="50" charset="-127"/>
+                <a:ea typeface="나눔스퀘어" panose="020B0600000101010101" pitchFamily="50" charset="-127"/>
+              </a:rPr>
+              <a:t>일반적인 표준편차로는</a:t>
+            </a:r>
+            <a:endParaRPr lang="en-US" altLang="ko-KR" sz="1500" dirty="0">
+              <a:latin typeface="나눔스퀘어" panose="020B0600000101010101" pitchFamily="50" charset="-127"/>
+              <a:ea typeface="나눔스퀘어" panose="020B0600000101010101" pitchFamily="50" charset="-127"/>
+            </a:endParaRPr>
+          </a:p>
+          <a:p>
+            <a:r>
+              <a:rPr lang="ko-KR" altLang="en-US" sz="1500" u="sng" dirty="0" err="1">
+                <a:latin typeface="나눔스퀘어" panose="020B0600000101010101" pitchFamily="50" charset="-127"/>
+                <a:ea typeface="나눔스퀘어" panose="020B0600000101010101" pitchFamily="50" charset="-127"/>
+              </a:rPr>
+              <a:t>송수초</a:t>
+            </a:r>
+            <a:r>
+              <a:rPr lang="ko-KR" altLang="en-US" sz="1500" u="sng" dirty="0">
+                <a:latin typeface="나눔스퀘어" panose="020B0600000101010101" pitchFamily="50" charset="-127"/>
+                <a:ea typeface="나눔스퀘어" panose="020B0600000101010101" pitchFamily="50" charset="-127"/>
+              </a:rPr>
+              <a:t> </a:t>
+            </a:r>
+            <a:r>
+              <a:rPr lang="en-US" altLang="ko-KR" sz="1500" u="sng" dirty="0">
+                <a:latin typeface="나눔스퀘어" panose="020B0600000101010101" pitchFamily="50" charset="-127"/>
+                <a:ea typeface="나눔스퀘어" panose="020B0600000101010101" pitchFamily="50" charset="-127"/>
+              </a:rPr>
+              <a:t>4-3, </a:t>
+            </a:r>
+            <a:r>
+              <a:rPr lang="ko-KR" altLang="en-US" sz="1500" u="sng" dirty="0" err="1">
+                <a:latin typeface="나눔스퀘어" panose="020B0600000101010101" pitchFamily="50" charset="-127"/>
+                <a:ea typeface="나눔스퀘어" panose="020B0600000101010101" pitchFamily="50" charset="-127"/>
+              </a:rPr>
+              <a:t>하원초</a:t>
+            </a:r>
+            <a:r>
+              <a:rPr lang="ko-KR" altLang="en-US" sz="1500" u="sng" dirty="0">
+                <a:latin typeface="나눔스퀘어" panose="020B0600000101010101" pitchFamily="50" charset="-127"/>
+                <a:ea typeface="나눔스퀘어" panose="020B0600000101010101" pitchFamily="50" charset="-127"/>
+              </a:rPr>
+              <a:t> </a:t>
+            </a:r>
+            <a:r>
+              <a:rPr lang="en-US" altLang="ko-KR" sz="1500" u="sng" dirty="0">
+                <a:latin typeface="나눔스퀘어" panose="020B0600000101010101" pitchFamily="50" charset="-127"/>
+                <a:ea typeface="나눔스퀘어" panose="020B0600000101010101" pitchFamily="50" charset="-127"/>
+              </a:rPr>
+              <a:t>4-3</a:t>
+            </a:r>
+            <a:r>
+              <a:rPr lang="ko-KR" altLang="en-US" sz="1500" dirty="0">
+                <a:latin typeface="나눔스퀘어" panose="020B0600000101010101" pitchFamily="50" charset="-127"/>
+                <a:ea typeface="나눔스퀘어" panose="020B0600000101010101" pitchFamily="50" charset="-127"/>
+              </a:rPr>
+              <a:t>이 높고 낮았으며</a:t>
+            </a:r>
+            <a:r>
+              <a:rPr lang="en-US" altLang="ko-KR" sz="1500" dirty="0">
+                <a:latin typeface="나눔스퀘어" panose="020B0600000101010101" pitchFamily="50" charset="-127"/>
+                <a:ea typeface="나눔스퀘어" panose="020B0600000101010101" pitchFamily="50" charset="-127"/>
+              </a:rPr>
+              <a:t>,</a:t>
+            </a:r>
+          </a:p>
+          <a:p>
+            <a:endParaRPr lang="en-US" altLang="ko-KR" sz="1500" dirty="0">
+              <a:latin typeface="나눔스퀘어" panose="020B0600000101010101" pitchFamily="50" charset="-127"/>
+              <a:ea typeface="나눔스퀘어" panose="020B0600000101010101" pitchFamily="50" charset="-127"/>
+            </a:endParaRPr>
+          </a:p>
+          <a:p>
+            <a:r>
+              <a:rPr lang="ko-KR" altLang="en-US" sz="1500" dirty="0">
+                <a:latin typeface="나눔스퀘어" panose="020B0600000101010101" pitchFamily="50" charset="-127"/>
+                <a:ea typeface="나눔스퀘어" panose="020B0600000101010101" pitchFamily="50" charset="-127"/>
+              </a:rPr>
+              <a:t>지위위계와 차이나는 이유는</a:t>
+            </a:r>
+            <a:endParaRPr lang="en-US" altLang="ko-KR" sz="1500" dirty="0">
+              <a:latin typeface="나눔스퀘어" panose="020B0600000101010101" pitchFamily="50" charset="-127"/>
+              <a:ea typeface="나눔스퀘어" panose="020B0600000101010101" pitchFamily="50" charset="-127"/>
+            </a:endParaRPr>
+          </a:p>
+          <a:p>
+            <a:r>
+              <a:rPr lang="ko-KR" altLang="en-US" sz="1500" dirty="0">
+                <a:latin typeface="나눔스퀘어" panose="020B0600000101010101" pitchFamily="50" charset="-127"/>
+                <a:ea typeface="나눔스퀘어" panose="020B0600000101010101" pitchFamily="50" charset="-127"/>
+              </a:rPr>
+              <a:t>학급의 지명활성도와 학생수에 영향을 받는 것으로 판단되어</a:t>
+            </a:r>
+            <a:endParaRPr lang="en-US" altLang="ko-KR" sz="1500" dirty="0">
+              <a:latin typeface="나눔스퀘어" panose="020B0600000101010101" pitchFamily="50" charset="-127"/>
+              <a:ea typeface="나눔스퀘어" panose="020B0600000101010101" pitchFamily="50" charset="-127"/>
+            </a:endParaRPr>
+          </a:p>
+          <a:p>
+            <a:endParaRPr lang="en-US" altLang="ko-KR" sz="1500" dirty="0">
+              <a:latin typeface="나눔스퀘어" panose="020B0600000101010101" pitchFamily="50" charset="-127"/>
+              <a:ea typeface="나눔스퀘어" panose="020B0600000101010101" pitchFamily="50" charset="-127"/>
+            </a:endParaRPr>
+          </a:p>
+          <a:p>
+            <a:r>
+              <a:rPr lang="ko-KR" altLang="en-US" sz="1500" dirty="0">
+                <a:latin typeface="나눔스퀘어" panose="020B0600000101010101" pitchFamily="50" charset="-127"/>
+                <a:ea typeface="나눔스퀘어" panose="020B0600000101010101" pitchFamily="50" charset="-127"/>
+              </a:rPr>
+              <a:t>지명활성도와 학생 수 변화에도 안정적인</a:t>
+            </a:r>
+            <a:endParaRPr lang="en-US" altLang="ko-KR" sz="1500" dirty="0">
+              <a:latin typeface="나눔스퀘어" panose="020B0600000101010101" pitchFamily="50" charset="-127"/>
+              <a:ea typeface="나눔스퀘어" panose="020B0600000101010101" pitchFamily="50" charset="-127"/>
+            </a:endParaRPr>
+          </a:p>
+          <a:p>
+            <a:r>
+              <a:rPr lang="ko-KR" altLang="en-US" sz="1500" dirty="0">
+                <a:latin typeface="나눔스퀘어" panose="020B0600000101010101" pitchFamily="50" charset="-127"/>
+                <a:ea typeface="나눔스퀘어" panose="020B0600000101010101" pitchFamily="50" charset="-127"/>
+              </a:rPr>
+              <a:t>지위위계 로직을 다음과 같이 </a:t>
+            </a:r>
+            <a:r>
+              <a:rPr lang="ko-KR" altLang="en-US" sz="1500" dirty="0" err="1">
+                <a:latin typeface="나눔스퀘어" panose="020B0600000101010101" pitchFamily="50" charset="-127"/>
+                <a:ea typeface="나눔스퀘어" panose="020B0600000101010101" pitchFamily="50" charset="-127"/>
+              </a:rPr>
+              <a:t>제안드립니다</a:t>
+            </a:r>
+            <a:r>
+              <a:rPr lang="en-US" altLang="ko-KR" sz="1500" dirty="0">
+                <a:latin typeface="나눔스퀘어" panose="020B0600000101010101" pitchFamily="50" charset="-127"/>
+                <a:ea typeface="나눔스퀘어" panose="020B0600000101010101" pitchFamily="50" charset="-127"/>
+              </a:rPr>
+              <a:t>.</a:t>
+            </a:r>
+            <a:endParaRPr lang="en-US" altLang="ko-KR" sz="1600" dirty="0">
+              <a:latin typeface="나눔스퀘어" panose="020B0600000101010101" pitchFamily="50" charset="-127"/>
+              <a:ea typeface="나눔스퀘어" panose="020B0600000101010101" pitchFamily="50" charset="-127"/>
+            </a:endParaRPr>
+          </a:p>
+        </p:txBody>
+      </p:sp>
     </p:spTree>
     <p:extLst>
       <p:ext uri="{BB962C8B-B14F-4D97-AF65-F5344CB8AC3E}">
@@ -5820,7 +10129,7 @@
 </p:sld>
 </file>
 
-<file path=ppt/slides/slide5.xml><?xml version="1.0" encoding="utf-8"?>
+<file path=ppt/slides/slide6.xml><?xml version="1.0" encoding="utf-8"?>
 <p:sld xmlns:a="http://schemas.openxmlformats.org/drawingml/2006/main" xmlns:r="http://schemas.openxmlformats.org/officeDocument/2006/relationships" xmlns:p="http://schemas.openxmlformats.org/presentationml/2006/main">
   <p:cSld>
     <p:spTree>
@@ -5845,6 +10154,54 @@
       </p:grpSpPr>
       <p:sp>
         <p:nvSpPr>
+          <p:cNvPr id="9" name="TextBox 8">
+            <a:extLst>
+              <a:ext uri="{FF2B5EF4-FFF2-40B4-BE49-F238E27FC236}">
+                <a16:creationId xmlns:a16="http://schemas.microsoft.com/office/drawing/2014/main" id="{677E0BFD-A9DA-E270-E72F-0A02B3DE2112}"/>
+              </a:ext>
+            </a:extLst>
+          </p:cNvPr>
+          <p:cNvSpPr txBox="1"/>
+          <p:nvPr/>
+        </p:nvSpPr>
+        <p:spPr>
+          <a:xfrm>
+            <a:off x="549008" y="1779709"/>
+            <a:ext cx="3376448" cy="340519"/>
+          </a:xfrm>
+          <a:prstGeom prst="roundRect">
+            <a:avLst/>
+          </a:prstGeom>
+          <a:solidFill>
+            <a:srgbClr val="353D50"/>
+          </a:solidFill>
+          <a:ln>
+            <a:noFill/>
+          </a:ln>
+        </p:spPr>
+        <p:txBody>
+          <a:bodyPr wrap="square" rtlCol="0">
+            <a:spAutoFit/>
+          </a:bodyPr>
+          <a:lstStyle/>
+          <a:p>
+            <a:pPr>
+              <a:tabLst>
+                <a:tab pos="2159000" algn="l"/>
+              </a:tabLst>
+            </a:pPr>
+            <a:endParaRPr lang="ko-KR" altLang="en-US" sz="1400" b="1" dirty="0">
+              <a:solidFill>
+                <a:schemeClr val="bg1"/>
+              </a:solidFill>
+              <a:latin typeface="나눔스퀘어" panose="020B0600000101010101" pitchFamily="50" charset="-127"/>
+              <a:ea typeface="나눔스퀘어" panose="020B0600000101010101" pitchFamily="50" charset="-127"/>
+            </a:endParaRPr>
+          </a:p>
+        </p:txBody>
+      </p:sp>
+      <p:sp>
+        <p:nvSpPr>
           <p:cNvPr id="2" name="직사각형 1">
             <a:extLst>
               <a:ext uri="{FF2B5EF4-FFF2-40B4-BE49-F238E27FC236}">
@@ -6015,39 +10372,60 @@
               </a:lnSpc>
             </a:pPr>
             <a:r>
+              <a:rPr lang="ko-KR" altLang="en-US" sz="1500" dirty="0">
+                <a:latin typeface="나눔스퀘어" panose="020B0600000101010101" pitchFamily="50" charset="-127"/>
+                <a:ea typeface="나눔스퀘어" panose="020B0600000101010101" pitchFamily="50" charset="-127"/>
+              </a:rPr>
+              <a:t> </a:t>
+            </a:r>
+            <a:r>
               <a:rPr lang="en-US" altLang="ko-KR" sz="1500" dirty="0">
                 <a:latin typeface="나눔스퀘어" panose="020B0600000101010101" pitchFamily="50" charset="-127"/>
                 <a:ea typeface="나눔스퀘어" panose="020B0600000101010101" pitchFamily="50" charset="-127"/>
               </a:rPr>
-              <a:t>1 </a:t>
+              <a:t>ii) </a:t>
             </a:r>
             <a:r>
               <a:rPr lang="ko-KR" altLang="en-US" sz="1500" dirty="0">
                 <a:latin typeface="나눔스퀘어" panose="020B0600000101010101" pitchFamily="50" charset="-127"/>
                 <a:ea typeface="나눔스퀘어" panose="020B0600000101010101" pitchFamily="50" charset="-127"/>
               </a:rPr>
-              <a:t>단계 </a:t>
+              <a:t>학급의 학생 수</a:t>
             </a:r>
             <a:r>
               <a:rPr lang="en-US" altLang="ko-KR" sz="1500" dirty="0">
                 <a:latin typeface="나눔스퀘어" panose="020B0600000101010101" pitchFamily="50" charset="-127"/>
                 <a:ea typeface="나눔스퀘어" panose="020B0600000101010101" pitchFamily="50" charset="-127"/>
               </a:rPr>
-              <a:t>: </a:t>
+              <a:t>, </a:t>
             </a:r>
             <a:r>
               <a:rPr lang="ko-KR" altLang="en-US" sz="1500" dirty="0">
                 <a:latin typeface="나눔스퀘어" panose="020B0600000101010101" pitchFamily="50" charset="-127"/>
                 <a:ea typeface="나눔스퀘어" panose="020B0600000101010101" pitchFamily="50" charset="-127"/>
               </a:rPr>
-              <a:t>우선 학급별 단순한 학생 간 지명 횟수의 표준편차를 산출하였습니다</a:t>
+              <a:t>학급의 지명활성도와 독립적인 지위위계 로직 </a:t>
             </a:r>
             <a:r>
               <a:rPr lang="en-US" altLang="ko-KR" sz="1500" dirty="0">
                 <a:latin typeface="나눔스퀘어" panose="020B0600000101010101" pitchFamily="50" charset="-127"/>
                 <a:ea typeface="나눔스퀘어" panose="020B0600000101010101" pitchFamily="50" charset="-127"/>
               </a:rPr>
-              <a:t>.</a:t>
+              <a:t>(</a:t>
+            </a:r>
+            <a:r>
+              <a:rPr lang="ko-KR" altLang="en-US" sz="1500" dirty="0">
+                <a:latin typeface="나눔스퀘어" panose="020B0600000101010101" pitchFamily="50" charset="-127"/>
+                <a:ea typeface="나눔스퀘어" panose="020B0600000101010101" pitchFamily="50" charset="-127"/>
+              </a:rPr>
+              <a:t>변동계수</a:t>
+            </a:r>
+            <a:r>
+              <a:rPr lang="en-US" altLang="ko-KR" sz="1500" dirty="0">
+                <a:latin typeface="나눔스퀘어" panose="020B0600000101010101" pitchFamily="50" charset="-127"/>
+                <a:ea typeface="나눔스퀘어" panose="020B0600000101010101" pitchFamily="50" charset="-127"/>
+              </a:rPr>
+              <a:t>)</a:t>
             </a:r>
             <a:endParaRPr lang="ko-KR" altLang="en-US" sz="1500" dirty="0">
               <a:latin typeface="나눔스퀘어" panose="020B0600000101010101" pitchFamily="50" charset="-127"/>
@@ -6056,10 +10434,1574 @@
           </a:p>
         </p:txBody>
       </p:sp>
+      <p:sp>
+        <p:nvSpPr>
+          <p:cNvPr id="4" name="TextBox 3">
+            <a:extLst>
+              <a:ext uri="{FF2B5EF4-FFF2-40B4-BE49-F238E27FC236}">
+                <a16:creationId xmlns:a16="http://schemas.microsoft.com/office/drawing/2014/main" id="{DD68E27A-85C1-917E-AD37-FEDB5F3265B8}"/>
+              </a:ext>
+            </a:extLst>
+          </p:cNvPr>
+          <p:cNvSpPr txBox="1"/>
+          <p:nvPr/>
+        </p:nvSpPr>
+        <p:spPr>
+          <a:xfrm>
+            <a:off x="500177" y="1788386"/>
+            <a:ext cx="3874287" cy="323165"/>
+          </a:xfrm>
+          <a:prstGeom prst="rect">
+            <a:avLst/>
+          </a:prstGeom>
+          <a:noFill/>
+        </p:spPr>
+        <p:txBody>
+          <a:bodyPr wrap="square">
+            <a:spAutoFit/>
+          </a:bodyPr>
+          <a:lstStyle/>
+          <a:p>
+            <a:r>
+              <a:rPr lang="ko-KR" altLang="en-US" sz="1500" dirty="0">
+                <a:solidFill>
+                  <a:schemeClr val="bg1"/>
+                </a:solidFill>
+                <a:latin typeface="나눔스퀘어" panose="020B0600000101010101" pitchFamily="50" charset="-127"/>
+                <a:ea typeface="나눔스퀘어" panose="020B0600000101010101" pitchFamily="50" charset="-127"/>
+              </a:rPr>
+              <a:t>변동계수</a:t>
+            </a:r>
+            <a:r>
+              <a:rPr lang="en-US" altLang="ko-KR" sz="1500" dirty="0">
+                <a:solidFill>
+                  <a:schemeClr val="bg1"/>
+                </a:solidFill>
+                <a:latin typeface="나눔스퀘어" panose="020B0600000101010101" pitchFamily="50" charset="-127"/>
+                <a:ea typeface="나눔스퀘어" panose="020B0600000101010101" pitchFamily="50" charset="-127"/>
+              </a:rPr>
+              <a:t>(CV)</a:t>
+            </a:r>
+            <a:r>
+              <a:rPr lang="ko-KR" altLang="en-US" sz="1500" dirty="0">
+                <a:solidFill>
+                  <a:schemeClr val="bg1"/>
+                </a:solidFill>
+                <a:latin typeface="나눔스퀘어" panose="020B0600000101010101" pitchFamily="50" charset="-127"/>
+                <a:ea typeface="나눔스퀘어" panose="020B0600000101010101" pitchFamily="50" charset="-127"/>
+              </a:rPr>
+              <a:t> </a:t>
+            </a:r>
+            <a:r>
+              <a:rPr lang="en-US" altLang="ko-KR" sz="1500" dirty="0">
+                <a:solidFill>
+                  <a:schemeClr val="bg1"/>
+                </a:solidFill>
+                <a:latin typeface="나눔스퀘어" panose="020B0600000101010101" pitchFamily="50" charset="-127"/>
+                <a:ea typeface="나눔스퀘어" panose="020B0600000101010101" pitchFamily="50" charset="-127"/>
+              </a:rPr>
+              <a:t>= </a:t>
+            </a:r>
+            <a:r>
+              <a:rPr lang="ko-KR" altLang="en-US" sz="1500" dirty="0">
+                <a:solidFill>
+                  <a:schemeClr val="bg1"/>
+                </a:solidFill>
+                <a:latin typeface="나눔스퀘어" panose="020B0600000101010101" pitchFamily="50" charset="-127"/>
+                <a:ea typeface="나눔스퀘어" panose="020B0600000101010101" pitchFamily="50" charset="-127"/>
+              </a:rPr>
+              <a:t>지명 표준편차 </a:t>
+            </a:r>
+            <a:r>
+              <a:rPr lang="en-US" altLang="ko-KR" sz="1500" dirty="0">
+                <a:solidFill>
+                  <a:schemeClr val="bg1"/>
+                </a:solidFill>
+                <a:latin typeface="나눔스퀘어" panose="020B0600000101010101" pitchFamily="50" charset="-127"/>
+                <a:ea typeface="나눔스퀘어" panose="020B0600000101010101" pitchFamily="50" charset="-127"/>
+              </a:rPr>
+              <a:t>/ </a:t>
+            </a:r>
+            <a:r>
+              <a:rPr lang="ko-KR" altLang="en-US" sz="1500" dirty="0">
+                <a:solidFill>
+                  <a:schemeClr val="bg1"/>
+                </a:solidFill>
+                <a:latin typeface="나눔스퀘어" panose="020B0600000101010101" pitchFamily="50" charset="-127"/>
+                <a:ea typeface="나눔스퀘어" panose="020B0600000101010101" pitchFamily="50" charset="-127"/>
+              </a:rPr>
+              <a:t>지명 평균</a:t>
+            </a:r>
+            <a:endParaRPr lang="en-US" altLang="ko-KR" sz="1500" dirty="0">
+              <a:solidFill>
+                <a:schemeClr val="bg1"/>
+              </a:solidFill>
+              <a:latin typeface="나눔스퀘어" panose="020B0600000101010101" pitchFamily="50" charset="-127"/>
+              <a:ea typeface="나눔스퀘어" panose="020B0600000101010101" pitchFamily="50" charset="-127"/>
+            </a:endParaRPr>
+          </a:p>
+        </p:txBody>
+      </p:sp>
+      <p:sp>
+        <p:nvSpPr>
+          <p:cNvPr id="5" name="TextBox 4">
+            <a:extLst>
+              <a:ext uri="{FF2B5EF4-FFF2-40B4-BE49-F238E27FC236}">
+                <a16:creationId xmlns:a16="http://schemas.microsoft.com/office/drawing/2014/main" id="{D99F82A3-6A5A-E909-70FB-7F8802C5D754}"/>
+              </a:ext>
+            </a:extLst>
+          </p:cNvPr>
+          <p:cNvSpPr txBox="1"/>
+          <p:nvPr/>
+        </p:nvSpPr>
+        <p:spPr>
+          <a:xfrm>
+            <a:off x="500176" y="2294108"/>
+            <a:ext cx="8902442" cy="553998"/>
+          </a:xfrm>
+          <a:prstGeom prst="rect">
+            <a:avLst/>
+          </a:prstGeom>
+          <a:noFill/>
+        </p:spPr>
+        <p:txBody>
+          <a:bodyPr wrap="square">
+            <a:spAutoFit/>
+          </a:bodyPr>
+          <a:lstStyle/>
+          <a:p>
+            <a:r>
+              <a:rPr lang="ko-KR" altLang="en-US" sz="1500" dirty="0">
+                <a:latin typeface="나눔스퀘어" panose="020B0600000101010101" pitchFamily="50" charset="-127"/>
+                <a:ea typeface="나눔스퀘어" panose="020B0600000101010101" pitchFamily="50" charset="-127"/>
+              </a:rPr>
+              <a:t>비율점수가 아닌 절대적 명수를 기반으로 계산하여 학급의 학생 수에 따라 최대범위가 줄어드는 문제를 해결하고</a:t>
+            </a:r>
+            <a:r>
+              <a:rPr lang="en-US" altLang="ko-KR" sz="1500" dirty="0">
+                <a:latin typeface="나눔스퀘어" panose="020B0600000101010101" pitchFamily="50" charset="-127"/>
+                <a:ea typeface="나눔스퀘어" panose="020B0600000101010101" pitchFamily="50" charset="-127"/>
+              </a:rPr>
+              <a:t>,</a:t>
+            </a:r>
+          </a:p>
+          <a:p>
+            <a:r>
+              <a:rPr lang="ko-KR" altLang="en-US" sz="1500" dirty="0">
+                <a:latin typeface="나눔스퀘어" panose="020B0600000101010101" pitchFamily="50" charset="-127"/>
+                <a:ea typeface="나눔스퀘어" panose="020B0600000101010101" pitchFamily="50" charset="-127"/>
+              </a:rPr>
+              <a:t>표준편차를 평균으로 나눔으로써 절대 지명 수가 많든 적든 지명 불균형 정도만 산출할 수 있어 채택하였습니다</a:t>
+            </a:r>
+            <a:r>
+              <a:rPr lang="en-US" altLang="ko-KR" sz="1500" dirty="0">
+                <a:latin typeface="나눔스퀘어" panose="020B0600000101010101" pitchFamily="50" charset="-127"/>
+                <a:ea typeface="나눔스퀘어" panose="020B0600000101010101" pitchFamily="50" charset="-127"/>
+              </a:rPr>
+              <a:t>.</a:t>
+            </a:r>
+          </a:p>
+        </p:txBody>
+      </p:sp>
+      <p:pic>
+        <p:nvPicPr>
+          <p:cNvPr id="7" name="그림 6">
+            <a:extLst>
+              <a:ext uri="{FF2B5EF4-FFF2-40B4-BE49-F238E27FC236}">
+                <a16:creationId xmlns:a16="http://schemas.microsoft.com/office/drawing/2014/main" id="{82101534-54B1-D677-F192-211FEAF4D51A}"/>
+              </a:ext>
+            </a:extLst>
+          </p:cNvPr>
+          <p:cNvPicPr>
+            <a:picLocks noChangeAspect="1"/>
+          </p:cNvPicPr>
+          <p:nvPr/>
+        </p:nvPicPr>
+        <p:blipFill>
+          <a:blip r:embed="rId2"/>
+          <a:stretch>
+            <a:fillRect/>
+          </a:stretch>
+        </p:blipFill>
+        <p:spPr>
+          <a:xfrm>
+            <a:off x="3213906" y="2848106"/>
+            <a:ext cx="5302019" cy="3300429"/>
+          </a:xfrm>
+          <a:prstGeom prst="rect">
+            <a:avLst/>
+          </a:prstGeom>
+        </p:spPr>
+      </p:pic>
+      <p:sp>
+        <p:nvSpPr>
+          <p:cNvPr id="10" name="TextBox 9">
+            <a:extLst>
+              <a:ext uri="{FF2B5EF4-FFF2-40B4-BE49-F238E27FC236}">
+                <a16:creationId xmlns:a16="http://schemas.microsoft.com/office/drawing/2014/main" id="{1D3C13F3-20BA-6D04-855D-90FA6C4F09FB}"/>
+              </a:ext>
+            </a:extLst>
+          </p:cNvPr>
+          <p:cNvSpPr txBox="1"/>
+          <p:nvPr/>
+        </p:nvSpPr>
+        <p:spPr>
+          <a:xfrm>
+            <a:off x="1839883" y="6195098"/>
+            <a:ext cx="8772698" cy="377450"/>
+          </a:xfrm>
+          <a:prstGeom prst="roundRect">
+            <a:avLst>
+              <a:gd name="adj" fmla="val 10830"/>
+            </a:avLst>
+          </a:prstGeom>
+          <a:solidFill>
+            <a:srgbClr val="7986A7"/>
+          </a:solidFill>
+          <a:ln>
+            <a:noFill/>
+          </a:ln>
+        </p:spPr>
+        <p:txBody>
+          <a:bodyPr wrap="square" rtlCol="0">
+            <a:noAutofit/>
+          </a:bodyPr>
+          <a:lstStyle/>
+          <a:p>
+            <a:pPr>
+              <a:tabLst>
+                <a:tab pos="2159000" algn="l"/>
+              </a:tabLst>
+            </a:pPr>
+            <a:endParaRPr lang="ko-KR" altLang="en-US" sz="1400" b="1" dirty="0">
+              <a:solidFill>
+                <a:schemeClr val="bg1"/>
+              </a:solidFill>
+              <a:latin typeface="나눔스퀘어" panose="020B0600000101010101" pitchFamily="50" charset="-127"/>
+              <a:ea typeface="나눔스퀘어" panose="020B0600000101010101" pitchFamily="50" charset="-127"/>
+            </a:endParaRPr>
+          </a:p>
+        </p:txBody>
+      </p:sp>
+      <p:sp>
+        <p:nvSpPr>
+          <p:cNvPr id="11" name="TextBox 10">
+            <a:extLst>
+              <a:ext uri="{FF2B5EF4-FFF2-40B4-BE49-F238E27FC236}">
+                <a16:creationId xmlns:a16="http://schemas.microsoft.com/office/drawing/2014/main" id="{F9EAC100-8B9B-1AE1-D222-14F022F52076}"/>
+              </a:ext>
+            </a:extLst>
+          </p:cNvPr>
+          <p:cNvSpPr txBox="1"/>
+          <p:nvPr/>
+        </p:nvSpPr>
+        <p:spPr>
+          <a:xfrm>
+            <a:off x="3183774" y="6233993"/>
+            <a:ext cx="6084917" cy="338554"/>
+          </a:xfrm>
+          <a:prstGeom prst="rect">
+            <a:avLst/>
+          </a:prstGeom>
+          <a:noFill/>
+          <a:ln>
+            <a:noFill/>
+          </a:ln>
+        </p:spPr>
+        <p:txBody>
+          <a:bodyPr wrap="square" rtlCol="0">
+            <a:spAutoFit/>
+          </a:bodyPr>
+          <a:lstStyle/>
+          <a:p>
+            <a:r>
+              <a:rPr lang="en-US" altLang="ko-KR" sz="1600" b="0" i="0" dirty="0">
+                <a:effectLst/>
+                <a:latin typeface="나눔스퀘어" panose="020B0600000101010101" pitchFamily="50" charset="-127"/>
+                <a:ea typeface="나눔스퀘어" panose="020B0600000101010101" pitchFamily="50" charset="-127"/>
+              </a:rPr>
+              <a:t>* </a:t>
+            </a:r>
+            <a:r>
+              <a:rPr lang="ko-KR" altLang="en-US" sz="1600" b="0" i="0" dirty="0">
+                <a:effectLst/>
+                <a:latin typeface="나눔스퀘어" panose="020B0600000101010101" pitchFamily="50" charset="-127"/>
+                <a:ea typeface="나눔스퀘어" panose="020B0600000101010101" pitchFamily="50" charset="-127"/>
+              </a:rPr>
+              <a:t>그러나 계수의 범위 제한이 없어 점수화</a:t>
+            </a:r>
+            <a:r>
+              <a:rPr lang="en-US" altLang="ko-KR" sz="1600" b="0" i="0" dirty="0">
+                <a:effectLst/>
+                <a:latin typeface="나눔스퀘어" panose="020B0600000101010101" pitchFamily="50" charset="-127"/>
+                <a:ea typeface="나눔스퀘어" panose="020B0600000101010101" pitchFamily="50" charset="-127"/>
+              </a:rPr>
+              <a:t>(1-5</a:t>
+            </a:r>
+            <a:r>
+              <a:rPr lang="ko-KR" altLang="en-US" sz="1600" b="0" i="0" dirty="0">
+                <a:effectLst/>
+                <a:latin typeface="나눔스퀘어" panose="020B0600000101010101" pitchFamily="50" charset="-127"/>
+                <a:ea typeface="나눔스퀘어" panose="020B0600000101010101" pitchFamily="50" charset="-127"/>
+              </a:rPr>
+              <a:t>점</a:t>
+            </a:r>
+            <a:r>
+              <a:rPr lang="en-US" altLang="ko-KR" sz="1600" b="0" i="0" dirty="0">
+                <a:effectLst/>
+                <a:latin typeface="나눔스퀘어" panose="020B0600000101010101" pitchFamily="50" charset="-127"/>
+                <a:ea typeface="나눔스퀘어" panose="020B0600000101010101" pitchFamily="50" charset="-127"/>
+              </a:rPr>
+              <a:t>)</a:t>
+            </a:r>
+            <a:r>
+              <a:rPr lang="ko-KR" altLang="en-US" sz="1600" b="0" i="0" dirty="0">
+                <a:effectLst/>
+                <a:latin typeface="나눔스퀘어" panose="020B0600000101010101" pitchFamily="50" charset="-127"/>
+                <a:ea typeface="나눔스퀘어" panose="020B0600000101010101" pitchFamily="50" charset="-127"/>
+              </a:rPr>
+              <a:t>에 어려움이 있습니다</a:t>
+            </a:r>
+            <a:r>
+              <a:rPr lang="en-US" altLang="ko-KR" sz="1600" b="0" i="0" dirty="0">
+                <a:effectLst/>
+                <a:latin typeface="나눔스퀘어" panose="020B0600000101010101" pitchFamily="50" charset="-127"/>
+                <a:ea typeface="나눔스퀘어" panose="020B0600000101010101" pitchFamily="50" charset="-127"/>
+              </a:rPr>
+              <a:t>.</a:t>
+            </a:r>
+          </a:p>
+        </p:txBody>
+      </p:sp>
     </p:spTree>
     <p:extLst>
       <p:ext uri="{BB962C8B-B14F-4D97-AF65-F5344CB8AC3E}">
         <p14:creationId xmlns:p14="http://schemas.microsoft.com/office/powerpoint/2010/main" val="3412756848"/>
+      </p:ext>
+    </p:extLst>
+  </p:cSld>
+  <p:clrMapOvr>
+    <a:masterClrMapping/>
+  </p:clrMapOvr>
+</p:sld>
+</file>
+
+<file path=ppt/slides/slide7.xml><?xml version="1.0" encoding="utf-8"?>
+<p:sld xmlns:a="http://schemas.openxmlformats.org/drawingml/2006/main" xmlns:r="http://schemas.openxmlformats.org/officeDocument/2006/relationships" xmlns:p="http://schemas.openxmlformats.org/presentationml/2006/main">
+  <p:cSld>
+    <p:spTree>
+      <p:nvGrpSpPr>
+        <p:cNvPr id="1" name="">
+          <a:extLst>
+            <a:ext uri="{FF2B5EF4-FFF2-40B4-BE49-F238E27FC236}">
+              <a16:creationId xmlns:a16="http://schemas.microsoft.com/office/drawing/2014/main" id="{2D078E81-55B5-1E77-A64C-8EBF08B63DDB}"/>
+            </a:ext>
+          </a:extLst>
+        </p:cNvPr>
+        <p:cNvGrpSpPr/>
+        <p:nvPr/>
+      </p:nvGrpSpPr>
+      <p:grpSpPr>
+        <a:xfrm>
+          <a:off x="0" y="0"/>
+          <a:ext cx="0" cy="0"/>
+          <a:chOff x="0" y="0"/>
+          <a:chExt cx="0" cy="0"/>
+        </a:xfrm>
+      </p:grpSpPr>
+      <p:sp>
+        <p:nvSpPr>
+          <p:cNvPr id="6" name="TextBox 5">
+            <a:extLst>
+              <a:ext uri="{FF2B5EF4-FFF2-40B4-BE49-F238E27FC236}">
+                <a16:creationId xmlns:a16="http://schemas.microsoft.com/office/drawing/2014/main" id="{342625CD-99D6-2477-1045-4C74E204A997}"/>
+              </a:ext>
+            </a:extLst>
+          </p:cNvPr>
+          <p:cNvSpPr txBox="1"/>
+          <p:nvPr/>
+        </p:nvSpPr>
+        <p:spPr>
+          <a:xfrm>
+            <a:off x="539771" y="1779709"/>
+            <a:ext cx="6350557" cy="340519"/>
+          </a:xfrm>
+          <a:prstGeom prst="roundRect">
+            <a:avLst/>
+          </a:prstGeom>
+          <a:solidFill>
+            <a:srgbClr val="353D50"/>
+          </a:solidFill>
+          <a:ln>
+            <a:noFill/>
+          </a:ln>
+        </p:spPr>
+        <p:txBody>
+          <a:bodyPr wrap="square" rtlCol="0">
+            <a:spAutoFit/>
+          </a:bodyPr>
+          <a:lstStyle/>
+          <a:p>
+            <a:pPr>
+              <a:tabLst>
+                <a:tab pos="2159000" algn="l"/>
+              </a:tabLst>
+            </a:pPr>
+            <a:endParaRPr lang="ko-KR" altLang="en-US" sz="1400" b="1" dirty="0">
+              <a:solidFill>
+                <a:schemeClr val="bg1"/>
+              </a:solidFill>
+              <a:latin typeface="나눔스퀘어" panose="020B0600000101010101" pitchFamily="50" charset="-127"/>
+              <a:ea typeface="나눔스퀘어" panose="020B0600000101010101" pitchFamily="50" charset="-127"/>
+            </a:endParaRPr>
+          </a:p>
+        </p:txBody>
+      </p:sp>
+      <p:sp>
+        <p:nvSpPr>
+          <p:cNvPr id="4" name="TextBox 3">
+            <a:extLst>
+              <a:ext uri="{FF2B5EF4-FFF2-40B4-BE49-F238E27FC236}">
+                <a16:creationId xmlns:a16="http://schemas.microsoft.com/office/drawing/2014/main" id="{2CE1A1EC-8920-396F-D91D-E26F5B7CE189}"/>
+              </a:ext>
+            </a:extLst>
+          </p:cNvPr>
+          <p:cNvSpPr txBox="1"/>
+          <p:nvPr/>
+        </p:nvSpPr>
+        <p:spPr>
+          <a:xfrm>
+            <a:off x="500177" y="1788386"/>
+            <a:ext cx="6593350" cy="323165"/>
+          </a:xfrm>
+          <a:prstGeom prst="rect">
+            <a:avLst/>
+          </a:prstGeom>
+          <a:noFill/>
+        </p:spPr>
+        <p:txBody>
+          <a:bodyPr wrap="square">
+            <a:spAutoFit/>
+          </a:bodyPr>
+          <a:lstStyle/>
+          <a:p>
+            <a:r>
+              <a:rPr lang="ko-KR" altLang="en-US" sz="1500" dirty="0" err="1">
+                <a:solidFill>
+                  <a:schemeClr val="bg1"/>
+                </a:solidFill>
+                <a:latin typeface="나눔스퀘어" panose="020B0600000101010101" pitchFamily="50" charset="-127"/>
+                <a:ea typeface="나눔스퀘어" panose="020B0600000101010101" pitchFamily="50" charset="-127"/>
+              </a:rPr>
+              <a:t>지니계수</a:t>
+            </a:r>
+            <a:r>
+              <a:rPr lang="en-US" altLang="ko-KR" sz="1500" dirty="0">
+                <a:solidFill>
+                  <a:schemeClr val="bg1"/>
+                </a:solidFill>
+                <a:latin typeface="나눔스퀘어" panose="020B0600000101010101" pitchFamily="50" charset="-127"/>
+                <a:ea typeface="나눔스퀘어" panose="020B0600000101010101" pitchFamily="50" charset="-127"/>
+              </a:rPr>
+              <a:t>(Gini)</a:t>
+            </a:r>
+            <a:r>
+              <a:rPr lang="ko-KR" altLang="en-US" sz="1500" dirty="0">
+                <a:solidFill>
+                  <a:schemeClr val="bg1"/>
+                </a:solidFill>
+                <a:latin typeface="나눔스퀘어" panose="020B0600000101010101" pitchFamily="50" charset="-127"/>
+                <a:ea typeface="나눔스퀘어" panose="020B0600000101010101" pitchFamily="50" charset="-127"/>
+              </a:rPr>
+              <a:t> </a:t>
+            </a:r>
+            <a:r>
+              <a:rPr lang="en-US" altLang="ko-KR" sz="1500" dirty="0">
+                <a:solidFill>
+                  <a:schemeClr val="bg1"/>
+                </a:solidFill>
+                <a:latin typeface="나눔스퀘어" panose="020B0600000101010101" pitchFamily="50" charset="-127"/>
+                <a:ea typeface="나눔스퀘어" panose="020B0600000101010101" pitchFamily="50" charset="-127"/>
+              </a:rPr>
+              <a:t>= </a:t>
+            </a:r>
+            <a:r>
+              <a:rPr lang="ko-KR" altLang="en-US" sz="1500" dirty="0">
+                <a:solidFill>
+                  <a:schemeClr val="bg1"/>
+                </a:solidFill>
+                <a:latin typeface="나눔스퀘어" panose="020B0600000101010101" pitchFamily="50" charset="-127"/>
+                <a:ea typeface="나눔스퀘어" panose="020B0600000101010101" pitchFamily="50" charset="-127"/>
+              </a:rPr>
+              <a:t>해당 학급에서 불평등 총합 </a:t>
+            </a:r>
+            <a:r>
+              <a:rPr lang="en-US" altLang="ko-KR" sz="1500" dirty="0">
+                <a:solidFill>
+                  <a:schemeClr val="bg1"/>
+                </a:solidFill>
+                <a:latin typeface="나눔스퀘어" panose="020B0600000101010101" pitchFamily="50" charset="-127"/>
+                <a:ea typeface="나눔스퀘어" panose="020B0600000101010101" pitchFamily="50" charset="-127"/>
+              </a:rPr>
+              <a:t>/ </a:t>
+            </a:r>
+            <a:r>
+              <a:rPr lang="ko-KR" altLang="en-US" sz="1500" dirty="0">
+                <a:solidFill>
+                  <a:schemeClr val="bg1"/>
+                </a:solidFill>
+                <a:latin typeface="나눔스퀘어" panose="020B0600000101010101" pitchFamily="50" charset="-127"/>
+                <a:ea typeface="나눔스퀘어" panose="020B0600000101010101" pitchFamily="50" charset="-127"/>
+              </a:rPr>
+              <a:t>해당 학급에서 최대 지명 </a:t>
+            </a:r>
+            <a:r>
+              <a:rPr lang="ko-KR" altLang="en-US" sz="1500" dirty="0" err="1">
+                <a:solidFill>
+                  <a:schemeClr val="bg1"/>
+                </a:solidFill>
+                <a:latin typeface="나눔스퀘어" panose="020B0600000101010101" pitchFamily="50" charset="-127"/>
+                <a:ea typeface="나눔스퀘어" panose="020B0600000101010101" pitchFamily="50" charset="-127"/>
+              </a:rPr>
+              <a:t>불평등량</a:t>
+            </a:r>
+            <a:endParaRPr lang="en-US" altLang="ko-KR" sz="1500" dirty="0">
+              <a:solidFill>
+                <a:schemeClr val="bg1"/>
+              </a:solidFill>
+              <a:latin typeface="나눔스퀘어" panose="020B0600000101010101" pitchFamily="50" charset="-127"/>
+              <a:ea typeface="나눔스퀘어" panose="020B0600000101010101" pitchFamily="50" charset="-127"/>
+            </a:endParaRPr>
+          </a:p>
+        </p:txBody>
+      </p:sp>
+      <p:sp>
+        <p:nvSpPr>
+          <p:cNvPr id="2" name="직사각형 1">
+            <a:extLst>
+              <a:ext uri="{FF2B5EF4-FFF2-40B4-BE49-F238E27FC236}">
+                <a16:creationId xmlns:a16="http://schemas.microsoft.com/office/drawing/2014/main" id="{E95E0277-4B52-710C-3AA3-39A614F5F230}"/>
+              </a:ext>
+            </a:extLst>
+          </p:cNvPr>
+          <p:cNvSpPr/>
+          <p:nvPr/>
+        </p:nvSpPr>
+        <p:spPr>
+          <a:xfrm>
+            <a:off x="0" y="0"/>
+            <a:ext cx="12192000" cy="537029"/>
+          </a:xfrm>
+          <a:prstGeom prst="rect">
+            <a:avLst/>
+          </a:prstGeom>
+          <a:solidFill>
+            <a:srgbClr val="353D50"/>
+          </a:solidFill>
+          <a:ln>
+            <a:noFill/>
+          </a:ln>
+        </p:spPr>
+        <p:style>
+          <a:lnRef idx="2">
+            <a:schemeClr val="accent1">
+              <a:shade val="50000"/>
+            </a:schemeClr>
+          </a:lnRef>
+          <a:fillRef idx="1">
+            <a:schemeClr val="accent1"/>
+          </a:fillRef>
+          <a:effectRef idx="0">
+            <a:schemeClr val="accent1"/>
+          </a:effectRef>
+          <a:fontRef idx="minor">
+            <a:schemeClr val="lt1"/>
+          </a:fontRef>
+        </p:style>
+        <p:txBody>
+          <a:bodyPr rtlCol="0" anchor="ctr"/>
+          <a:lstStyle/>
+          <a:p>
+            <a:r>
+              <a:rPr lang="ko-KR" altLang="en-US" dirty="0">
+                <a:solidFill>
+                  <a:schemeClr val="bg1">
+                    <a:lumMod val="95000"/>
+                  </a:schemeClr>
+                </a:solidFill>
+                <a:latin typeface="나눔스퀘어 ExtraBold" panose="020B0600000101010101" pitchFamily="50" charset="-127"/>
+                <a:ea typeface="나눔스퀘어 ExtraBold" panose="020B0600000101010101" pitchFamily="50" charset="-127"/>
+              </a:rPr>
+              <a:t>   지위위계 안정성 로직 탐색</a:t>
+            </a:r>
+          </a:p>
+        </p:txBody>
+      </p:sp>
+      <p:sp>
+        <p:nvSpPr>
+          <p:cNvPr id="13" name="직사각형 12">
+            <a:extLst>
+              <a:ext uri="{FF2B5EF4-FFF2-40B4-BE49-F238E27FC236}">
+                <a16:creationId xmlns:a16="http://schemas.microsoft.com/office/drawing/2014/main" id="{DEE73E67-9254-A0CC-0F2E-582C4E0B21A0}"/>
+              </a:ext>
+            </a:extLst>
+          </p:cNvPr>
+          <p:cNvSpPr/>
+          <p:nvPr/>
+        </p:nvSpPr>
+        <p:spPr>
+          <a:xfrm>
+            <a:off x="442913" y="789063"/>
+            <a:ext cx="11341100" cy="816766"/>
+          </a:xfrm>
+          <a:prstGeom prst="rect">
+            <a:avLst/>
+          </a:prstGeom>
+          <a:solidFill>
+            <a:srgbClr val="D7DBE4"/>
+          </a:solidFill>
+          <a:ln>
+            <a:noFill/>
+          </a:ln>
+        </p:spPr>
+        <p:style>
+          <a:lnRef idx="2">
+            <a:schemeClr val="accent1">
+              <a:shade val="15000"/>
+            </a:schemeClr>
+          </a:lnRef>
+          <a:fillRef idx="1">
+            <a:schemeClr val="accent1"/>
+          </a:fillRef>
+          <a:effectRef idx="0">
+            <a:schemeClr val="accent1"/>
+          </a:effectRef>
+          <a:fontRef idx="minor">
+            <a:schemeClr val="lt1"/>
+          </a:fontRef>
+        </p:style>
+        <p:txBody>
+          <a:bodyPr rtlCol="0" anchor="ctr"/>
+          <a:lstStyle/>
+          <a:p>
+            <a:pPr algn="ctr"/>
+            <a:endParaRPr lang="ko-KR" altLang="en-US"/>
+          </a:p>
+        </p:txBody>
+      </p:sp>
+      <p:sp>
+        <p:nvSpPr>
+          <p:cNvPr id="3" name="TextBox 2">
+            <a:extLst>
+              <a:ext uri="{FF2B5EF4-FFF2-40B4-BE49-F238E27FC236}">
+                <a16:creationId xmlns:a16="http://schemas.microsoft.com/office/drawing/2014/main" id="{E807CA72-C12A-B556-059D-DAF62C587D0C}"/>
+              </a:ext>
+            </a:extLst>
+          </p:cNvPr>
+          <p:cNvSpPr txBox="1"/>
+          <p:nvPr/>
+        </p:nvSpPr>
+        <p:spPr>
+          <a:xfrm>
+            <a:off x="500177" y="830383"/>
+            <a:ext cx="10521191" cy="685765"/>
+          </a:xfrm>
+          <a:prstGeom prst="rect">
+            <a:avLst/>
+          </a:prstGeom>
+          <a:noFill/>
+          <a:ln>
+            <a:noFill/>
+          </a:ln>
+        </p:spPr>
+        <p:txBody>
+          <a:bodyPr wrap="square" rtlCol="0">
+            <a:spAutoFit/>
+          </a:bodyPr>
+          <a:lstStyle/>
+          <a:p>
+            <a:pPr>
+              <a:lnSpc>
+                <a:spcPct val="120000"/>
+              </a:lnSpc>
+            </a:pPr>
+            <a:r>
+              <a:rPr lang="ko-KR" altLang="en-US" dirty="0">
+                <a:latin typeface="나눔스퀘어" panose="020B0600000101010101" pitchFamily="50" charset="-127"/>
+                <a:ea typeface="나눔스퀘어" panose="020B0600000101010101" pitchFamily="50" charset="-127"/>
+              </a:rPr>
+              <a:t>안정성이 높으면서 변별력이 있는 로직은 다음과 같은 단계로 탐색했습니다</a:t>
+            </a:r>
+            <a:r>
+              <a:rPr lang="en-US" altLang="ko-KR" dirty="0">
+                <a:latin typeface="나눔스퀘어" panose="020B0600000101010101" pitchFamily="50" charset="-127"/>
+                <a:ea typeface="나눔스퀘어" panose="020B0600000101010101" pitchFamily="50" charset="-127"/>
+              </a:rPr>
+              <a:t>.</a:t>
+            </a:r>
+          </a:p>
+          <a:p>
+            <a:pPr>
+              <a:lnSpc>
+                <a:spcPct val="120000"/>
+              </a:lnSpc>
+            </a:pPr>
+            <a:r>
+              <a:rPr lang="en-US" altLang="ko-KR" sz="1500" dirty="0">
+                <a:latin typeface="나눔스퀘어" panose="020B0600000101010101" pitchFamily="50" charset="-127"/>
+                <a:ea typeface="나눔스퀘어" panose="020B0600000101010101" pitchFamily="50" charset="-127"/>
+              </a:rPr>
+              <a:t> iii) 1-5</a:t>
+            </a:r>
+            <a:r>
+              <a:rPr lang="ko-KR" altLang="en-US" sz="1500" dirty="0">
+                <a:latin typeface="나눔스퀘어" panose="020B0600000101010101" pitchFamily="50" charset="-127"/>
+                <a:ea typeface="나눔스퀘어" panose="020B0600000101010101" pitchFamily="50" charset="-127"/>
+              </a:rPr>
+              <a:t>점 범위 고려하면서 학급의 학생 수</a:t>
+            </a:r>
+            <a:r>
+              <a:rPr lang="en-US" altLang="ko-KR" sz="1500" dirty="0">
+                <a:latin typeface="나눔스퀘어" panose="020B0600000101010101" pitchFamily="50" charset="-127"/>
+                <a:ea typeface="나눔스퀘어" panose="020B0600000101010101" pitchFamily="50" charset="-127"/>
+              </a:rPr>
+              <a:t>, </a:t>
+            </a:r>
+            <a:r>
+              <a:rPr lang="ko-KR" altLang="en-US" sz="1500" dirty="0">
+                <a:latin typeface="나눔스퀘어" panose="020B0600000101010101" pitchFamily="50" charset="-127"/>
+                <a:ea typeface="나눔스퀘어" panose="020B0600000101010101" pitchFamily="50" charset="-127"/>
+              </a:rPr>
+              <a:t>학급의 지명활성도와 독립적인 지위위계 로직 </a:t>
+            </a:r>
+            <a:r>
+              <a:rPr lang="en-US" altLang="ko-KR" sz="1500" dirty="0">
+                <a:latin typeface="나눔스퀘어" panose="020B0600000101010101" pitchFamily="50" charset="-127"/>
+                <a:ea typeface="나눔스퀘어" panose="020B0600000101010101" pitchFamily="50" charset="-127"/>
+              </a:rPr>
+              <a:t>(</a:t>
+            </a:r>
+            <a:r>
+              <a:rPr lang="ko-KR" altLang="en-US" sz="1500" dirty="0" err="1">
+                <a:latin typeface="나눔스퀘어" panose="020B0600000101010101" pitchFamily="50" charset="-127"/>
+                <a:ea typeface="나눔스퀘어" panose="020B0600000101010101" pitchFamily="50" charset="-127"/>
+              </a:rPr>
+              <a:t>지니계수</a:t>
+            </a:r>
+            <a:r>
+              <a:rPr lang="en-US" altLang="ko-KR" sz="1500" dirty="0">
+                <a:latin typeface="나눔스퀘어" panose="020B0600000101010101" pitchFamily="50" charset="-127"/>
+                <a:ea typeface="나눔스퀘어" panose="020B0600000101010101" pitchFamily="50" charset="-127"/>
+              </a:rPr>
+              <a:t>)</a:t>
+            </a:r>
+            <a:endParaRPr lang="ko-KR" altLang="en-US" sz="1500" dirty="0">
+              <a:latin typeface="나눔스퀘어" panose="020B0600000101010101" pitchFamily="50" charset="-127"/>
+              <a:ea typeface="나눔스퀘어" panose="020B0600000101010101" pitchFamily="50" charset="-127"/>
+            </a:endParaRPr>
+          </a:p>
+        </p:txBody>
+      </p:sp>
+      <p:sp>
+        <p:nvSpPr>
+          <p:cNvPr id="5" name="TextBox 4">
+            <a:extLst>
+              <a:ext uri="{FF2B5EF4-FFF2-40B4-BE49-F238E27FC236}">
+                <a16:creationId xmlns:a16="http://schemas.microsoft.com/office/drawing/2014/main" id="{9D136381-FEDD-0160-8234-0D599D8394DE}"/>
+              </a:ext>
+            </a:extLst>
+          </p:cNvPr>
+          <p:cNvSpPr txBox="1"/>
+          <p:nvPr/>
+        </p:nvSpPr>
+        <p:spPr>
+          <a:xfrm>
+            <a:off x="500176" y="2294108"/>
+            <a:ext cx="9567460" cy="553998"/>
+          </a:xfrm>
+          <a:prstGeom prst="rect">
+            <a:avLst/>
+          </a:prstGeom>
+          <a:noFill/>
+        </p:spPr>
+        <p:txBody>
+          <a:bodyPr wrap="square">
+            <a:spAutoFit/>
+          </a:bodyPr>
+          <a:lstStyle/>
+          <a:p>
+            <a:r>
+              <a:rPr lang="ko-KR" altLang="en-US" sz="1500" dirty="0">
+                <a:latin typeface="나눔스퀘어" panose="020B0600000101010101" pitchFamily="50" charset="-127"/>
+                <a:ea typeface="나눔스퀘어" panose="020B0600000101010101" pitchFamily="50" charset="-127"/>
+              </a:rPr>
+              <a:t>학생 별 지명 수를 기반으로 모든 학생 간 지명 수의 차를 계산하여 이를 분자</a:t>
+            </a:r>
+            <a:r>
+              <a:rPr lang="en-US" altLang="ko-KR" sz="1500" dirty="0">
+                <a:latin typeface="나눔스퀘어" panose="020B0600000101010101" pitchFamily="50" charset="-127"/>
+                <a:ea typeface="나눔스퀘어" panose="020B0600000101010101" pitchFamily="50" charset="-127"/>
+              </a:rPr>
+              <a:t>,</a:t>
+            </a:r>
+          </a:p>
+          <a:p>
+            <a:r>
+              <a:rPr lang="ko-KR" altLang="en-US" sz="1500" dirty="0">
+                <a:latin typeface="나눔스퀘어" panose="020B0600000101010101" pitchFamily="50" charset="-127"/>
+                <a:ea typeface="나눔스퀘어" panose="020B0600000101010101" pitchFamily="50" charset="-127"/>
+              </a:rPr>
+              <a:t>해당 학급에서 최대로 나올 수 있는 지명 수의 차를 분모로 하여 </a:t>
+            </a:r>
+            <a:r>
+              <a:rPr lang="en-US" altLang="ko-KR" sz="1500" dirty="0">
+                <a:latin typeface="나눔스퀘어" panose="020B0600000101010101" pitchFamily="50" charset="-127"/>
+                <a:ea typeface="나눔스퀘어" panose="020B0600000101010101" pitchFamily="50" charset="-127"/>
+              </a:rPr>
+              <a:t>0-1</a:t>
+            </a:r>
+            <a:r>
+              <a:rPr lang="ko-KR" altLang="en-US" sz="1500" dirty="0">
+                <a:latin typeface="나눔스퀘어" panose="020B0600000101010101" pitchFamily="50" charset="-127"/>
+                <a:ea typeface="나눔스퀘어" panose="020B0600000101010101" pitchFamily="50" charset="-127"/>
+              </a:rPr>
+              <a:t>점 범위로 고정하여</a:t>
+            </a:r>
+            <a:r>
+              <a:rPr lang="en-US" altLang="ko-KR" sz="1500" dirty="0">
+                <a:latin typeface="나눔스퀘어" panose="020B0600000101010101" pitchFamily="50" charset="-127"/>
+                <a:ea typeface="나눔스퀘어" panose="020B0600000101010101" pitchFamily="50" charset="-127"/>
+              </a:rPr>
+              <a:t>,</a:t>
+            </a:r>
+            <a:r>
+              <a:rPr lang="ko-KR" altLang="en-US" sz="1500" dirty="0">
+                <a:latin typeface="나눔스퀘어" panose="020B0600000101010101" pitchFamily="50" charset="-127"/>
+                <a:ea typeface="나눔스퀘어" panose="020B0600000101010101" pitchFamily="50" charset="-127"/>
+              </a:rPr>
+              <a:t> 이를 </a:t>
+            </a:r>
+            <a:r>
+              <a:rPr lang="en-US" altLang="ko-KR" sz="1500" dirty="0">
+                <a:latin typeface="나눔스퀘어" panose="020B0600000101010101" pitchFamily="50" charset="-127"/>
+                <a:ea typeface="나눔스퀘어" panose="020B0600000101010101" pitchFamily="50" charset="-127"/>
+              </a:rPr>
+              <a:t>1-5</a:t>
+            </a:r>
+            <a:r>
+              <a:rPr lang="ko-KR" altLang="en-US" sz="1500" dirty="0">
+                <a:latin typeface="나눔스퀘어" panose="020B0600000101010101" pitchFamily="50" charset="-127"/>
+                <a:ea typeface="나눔스퀘어" panose="020B0600000101010101" pitchFamily="50" charset="-127"/>
+              </a:rPr>
+              <a:t>점 선형 변환하여 산출</a:t>
+            </a:r>
+            <a:endParaRPr lang="en-US" altLang="ko-KR" sz="1500" dirty="0">
+              <a:latin typeface="나눔스퀘어" panose="020B0600000101010101" pitchFamily="50" charset="-127"/>
+              <a:ea typeface="나눔스퀘어" panose="020B0600000101010101" pitchFamily="50" charset="-127"/>
+            </a:endParaRPr>
+          </a:p>
+        </p:txBody>
+      </p:sp>
+      <p:pic>
+        <p:nvPicPr>
+          <p:cNvPr id="11" name="그림 10">
+            <a:extLst>
+              <a:ext uri="{FF2B5EF4-FFF2-40B4-BE49-F238E27FC236}">
+                <a16:creationId xmlns:a16="http://schemas.microsoft.com/office/drawing/2014/main" id="{47CDF5B8-8C79-B065-086A-4C8066DE228F}"/>
+              </a:ext>
+            </a:extLst>
+          </p:cNvPr>
+          <p:cNvPicPr>
+            <a:picLocks noChangeAspect="1"/>
+          </p:cNvPicPr>
+          <p:nvPr/>
+        </p:nvPicPr>
+        <p:blipFill>
+          <a:blip r:embed="rId2"/>
+          <a:stretch>
+            <a:fillRect/>
+          </a:stretch>
+        </p:blipFill>
+        <p:spPr>
+          <a:xfrm>
+            <a:off x="3218151" y="2808507"/>
+            <a:ext cx="5264036" cy="3340028"/>
+          </a:xfrm>
+          <a:prstGeom prst="rect">
+            <a:avLst/>
+          </a:prstGeom>
+        </p:spPr>
+      </p:pic>
+      <p:sp>
+        <p:nvSpPr>
+          <p:cNvPr id="14" name="TextBox 13">
+            <a:extLst>
+              <a:ext uri="{FF2B5EF4-FFF2-40B4-BE49-F238E27FC236}">
+                <a16:creationId xmlns:a16="http://schemas.microsoft.com/office/drawing/2014/main" id="{8AD02B2E-C714-82FE-A2D1-63D9CE32819C}"/>
+              </a:ext>
+            </a:extLst>
+          </p:cNvPr>
+          <p:cNvSpPr txBox="1"/>
+          <p:nvPr/>
+        </p:nvSpPr>
+        <p:spPr>
+          <a:xfrm>
+            <a:off x="1839883" y="6195098"/>
+            <a:ext cx="8772698" cy="377450"/>
+          </a:xfrm>
+          <a:prstGeom prst="roundRect">
+            <a:avLst>
+              <a:gd name="adj" fmla="val 10830"/>
+            </a:avLst>
+          </a:prstGeom>
+          <a:solidFill>
+            <a:srgbClr val="7986A7"/>
+          </a:solidFill>
+          <a:ln>
+            <a:noFill/>
+          </a:ln>
+        </p:spPr>
+        <p:txBody>
+          <a:bodyPr wrap="square" rtlCol="0">
+            <a:noAutofit/>
+          </a:bodyPr>
+          <a:lstStyle/>
+          <a:p>
+            <a:pPr>
+              <a:tabLst>
+                <a:tab pos="2159000" algn="l"/>
+              </a:tabLst>
+            </a:pPr>
+            <a:endParaRPr lang="ko-KR" altLang="en-US" sz="1400" b="1" dirty="0">
+              <a:solidFill>
+                <a:schemeClr val="bg1"/>
+              </a:solidFill>
+              <a:latin typeface="나눔스퀘어" panose="020B0600000101010101" pitchFamily="50" charset="-127"/>
+              <a:ea typeface="나눔스퀘어" panose="020B0600000101010101" pitchFamily="50" charset="-127"/>
+            </a:endParaRPr>
+          </a:p>
+        </p:txBody>
+      </p:sp>
+      <p:sp>
+        <p:nvSpPr>
+          <p:cNvPr id="15" name="TextBox 14">
+            <a:extLst>
+              <a:ext uri="{FF2B5EF4-FFF2-40B4-BE49-F238E27FC236}">
+                <a16:creationId xmlns:a16="http://schemas.microsoft.com/office/drawing/2014/main" id="{97CABA42-722E-B941-D6A7-0AEBC7147ACA}"/>
+              </a:ext>
+            </a:extLst>
+          </p:cNvPr>
+          <p:cNvSpPr txBox="1"/>
+          <p:nvPr/>
+        </p:nvSpPr>
+        <p:spPr>
+          <a:xfrm>
+            <a:off x="2584132" y="6233993"/>
+            <a:ext cx="7284201" cy="338554"/>
+          </a:xfrm>
+          <a:prstGeom prst="rect">
+            <a:avLst/>
+          </a:prstGeom>
+          <a:noFill/>
+          <a:ln>
+            <a:noFill/>
+          </a:ln>
+        </p:spPr>
+        <p:txBody>
+          <a:bodyPr wrap="square" rtlCol="0">
+            <a:spAutoFit/>
+          </a:bodyPr>
+          <a:lstStyle/>
+          <a:p>
+            <a:r>
+              <a:rPr lang="en-US" altLang="ko-KR" sz="1600" b="0" i="0" dirty="0">
+                <a:effectLst/>
+                <a:latin typeface="나눔스퀘어" panose="020B0600000101010101" pitchFamily="50" charset="-127"/>
+                <a:ea typeface="나눔스퀘어" panose="020B0600000101010101" pitchFamily="50" charset="-127"/>
+              </a:rPr>
+              <a:t>* </a:t>
+            </a:r>
+            <a:r>
+              <a:rPr lang="ko-KR" altLang="en-US" sz="1600" b="0" i="0" dirty="0" err="1">
+                <a:effectLst/>
+                <a:latin typeface="나눔스퀘어" panose="020B0600000101010101" pitchFamily="50" charset="-127"/>
+                <a:ea typeface="나눔스퀘어" panose="020B0600000101010101" pitchFamily="50" charset="-127"/>
+              </a:rPr>
+              <a:t>지니계수</a:t>
+            </a:r>
+            <a:r>
+              <a:rPr lang="ko-KR" altLang="en-US" sz="1600" b="0" i="0" dirty="0">
+                <a:effectLst/>
+                <a:latin typeface="나눔스퀘어" panose="020B0600000101010101" pitchFamily="50" charset="-127"/>
+                <a:ea typeface="나눔스퀘어" panose="020B0600000101010101" pitchFamily="50" charset="-127"/>
+              </a:rPr>
+              <a:t> 특징으로 선형변환 이후 </a:t>
+            </a:r>
+            <a:r>
+              <a:rPr lang="en-US" altLang="ko-KR" sz="1600" b="0" i="0" dirty="0">
+                <a:effectLst/>
+                <a:latin typeface="나눔스퀘어" panose="020B0600000101010101" pitchFamily="50" charset="-127"/>
+                <a:ea typeface="나눔스퀘어" panose="020B0600000101010101" pitchFamily="50" charset="-127"/>
+              </a:rPr>
+              <a:t>2-3</a:t>
+            </a:r>
+            <a:r>
+              <a:rPr lang="ko-KR" altLang="en-US" sz="1600" b="0" i="0" dirty="0" err="1">
+                <a:effectLst/>
+                <a:latin typeface="나눔스퀘어" panose="020B0600000101010101" pitchFamily="50" charset="-127"/>
+                <a:ea typeface="나눔스퀘어" panose="020B0600000101010101" pitchFamily="50" charset="-127"/>
+              </a:rPr>
+              <a:t>점대에</a:t>
+            </a:r>
+            <a:r>
+              <a:rPr lang="ko-KR" altLang="en-US" sz="1600" b="0" i="0" dirty="0">
+                <a:effectLst/>
+                <a:latin typeface="나눔스퀘어" panose="020B0600000101010101" pitchFamily="50" charset="-127"/>
+                <a:ea typeface="나눔스퀘어" panose="020B0600000101010101" pitchFamily="50" charset="-127"/>
+              </a:rPr>
+              <a:t> 몰리는 경향이 있어 유의 부탁드립니다</a:t>
+            </a:r>
+            <a:r>
+              <a:rPr lang="en-US" altLang="ko-KR" sz="1600" b="0" i="0" dirty="0">
+                <a:effectLst/>
+                <a:latin typeface="나눔스퀘어" panose="020B0600000101010101" pitchFamily="50" charset="-127"/>
+                <a:ea typeface="나눔스퀘어" panose="020B0600000101010101" pitchFamily="50" charset="-127"/>
+              </a:rPr>
+              <a:t>.</a:t>
+            </a:r>
+          </a:p>
+        </p:txBody>
+      </p:sp>
+    </p:spTree>
+    <p:extLst>
+      <p:ext uri="{BB962C8B-B14F-4D97-AF65-F5344CB8AC3E}">
+        <p14:creationId xmlns:p14="http://schemas.microsoft.com/office/powerpoint/2010/main" val="1630395614"/>
+      </p:ext>
+    </p:extLst>
+  </p:cSld>
+  <p:clrMapOvr>
+    <a:masterClrMapping/>
+  </p:clrMapOvr>
+</p:sld>
+</file>
+
+<file path=ppt/slides/slide8.xml><?xml version="1.0" encoding="utf-8"?>
+<p:sld xmlns:a="http://schemas.openxmlformats.org/drawingml/2006/main" xmlns:r="http://schemas.openxmlformats.org/officeDocument/2006/relationships" xmlns:p="http://schemas.openxmlformats.org/presentationml/2006/main">
+  <p:cSld>
+    <p:spTree>
+      <p:nvGrpSpPr>
+        <p:cNvPr id="1" name="">
+          <a:extLst>
+            <a:ext uri="{FF2B5EF4-FFF2-40B4-BE49-F238E27FC236}">
+              <a16:creationId xmlns:a16="http://schemas.microsoft.com/office/drawing/2014/main" id="{DE347DDD-64F8-E767-B028-8254D9297272}"/>
+            </a:ext>
+          </a:extLst>
+        </p:cNvPr>
+        <p:cNvGrpSpPr/>
+        <p:nvPr/>
+      </p:nvGrpSpPr>
+      <p:grpSpPr>
+        <a:xfrm>
+          <a:off x="0" y="0"/>
+          <a:ext cx="0" cy="0"/>
+          <a:chOff x="0" y="0"/>
+          <a:chExt cx="0" cy="0"/>
+        </a:xfrm>
+      </p:grpSpPr>
+      <p:sp>
+        <p:nvSpPr>
+          <p:cNvPr id="2" name="직사각형 1">
+            <a:extLst>
+              <a:ext uri="{FF2B5EF4-FFF2-40B4-BE49-F238E27FC236}">
+                <a16:creationId xmlns:a16="http://schemas.microsoft.com/office/drawing/2014/main" id="{E99BA8E0-51B0-BED6-EE40-F3B5F26DCF1E}"/>
+              </a:ext>
+            </a:extLst>
+          </p:cNvPr>
+          <p:cNvSpPr/>
+          <p:nvPr/>
+        </p:nvSpPr>
+        <p:spPr>
+          <a:xfrm>
+            <a:off x="0" y="0"/>
+            <a:ext cx="12192000" cy="537029"/>
+          </a:xfrm>
+          <a:prstGeom prst="rect">
+            <a:avLst/>
+          </a:prstGeom>
+          <a:solidFill>
+            <a:srgbClr val="353D50"/>
+          </a:solidFill>
+          <a:ln>
+            <a:noFill/>
+          </a:ln>
+        </p:spPr>
+        <p:style>
+          <a:lnRef idx="2">
+            <a:schemeClr val="accent1">
+              <a:shade val="50000"/>
+            </a:schemeClr>
+          </a:lnRef>
+          <a:fillRef idx="1">
+            <a:schemeClr val="accent1"/>
+          </a:fillRef>
+          <a:effectRef idx="0">
+            <a:schemeClr val="accent1"/>
+          </a:effectRef>
+          <a:fontRef idx="minor">
+            <a:schemeClr val="lt1"/>
+          </a:fontRef>
+        </p:style>
+        <p:txBody>
+          <a:bodyPr rtlCol="0" anchor="ctr"/>
+          <a:lstStyle/>
+          <a:p>
+            <a:r>
+              <a:rPr lang="ko-KR" altLang="en-US" dirty="0">
+                <a:solidFill>
+                  <a:schemeClr val="bg1">
+                    <a:lumMod val="95000"/>
+                  </a:schemeClr>
+                </a:solidFill>
+                <a:latin typeface="나눔스퀘어 ExtraBold" panose="020B0600000101010101" pitchFamily="50" charset="-127"/>
+                <a:ea typeface="나눔스퀘어 ExtraBold" panose="020B0600000101010101" pitchFamily="50" charset="-127"/>
+              </a:rPr>
+              <a:t>   지위위계 안정성 로직 탐색</a:t>
+            </a:r>
+          </a:p>
+        </p:txBody>
+      </p:sp>
+      <p:sp>
+        <p:nvSpPr>
+          <p:cNvPr id="13" name="직사각형 12">
+            <a:extLst>
+              <a:ext uri="{FF2B5EF4-FFF2-40B4-BE49-F238E27FC236}">
+                <a16:creationId xmlns:a16="http://schemas.microsoft.com/office/drawing/2014/main" id="{3CD98202-59F2-DC5E-9D47-DE559A3170F8}"/>
+              </a:ext>
+            </a:extLst>
+          </p:cNvPr>
+          <p:cNvSpPr/>
+          <p:nvPr/>
+        </p:nvSpPr>
+        <p:spPr>
+          <a:xfrm>
+            <a:off x="442913" y="789063"/>
+            <a:ext cx="11341100" cy="537029"/>
+          </a:xfrm>
+          <a:prstGeom prst="rect">
+            <a:avLst/>
+          </a:prstGeom>
+          <a:solidFill>
+            <a:srgbClr val="D7DBE4"/>
+          </a:solidFill>
+          <a:ln>
+            <a:noFill/>
+          </a:ln>
+        </p:spPr>
+        <p:style>
+          <a:lnRef idx="2">
+            <a:schemeClr val="accent1">
+              <a:shade val="15000"/>
+            </a:schemeClr>
+          </a:lnRef>
+          <a:fillRef idx="1">
+            <a:schemeClr val="accent1"/>
+          </a:fillRef>
+          <a:effectRef idx="0">
+            <a:schemeClr val="accent1"/>
+          </a:effectRef>
+          <a:fontRef idx="minor">
+            <a:schemeClr val="lt1"/>
+          </a:fontRef>
+        </p:style>
+        <p:txBody>
+          <a:bodyPr rtlCol="0" anchor="ctr"/>
+          <a:lstStyle/>
+          <a:p>
+            <a:pPr algn="ctr"/>
+            <a:endParaRPr lang="ko-KR" altLang="en-US"/>
+          </a:p>
+        </p:txBody>
+      </p:sp>
+      <p:sp>
+        <p:nvSpPr>
+          <p:cNvPr id="3" name="TextBox 2">
+            <a:extLst>
+              <a:ext uri="{FF2B5EF4-FFF2-40B4-BE49-F238E27FC236}">
+                <a16:creationId xmlns:a16="http://schemas.microsoft.com/office/drawing/2014/main" id="{FC76D51B-DBC6-3314-CD83-C55649967D41}"/>
+              </a:ext>
+            </a:extLst>
+          </p:cNvPr>
+          <p:cNvSpPr txBox="1"/>
+          <p:nvPr/>
+        </p:nvSpPr>
+        <p:spPr>
+          <a:xfrm>
+            <a:off x="500177" y="830383"/>
+            <a:ext cx="10521191" cy="405560"/>
+          </a:xfrm>
+          <a:prstGeom prst="rect">
+            <a:avLst/>
+          </a:prstGeom>
+          <a:noFill/>
+          <a:ln>
+            <a:noFill/>
+          </a:ln>
+        </p:spPr>
+        <p:txBody>
+          <a:bodyPr wrap="square" rtlCol="0">
+            <a:spAutoFit/>
+          </a:bodyPr>
+          <a:lstStyle/>
+          <a:p>
+            <a:pPr>
+              <a:lnSpc>
+                <a:spcPct val="120000"/>
+              </a:lnSpc>
+            </a:pPr>
+            <a:r>
+              <a:rPr lang="ko-KR" altLang="en-US" dirty="0">
+                <a:latin typeface="나눔스퀘어" panose="020B0600000101010101" pitchFamily="50" charset="-127"/>
+                <a:ea typeface="나눔스퀘어" panose="020B0600000101010101" pitchFamily="50" charset="-127"/>
+              </a:rPr>
+              <a:t>로직 고려하실 때 용이할 것 같아 학급별 지명횟수 시각자료 공유 드립니다</a:t>
+            </a:r>
+            <a:r>
+              <a:rPr lang="en-US" altLang="ko-KR" dirty="0">
+                <a:latin typeface="나눔스퀘어" panose="020B0600000101010101" pitchFamily="50" charset="-127"/>
+                <a:ea typeface="나눔스퀘어" panose="020B0600000101010101" pitchFamily="50" charset="-127"/>
+              </a:rPr>
+              <a:t>.</a:t>
+            </a:r>
+          </a:p>
+        </p:txBody>
+      </p:sp>
+      <p:pic>
+        <p:nvPicPr>
+          <p:cNvPr id="10" name="그림 9">
+            <a:extLst>
+              <a:ext uri="{FF2B5EF4-FFF2-40B4-BE49-F238E27FC236}">
+                <a16:creationId xmlns:a16="http://schemas.microsoft.com/office/drawing/2014/main" id="{E9035DB9-69EC-2092-5A23-1AA21D3FA05F}"/>
+              </a:ext>
+            </a:extLst>
+          </p:cNvPr>
+          <p:cNvPicPr>
+            <a:picLocks noChangeAspect="1"/>
+          </p:cNvPicPr>
+          <p:nvPr/>
+        </p:nvPicPr>
+        <p:blipFill>
+          <a:blip r:embed="rId2"/>
+          <a:stretch>
+            <a:fillRect/>
+          </a:stretch>
+        </p:blipFill>
+        <p:spPr>
+          <a:xfrm>
+            <a:off x="442913" y="2111526"/>
+            <a:ext cx="5558290" cy="3285041"/>
+          </a:xfrm>
+          <a:prstGeom prst="rect">
+            <a:avLst/>
+          </a:prstGeom>
+        </p:spPr>
+      </p:pic>
+      <p:pic>
+        <p:nvPicPr>
+          <p:cNvPr id="16" name="그림 15">
+            <a:extLst>
+              <a:ext uri="{FF2B5EF4-FFF2-40B4-BE49-F238E27FC236}">
+                <a16:creationId xmlns:a16="http://schemas.microsoft.com/office/drawing/2014/main" id="{64B00585-50BC-BB71-E461-5C959BDB1070}"/>
+              </a:ext>
+            </a:extLst>
+          </p:cNvPr>
+          <p:cNvPicPr>
+            <a:picLocks noChangeAspect="1"/>
+          </p:cNvPicPr>
+          <p:nvPr/>
+        </p:nvPicPr>
+        <p:blipFill>
+          <a:blip r:embed="rId3"/>
+          <a:stretch>
+            <a:fillRect/>
+          </a:stretch>
+        </p:blipFill>
+        <p:spPr>
+          <a:xfrm>
+            <a:off x="6225723" y="2151688"/>
+            <a:ext cx="5558290" cy="3725237"/>
+          </a:xfrm>
+          <a:prstGeom prst="rect">
+            <a:avLst/>
+          </a:prstGeom>
+        </p:spPr>
+      </p:pic>
+    </p:spTree>
+    <p:extLst>
+      <p:ext uri="{BB962C8B-B14F-4D97-AF65-F5344CB8AC3E}">
+        <p14:creationId xmlns:p14="http://schemas.microsoft.com/office/powerpoint/2010/main" val="3055240253"/>
+      </p:ext>
+    </p:extLst>
+  </p:cSld>
+  <p:clrMapOvr>
+    <a:masterClrMapping/>
+  </p:clrMapOvr>
+</p:sld>
+</file>
+
+<file path=ppt/slides/slide9.xml><?xml version="1.0" encoding="utf-8"?>
+<p:sld xmlns:a="http://schemas.openxmlformats.org/drawingml/2006/main" xmlns:r="http://schemas.openxmlformats.org/officeDocument/2006/relationships" xmlns:p="http://schemas.openxmlformats.org/presentationml/2006/main">
+  <p:cSld>
+    <p:spTree>
+      <p:nvGrpSpPr>
+        <p:cNvPr id="1" name="">
+          <a:extLst>
+            <a:ext uri="{FF2B5EF4-FFF2-40B4-BE49-F238E27FC236}">
+              <a16:creationId xmlns:a16="http://schemas.microsoft.com/office/drawing/2014/main" id="{B3B1A722-BD5B-9757-BEE9-C43B43AD1480}"/>
+            </a:ext>
+          </a:extLst>
+        </p:cNvPr>
+        <p:cNvGrpSpPr/>
+        <p:nvPr/>
+      </p:nvGrpSpPr>
+      <p:grpSpPr>
+        <a:xfrm>
+          <a:off x="0" y="0"/>
+          <a:ext cx="0" cy="0"/>
+          <a:chOff x="0" y="0"/>
+          <a:chExt cx="0" cy="0"/>
+        </a:xfrm>
+      </p:grpSpPr>
+      <p:sp>
+        <p:nvSpPr>
+          <p:cNvPr id="2" name="직사각형 1">
+            <a:extLst>
+              <a:ext uri="{FF2B5EF4-FFF2-40B4-BE49-F238E27FC236}">
+                <a16:creationId xmlns:a16="http://schemas.microsoft.com/office/drawing/2014/main" id="{5A372F85-9F62-796C-59F4-3CBC803D9DB0}"/>
+              </a:ext>
+            </a:extLst>
+          </p:cNvPr>
+          <p:cNvSpPr/>
+          <p:nvPr/>
+        </p:nvSpPr>
+        <p:spPr>
+          <a:xfrm>
+            <a:off x="0" y="0"/>
+            <a:ext cx="12192000" cy="537029"/>
+          </a:xfrm>
+          <a:prstGeom prst="rect">
+            <a:avLst/>
+          </a:prstGeom>
+          <a:solidFill>
+            <a:srgbClr val="353D50"/>
+          </a:solidFill>
+          <a:ln>
+            <a:noFill/>
+          </a:ln>
+        </p:spPr>
+        <p:style>
+          <a:lnRef idx="2">
+            <a:schemeClr val="accent1">
+              <a:shade val="50000"/>
+            </a:schemeClr>
+          </a:lnRef>
+          <a:fillRef idx="1">
+            <a:schemeClr val="accent1"/>
+          </a:fillRef>
+          <a:effectRef idx="0">
+            <a:schemeClr val="accent1"/>
+          </a:effectRef>
+          <a:fontRef idx="minor">
+            <a:schemeClr val="lt1"/>
+          </a:fontRef>
+        </p:style>
+        <p:txBody>
+          <a:bodyPr rtlCol="0" anchor="ctr"/>
+          <a:lstStyle/>
+          <a:p>
+            <a:r>
+              <a:rPr lang="ko-KR" altLang="en-US" dirty="0">
+                <a:solidFill>
+                  <a:schemeClr val="bg1">
+                    <a:lumMod val="95000"/>
+                  </a:schemeClr>
+                </a:solidFill>
+                <a:latin typeface="나눔스퀘어 ExtraBold" panose="020B0600000101010101" pitchFamily="50" charset="-127"/>
+                <a:ea typeface="나눔스퀘어 ExtraBold" panose="020B0600000101010101" pitchFamily="50" charset="-127"/>
+              </a:rPr>
+              <a:t>   지위위계 안정성 로직 탐색</a:t>
+            </a:r>
+          </a:p>
+        </p:txBody>
+      </p:sp>
+      <p:sp>
+        <p:nvSpPr>
+          <p:cNvPr id="13" name="직사각형 12">
+            <a:extLst>
+              <a:ext uri="{FF2B5EF4-FFF2-40B4-BE49-F238E27FC236}">
+                <a16:creationId xmlns:a16="http://schemas.microsoft.com/office/drawing/2014/main" id="{636A80DA-8960-94F7-77CC-FB504A8AC46B}"/>
+              </a:ext>
+            </a:extLst>
+          </p:cNvPr>
+          <p:cNvSpPr/>
+          <p:nvPr/>
+        </p:nvSpPr>
+        <p:spPr>
+          <a:xfrm>
+            <a:off x="442913" y="789063"/>
+            <a:ext cx="11341100" cy="537029"/>
+          </a:xfrm>
+          <a:prstGeom prst="rect">
+            <a:avLst/>
+          </a:prstGeom>
+          <a:solidFill>
+            <a:srgbClr val="D7DBE4"/>
+          </a:solidFill>
+          <a:ln>
+            <a:noFill/>
+          </a:ln>
+        </p:spPr>
+        <p:style>
+          <a:lnRef idx="2">
+            <a:schemeClr val="accent1">
+              <a:shade val="15000"/>
+            </a:schemeClr>
+          </a:lnRef>
+          <a:fillRef idx="1">
+            <a:schemeClr val="accent1"/>
+          </a:fillRef>
+          <a:effectRef idx="0">
+            <a:schemeClr val="accent1"/>
+          </a:effectRef>
+          <a:fontRef idx="minor">
+            <a:schemeClr val="lt1"/>
+          </a:fontRef>
+        </p:style>
+        <p:txBody>
+          <a:bodyPr rtlCol="0" anchor="ctr"/>
+          <a:lstStyle/>
+          <a:p>
+            <a:pPr algn="ctr"/>
+            <a:endParaRPr lang="ko-KR" altLang="en-US"/>
+          </a:p>
+        </p:txBody>
+      </p:sp>
+      <p:sp>
+        <p:nvSpPr>
+          <p:cNvPr id="3" name="TextBox 2">
+            <a:extLst>
+              <a:ext uri="{FF2B5EF4-FFF2-40B4-BE49-F238E27FC236}">
+                <a16:creationId xmlns:a16="http://schemas.microsoft.com/office/drawing/2014/main" id="{929C13D2-105B-AAE5-5F28-A498D66CE78D}"/>
+              </a:ext>
+            </a:extLst>
+          </p:cNvPr>
+          <p:cNvSpPr txBox="1"/>
+          <p:nvPr/>
+        </p:nvSpPr>
+        <p:spPr>
+          <a:xfrm>
+            <a:off x="500177" y="830383"/>
+            <a:ext cx="10521191" cy="405560"/>
+          </a:xfrm>
+          <a:prstGeom prst="rect">
+            <a:avLst/>
+          </a:prstGeom>
+          <a:noFill/>
+          <a:ln>
+            <a:noFill/>
+          </a:ln>
+        </p:spPr>
+        <p:txBody>
+          <a:bodyPr wrap="square" rtlCol="0">
+            <a:spAutoFit/>
+          </a:bodyPr>
+          <a:lstStyle/>
+          <a:p>
+            <a:pPr>
+              <a:lnSpc>
+                <a:spcPct val="120000"/>
+              </a:lnSpc>
+            </a:pPr>
+            <a:r>
+              <a:rPr lang="ko-KR" altLang="en-US" dirty="0">
+                <a:latin typeface="나눔스퀘어" panose="020B0600000101010101" pitchFamily="50" charset="-127"/>
+                <a:ea typeface="나눔스퀘어" panose="020B0600000101010101" pitchFamily="50" charset="-127"/>
+              </a:rPr>
+              <a:t>로직 고려하실 때 용이할 것 같아 학급별 지명횟수 시각자료 공유 드립니다</a:t>
+            </a:r>
+            <a:r>
+              <a:rPr lang="en-US" altLang="ko-KR" dirty="0">
+                <a:latin typeface="나눔스퀘어" panose="020B0600000101010101" pitchFamily="50" charset="-127"/>
+                <a:ea typeface="나눔스퀘어" panose="020B0600000101010101" pitchFamily="50" charset="-127"/>
+              </a:rPr>
+              <a:t>.</a:t>
+            </a:r>
+          </a:p>
+        </p:txBody>
+      </p:sp>
+      <p:pic>
+        <p:nvPicPr>
+          <p:cNvPr id="25" name="그림 24">
+            <a:extLst>
+              <a:ext uri="{FF2B5EF4-FFF2-40B4-BE49-F238E27FC236}">
+                <a16:creationId xmlns:a16="http://schemas.microsoft.com/office/drawing/2014/main" id="{D7B08FD2-469B-6132-5F11-ED3DEC17FAE9}"/>
+              </a:ext>
+            </a:extLst>
+          </p:cNvPr>
+          <p:cNvPicPr>
+            <a:picLocks noChangeAspect="1"/>
+          </p:cNvPicPr>
+          <p:nvPr/>
+        </p:nvPicPr>
+        <p:blipFill>
+          <a:blip r:embed="rId2"/>
+          <a:stretch>
+            <a:fillRect/>
+          </a:stretch>
+        </p:blipFill>
+        <p:spPr>
+          <a:xfrm>
+            <a:off x="407987" y="2155319"/>
+            <a:ext cx="5593216" cy="3127176"/>
+          </a:xfrm>
+          <a:prstGeom prst="rect">
+            <a:avLst/>
+          </a:prstGeom>
+        </p:spPr>
+      </p:pic>
+      <p:pic>
+        <p:nvPicPr>
+          <p:cNvPr id="26" name="그림 25">
+            <a:extLst>
+              <a:ext uri="{FF2B5EF4-FFF2-40B4-BE49-F238E27FC236}">
+                <a16:creationId xmlns:a16="http://schemas.microsoft.com/office/drawing/2014/main" id="{5C386FDC-25B5-903E-1EC1-4FB5BE0A636C}"/>
+              </a:ext>
+            </a:extLst>
+          </p:cNvPr>
+          <p:cNvPicPr>
+            <a:picLocks noChangeAspect="1"/>
+          </p:cNvPicPr>
+          <p:nvPr/>
+        </p:nvPicPr>
+        <p:blipFill>
+          <a:blip r:embed="rId3"/>
+          <a:stretch>
+            <a:fillRect/>
+          </a:stretch>
+        </p:blipFill>
+        <p:spPr>
+          <a:xfrm>
+            <a:off x="6288419" y="2155319"/>
+            <a:ext cx="5460669" cy="3060304"/>
+          </a:xfrm>
+          <a:prstGeom prst="rect">
+            <a:avLst/>
+          </a:prstGeom>
+        </p:spPr>
+      </p:pic>
+    </p:spTree>
+    <p:extLst>
+      <p:ext uri="{BB962C8B-B14F-4D97-AF65-F5344CB8AC3E}">
+        <p14:creationId xmlns:p14="http://schemas.microsoft.com/office/powerpoint/2010/main" val="251375574"/>
       </p:ext>
     </p:extLst>
   </p:cSld>
@@ -6382,4 +12324,319 @@
     </a:ext>
   </a:extLst>
 </a:theme>
+</file>
+
+<file path=ppt/theme/theme2.xml><?xml version="1.0" encoding="utf-8"?>
+<a:theme xmlns:a="http://schemas.openxmlformats.org/drawingml/2006/main" name="Office 테마">
+  <a:themeElements>
+    <a:clrScheme name="Office">
+      <a:dk1>
+        <a:sysClr val="windowText" lastClr="000000"/>
+      </a:dk1>
+      <a:lt1>
+        <a:sysClr val="window" lastClr="FFFFFF"/>
+      </a:lt1>
+      <a:dk2>
+        <a:srgbClr val="0E2841"/>
+      </a:dk2>
+      <a:lt2>
+        <a:srgbClr val="E8E8E8"/>
+      </a:lt2>
+      <a:accent1>
+        <a:srgbClr val="156082"/>
+      </a:accent1>
+      <a:accent2>
+        <a:srgbClr val="E97132"/>
+      </a:accent2>
+      <a:accent3>
+        <a:srgbClr val="196B24"/>
+      </a:accent3>
+      <a:accent4>
+        <a:srgbClr val="0F9ED5"/>
+      </a:accent4>
+      <a:accent5>
+        <a:srgbClr val="A02B93"/>
+      </a:accent5>
+      <a:accent6>
+        <a:srgbClr val="4EA72E"/>
+      </a:accent6>
+      <a:hlink>
+        <a:srgbClr val="467886"/>
+      </a:hlink>
+      <a:folHlink>
+        <a:srgbClr val="96607D"/>
+      </a:folHlink>
+    </a:clrScheme>
+    <a:fontScheme name="Office">
+      <a:majorFont>
+        <a:latin typeface="맑은 고딕" panose="02110004020202020204"/>
+        <a:ea typeface=""/>
+        <a:cs typeface=""/>
+        <a:font script="Jpan" typeface="游ゴシック Light"/>
+        <a:font script="Hang" typeface="맑은 고딕"/>
+        <a:font script="Hans" typeface="等线 Light"/>
+        <a:font script="Hant" typeface="新細明體"/>
+        <a:font script="Arab" typeface="Times New Roman"/>
+        <a:font script="Hebr" typeface="Times New Roman"/>
+        <a:font script="Thai" typeface="Angsana New"/>
+        <a:font script="Ethi" typeface="Nyala"/>
+        <a:font script="Beng" typeface="Vrinda"/>
+        <a:font script="Gujr" typeface="Shruti"/>
+        <a:font script="Khmr" typeface="MoolBoran"/>
+        <a:font script="Knda" typeface="Tunga"/>
+        <a:font script="Guru" typeface="Raavi"/>
+        <a:font script="Cans" typeface="Euphemia"/>
+        <a:font script="Cher" typeface="Plantagenet Cherokee"/>
+        <a:font script="Yiii" typeface="Microsoft Yi Baiti"/>
+        <a:font script="Tibt" typeface="Microsoft Himalaya"/>
+        <a:font script="Thaa" typeface="MV Boli"/>
+        <a:font script="Deva" typeface="Mangal"/>
+        <a:font script="Telu" typeface="Gautami"/>
+        <a:font script="Taml" typeface="Latha"/>
+        <a:font script="Syrc" typeface="Estrangelo Edessa"/>
+        <a:font script="Orya" typeface="Kalinga"/>
+        <a:font script="Mlym" typeface="Kartika"/>
+        <a:font script="Laoo" typeface="DokChampa"/>
+        <a:font script="Sinh" typeface="Iskoola Pota"/>
+        <a:font script="Mong" typeface="Mongolian Baiti"/>
+        <a:font script="Viet" typeface="Times New Roman"/>
+        <a:font script="Uigh" typeface="Microsoft Uighur"/>
+        <a:font script="Geor" typeface="Sylfaen"/>
+        <a:font script="Armn" typeface="Arial"/>
+        <a:font script="Bugi" typeface="Leelawadee UI"/>
+        <a:font script="Bopo" typeface="Microsoft JhengHei"/>
+        <a:font script="Java" typeface="Javanese Text"/>
+        <a:font script="Lisu" typeface="Segoe UI"/>
+        <a:font script="Mymr" typeface="Myanmar Text"/>
+        <a:font script="Nkoo" typeface="Ebrima"/>
+        <a:font script="Olck" typeface="Nirmala UI"/>
+        <a:font script="Osma" typeface="Ebrima"/>
+        <a:font script="Phag" typeface="Phagspa"/>
+        <a:font script="Syrn" typeface="Estrangelo Edessa"/>
+        <a:font script="Syrj" typeface="Estrangelo Edessa"/>
+        <a:font script="Syre" typeface="Estrangelo Edessa"/>
+        <a:font script="Sora" typeface="Nirmala UI"/>
+        <a:font script="Tale" typeface="Microsoft Tai Le"/>
+        <a:font script="Talu" typeface="Microsoft New Tai Lue"/>
+        <a:font script="Tfng" typeface="Ebrima"/>
+      </a:majorFont>
+      <a:minorFont>
+        <a:latin typeface="맑은 고딕" panose="02110004020202020204"/>
+        <a:ea typeface=""/>
+        <a:cs typeface=""/>
+        <a:font script="Jpan" typeface="游ゴシック"/>
+        <a:font script="Hang" typeface="맑은 고딕"/>
+        <a:font script="Hans" typeface="等线"/>
+        <a:font script="Hant" typeface="新細明體"/>
+        <a:font script="Arab" typeface="Arial"/>
+        <a:font script="Hebr" typeface="Arial"/>
+        <a:font script="Thai" typeface="Cordia New"/>
+        <a:font script="Ethi" typeface="Nyala"/>
+        <a:font script="Beng" typeface="Vrinda"/>
+        <a:font script="Gujr" typeface="Shruti"/>
+        <a:font script="Khmr" typeface="DaunPenh"/>
+        <a:font script="Knda" typeface="Tunga"/>
+        <a:font script="Guru" typeface="Raavi"/>
+        <a:font script="Cans" typeface="Euphemia"/>
+        <a:font script="Cher" typeface="Plantagenet Cherokee"/>
+        <a:font script="Yiii" typeface="Microsoft Yi Baiti"/>
+        <a:font script="Tibt" typeface="Microsoft Himalaya"/>
+        <a:font script="Thaa" typeface="MV Boli"/>
+        <a:font script="Deva" typeface="Mangal"/>
+        <a:font script="Telu" typeface="Gautami"/>
+        <a:font script="Taml" typeface="Latha"/>
+        <a:font script="Syrc" typeface="Estrangelo Edessa"/>
+        <a:font script="Orya" typeface="Kalinga"/>
+        <a:font script="Mlym" typeface="Kartika"/>
+        <a:font script="Laoo" typeface="DokChampa"/>
+        <a:font script="Sinh" typeface="Iskoola Pota"/>
+        <a:font script="Mong" typeface="Mongolian Baiti"/>
+        <a:font script="Viet" typeface="Arial"/>
+        <a:font script="Uigh" typeface="Microsoft Uighur"/>
+        <a:font script="Geor" typeface="Sylfaen"/>
+        <a:font script="Armn" typeface="Arial"/>
+        <a:font script="Bugi" typeface="Leelawadee UI"/>
+        <a:font script="Bopo" typeface="Microsoft JhengHei"/>
+        <a:font script="Java" typeface="Javanese Text"/>
+        <a:font script="Lisu" typeface="Segoe UI"/>
+        <a:font script="Mymr" typeface="Myanmar Text"/>
+        <a:font script="Nkoo" typeface="Ebrima"/>
+        <a:font script="Olck" typeface="Nirmala UI"/>
+        <a:font script="Osma" typeface="Ebrima"/>
+        <a:font script="Phag" typeface="Phagspa"/>
+        <a:font script="Syrn" typeface="Estrangelo Edessa"/>
+        <a:font script="Syrj" typeface="Estrangelo Edessa"/>
+        <a:font script="Syre" typeface="Estrangelo Edessa"/>
+        <a:font script="Sora" typeface="Nirmala UI"/>
+        <a:font script="Tale" typeface="Microsoft Tai Le"/>
+        <a:font script="Talu" typeface="Microsoft New Tai Lue"/>
+        <a:font script="Tfng" typeface="Ebrima"/>
+      </a:minorFont>
+    </a:fontScheme>
+    <a:fmtScheme name="Office">
+      <a:fillStyleLst>
+        <a:solidFill>
+          <a:schemeClr val="phClr"/>
+        </a:solidFill>
+        <a:gradFill rotWithShape="1">
+          <a:gsLst>
+            <a:gs pos="0">
+              <a:schemeClr val="phClr">
+                <a:lumMod val="110000"/>
+                <a:satMod val="105000"/>
+                <a:tint val="67000"/>
+              </a:schemeClr>
+            </a:gs>
+            <a:gs pos="50000">
+              <a:schemeClr val="phClr">
+                <a:lumMod val="105000"/>
+                <a:satMod val="103000"/>
+                <a:tint val="73000"/>
+              </a:schemeClr>
+            </a:gs>
+            <a:gs pos="100000">
+              <a:schemeClr val="phClr">
+                <a:lumMod val="105000"/>
+                <a:satMod val="109000"/>
+                <a:tint val="81000"/>
+              </a:schemeClr>
+            </a:gs>
+          </a:gsLst>
+          <a:lin ang="5400000" scaled="0"/>
+        </a:gradFill>
+        <a:gradFill rotWithShape="1">
+          <a:gsLst>
+            <a:gs pos="0">
+              <a:schemeClr val="phClr">
+                <a:satMod val="103000"/>
+                <a:lumMod val="102000"/>
+                <a:tint val="94000"/>
+              </a:schemeClr>
+            </a:gs>
+            <a:gs pos="50000">
+              <a:schemeClr val="phClr">
+                <a:satMod val="110000"/>
+                <a:lumMod val="100000"/>
+                <a:shade val="100000"/>
+              </a:schemeClr>
+            </a:gs>
+            <a:gs pos="100000">
+              <a:schemeClr val="phClr">
+                <a:lumMod val="99000"/>
+                <a:satMod val="120000"/>
+                <a:shade val="78000"/>
+              </a:schemeClr>
+            </a:gs>
+          </a:gsLst>
+          <a:lin ang="5400000" scaled="0"/>
+        </a:gradFill>
+      </a:fillStyleLst>
+      <a:lnStyleLst>
+        <a:ln w="12700" cap="flat" cmpd="sng" algn="ctr">
+          <a:solidFill>
+            <a:schemeClr val="phClr"/>
+          </a:solidFill>
+          <a:prstDash val="solid"/>
+          <a:miter lim="800000"/>
+        </a:ln>
+        <a:ln w="19050" cap="flat" cmpd="sng" algn="ctr">
+          <a:solidFill>
+            <a:schemeClr val="phClr"/>
+          </a:solidFill>
+          <a:prstDash val="solid"/>
+          <a:miter lim="800000"/>
+        </a:ln>
+        <a:ln w="25400" cap="flat" cmpd="sng" algn="ctr">
+          <a:solidFill>
+            <a:schemeClr val="phClr"/>
+          </a:solidFill>
+          <a:prstDash val="solid"/>
+          <a:miter lim="800000"/>
+        </a:ln>
+      </a:lnStyleLst>
+      <a:effectStyleLst>
+        <a:effectStyle>
+          <a:effectLst/>
+        </a:effectStyle>
+        <a:effectStyle>
+          <a:effectLst/>
+        </a:effectStyle>
+        <a:effectStyle>
+          <a:effectLst>
+            <a:outerShdw blurRad="57150" dist="19050" dir="5400000" algn="ctr" rotWithShape="0">
+              <a:srgbClr val="000000">
+                <a:alpha val="63000"/>
+              </a:srgbClr>
+            </a:outerShdw>
+          </a:effectLst>
+        </a:effectStyle>
+      </a:effectStyleLst>
+      <a:bgFillStyleLst>
+        <a:solidFill>
+          <a:schemeClr val="phClr"/>
+        </a:solidFill>
+        <a:solidFill>
+          <a:schemeClr val="phClr">
+            <a:tint val="95000"/>
+            <a:satMod val="170000"/>
+          </a:schemeClr>
+        </a:solidFill>
+        <a:gradFill rotWithShape="1">
+          <a:gsLst>
+            <a:gs pos="0">
+              <a:schemeClr val="phClr">
+                <a:tint val="93000"/>
+                <a:satMod val="150000"/>
+                <a:shade val="98000"/>
+                <a:lumMod val="102000"/>
+              </a:schemeClr>
+            </a:gs>
+            <a:gs pos="50000">
+              <a:schemeClr val="phClr">
+                <a:tint val="98000"/>
+                <a:satMod val="130000"/>
+                <a:shade val="90000"/>
+                <a:lumMod val="103000"/>
+              </a:schemeClr>
+            </a:gs>
+            <a:gs pos="100000">
+              <a:schemeClr val="phClr">
+                <a:shade val="63000"/>
+                <a:satMod val="120000"/>
+              </a:schemeClr>
+            </a:gs>
+          </a:gsLst>
+          <a:lin ang="5400000" scaled="0"/>
+        </a:gradFill>
+      </a:bgFillStyleLst>
+    </a:fmtScheme>
+  </a:themeElements>
+  <a:objectDefaults>
+    <a:lnDef>
+      <a:spPr/>
+      <a:bodyPr/>
+      <a:lstStyle/>
+      <a:style>
+        <a:lnRef idx="2">
+          <a:schemeClr val="accent1"/>
+        </a:lnRef>
+        <a:fillRef idx="0">
+          <a:schemeClr val="accent1"/>
+        </a:fillRef>
+        <a:effectRef idx="1">
+          <a:schemeClr val="accent1"/>
+        </a:effectRef>
+        <a:fontRef idx="minor">
+          <a:schemeClr val="tx1"/>
+        </a:fontRef>
+      </a:style>
+    </a:lnDef>
+  </a:objectDefaults>
+  <a:extraClrSchemeLst/>
+  <a:extLst>
+    <a:ext uri="{05A4C25C-085E-4340-85A3-A5531E510DB2}">
+      <thm15:themeFamily xmlns:thm15="http://schemas.microsoft.com/office/thememl/2012/main" name="Office Theme" id="{2E142A2C-CD16-42D6-873A-C26D2A0506FA}" vid="{1BDDFF52-6CD6-40A5-AB3C-68EB2F1E4D0A}"/>
+    </a:ext>
+  </a:extLst>
+</a:theme>
 </file>